--- a/undergraduate/lectures/devices.pptx
+++ b/undergraduate/lectures/devices.pptx
@@ -5,7 +5,7 @@
     <p:sldMasterId id="2147483786" r:id="rId1"/>
   </p:sldMasterIdLst>
   <p:notesMasterIdLst>
-    <p:notesMasterId r:id="rId11"/>
+    <p:notesMasterId r:id="rId15"/>
   </p:notesMasterIdLst>
   <p:sldIdLst>
     <p:sldId id="256" r:id="rId2"/>
@@ -17,6 +17,10 @@
     <p:sldId id="260" r:id="rId8"/>
     <p:sldId id="261" r:id="rId9"/>
     <p:sldId id="262" r:id="rId10"/>
+    <p:sldId id="265" r:id="rId11"/>
+    <p:sldId id="266" r:id="rId12"/>
+    <p:sldId id="267" r:id="rId13"/>
+    <p:sldId id="268" r:id="rId14"/>
   </p:sldIdLst>
   <p:sldSz cx="12192000" cy="6858000"/>
   <p:notesSz cx="6858000" cy="9144000"/>
@@ -4462,6 +4466,4501 @@
 </p:sld>
 </file>
 
+<file path=ppt/slides/slide10.xml><?xml version="1.0" encoding="utf-8"?>
+<p:sld xmlns:a="http://schemas.openxmlformats.org/drawingml/2006/main" xmlns:r="http://schemas.openxmlformats.org/officeDocument/2006/relationships" xmlns:p="http://schemas.openxmlformats.org/presentationml/2006/main">
+  <p:cSld>
+    <p:spTree>
+      <p:nvGrpSpPr>
+        <p:cNvPr id="1" name=""/>
+        <p:cNvGrpSpPr/>
+        <p:nvPr/>
+      </p:nvGrpSpPr>
+      <p:grpSpPr>
+        <a:xfrm>
+          <a:off x="0" y="0"/>
+          <a:ext cx="0" cy="0"/>
+          <a:chOff x="0" y="0"/>
+          <a:chExt cx="0" cy="0"/>
+        </a:xfrm>
+      </p:grpSpPr>
+      <p:sp>
+        <p:nvSpPr>
+          <p:cNvPr id="2" name="Title 1"/>
+          <p:cNvSpPr>
+            <a:spLocks noGrp="1"/>
+          </p:cNvSpPr>
+          <p:nvPr>
+            <p:ph type="title"/>
+          </p:nvPr>
+        </p:nvSpPr>
+        <p:spPr/>
+        <p:txBody>
+          <a:bodyPr/>
+          <a:lstStyle/>
+          <a:p>
+            <a:r>
+              <a:rPr lang="en-US" dirty="0" smtClean="0"/>
+              <a:t>Meeting in the Middle</a:t>
+            </a:r>
+            <a:endParaRPr lang="en-US" dirty="0"/>
+          </a:p>
+        </p:txBody>
+      </p:sp>
+      <p:sp>
+        <p:nvSpPr>
+          <p:cNvPr id="6" name="Content Placeholder 5"/>
+          <p:cNvSpPr>
+            <a:spLocks noGrp="1"/>
+          </p:cNvSpPr>
+          <p:nvPr>
+            <p:ph idx="1"/>
+          </p:nvPr>
+        </p:nvSpPr>
+        <p:spPr/>
+        <p:txBody>
+          <a:bodyPr/>
+          <a:lstStyle/>
+          <a:p>
+            <a:r>
+              <a:rPr lang="en-US" dirty="0" smtClean="0"/>
+              <a:t>Producer/Consumer Model</a:t>
+            </a:r>
+          </a:p>
+          <a:p>
+            <a:r>
+              <a:rPr lang="en-US" dirty="0" smtClean="0"/>
+              <a:t>Doorbells</a:t>
+            </a:r>
+          </a:p>
+          <a:p>
+            <a:r>
+              <a:rPr lang="en-US" dirty="0" smtClean="0"/>
+              <a:t>Mailboxes</a:t>
+            </a:r>
+          </a:p>
+          <a:p>
+            <a:r>
+              <a:rPr lang="en-US" dirty="0" err="1" smtClean="0"/>
+              <a:t>Syncronization</a:t>
+            </a:r>
+            <a:endParaRPr lang="en-US" dirty="0" smtClean="0"/>
+          </a:p>
+          <a:p>
+            <a:r>
+              <a:rPr lang="en-US" dirty="0" smtClean="0"/>
+              <a:t>Off by 2</a:t>
+            </a:r>
+            <a:endParaRPr lang="en-US" dirty="0"/>
+          </a:p>
+        </p:txBody>
+      </p:sp>
+      <p:sp>
+        <p:nvSpPr>
+          <p:cNvPr id="3" name="Date Placeholder 2"/>
+          <p:cNvSpPr>
+            <a:spLocks noGrp="1"/>
+          </p:cNvSpPr>
+          <p:nvPr>
+            <p:ph type="dt" sz="half" idx="10"/>
+          </p:nvPr>
+        </p:nvSpPr>
+        <p:spPr/>
+        <p:txBody>
+          <a:bodyPr/>
+          <a:lstStyle/>
+          <a:p>
+            <a:fld id="{9FC8F57C-E466-5D4A-8BA1-0F2DC96E6599}" type="datetime1">
+              <a:rPr lang="en-US" smtClean="0"/>
+              <a:t>2/4/17</a:t>
+            </a:fld>
+            <a:endParaRPr lang="en-US"/>
+          </a:p>
+        </p:txBody>
+      </p:sp>
+      <p:sp>
+        <p:nvSpPr>
+          <p:cNvPr id="4" name="Footer Placeholder 3"/>
+          <p:cNvSpPr>
+            <a:spLocks noGrp="1"/>
+          </p:cNvSpPr>
+          <p:nvPr>
+            <p:ph type="ftr" sz="quarter" idx="11"/>
+          </p:nvPr>
+        </p:nvSpPr>
+        <p:spPr/>
+        <p:txBody>
+          <a:bodyPr/>
+          <a:lstStyle/>
+          <a:p>
+            <a:r>
+              <a:rPr lang="en-US" smtClean="0"/>
+              <a:t>Developing Products with FreeBSD</a:t>
+            </a:r>
+            <a:endParaRPr lang="en-US"/>
+          </a:p>
+        </p:txBody>
+      </p:sp>
+      <p:sp>
+        <p:nvSpPr>
+          <p:cNvPr id="5" name="Slide Number Placeholder 4"/>
+          <p:cNvSpPr>
+            <a:spLocks noGrp="1"/>
+          </p:cNvSpPr>
+          <p:nvPr>
+            <p:ph type="sldNum" sz="quarter" idx="12"/>
+          </p:nvPr>
+        </p:nvSpPr>
+        <p:spPr/>
+        <p:txBody>
+          <a:bodyPr/>
+          <a:lstStyle/>
+          <a:p>
+            <a:fld id="{699C44C4-0FAD-8046-A5C4-05AB318FA424}" type="slidenum">
+              <a:rPr lang="en-US" smtClean="0"/>
+              <a:t>10</a:t>
+            </a:fld>
+            <a:endParaRPr lang="en-US"/>
+          </a:p>
+        </p:txBody>
+      </p:sp>
+    </p:spTree>
+    <p:extLst>
+      <p:ext uri="{BB962C8B-B14F-4D97-AF65-F5344CB8AC3E}">
+        <p14:creationId xmlns:p14="http://schemas.microsoft.com/office/powerpoint/2010/main" val="1304884495"/>
+      </p:ext>
+    </p:extLst>
+  </p:cSld>
+  <p:clrMapOvr>
+    <a:masterClrMapping/>
+  </p:clrMapOvr>
+  <p:timing>
+    <p:tnLst>
+      <p:par>
+        <p:cTn id="1" dur="indefinite" restart="never" nodeType="tmRoot"/>
+      </p:par>
+    </p:tnLst>
+  </p:timing>
+</p:sld>
+</file>
+
+<file path=ppt/slides/slide11.xml><?xml version="1.0" encoding="utf-8"?>
+<p:sld xmlns:a="http://schemas.openxmlformats.org/drawingml/2006/main" xmlns:r="http://schemas.openxmlformats.org/officeDocument/2006/relationships" xmlns:p="http://schemas.openxmlformats.org/presentationml/2006/main">
+  <p:cSld>
+    <p:spTree>
+      <p:nvGrpSpPr>
+        <p:cNvPr id="1" name=""/>
+        <p:cNvGrpSpPr/>
+        <p:nvPr/>
+      </p:nvGrpSpPr>
+      <p:grpSpPr>
+        <a:xfrm>
+          <a:off x="0" y="0"/>
+          <a:ext cx="0" cy="0"/>
+          <a:chOff x="0" y="0"/>
+          <a:chExt cx="0" cy="0"/>
+        </a:xfrm>
+      </p:grpSpPr>
+      <p:sp>
+        <p:nvSpPr>
+          <p:cNvPr id="2" name="Title 1"/>
+          <p:cNvSpPr>
+            <a:spLocks noGrp="1"/>
+          </p:cNvSpPr>
+          <p:nvPr>
+            <p:ph type="title"/>
+          </p:nvPr>
+        </p:nvSpPr>
+        <p:spPr/>
+        <p:txBody>
+          <a:bodyPr/>
+          <a:lstStyle/>
+          <a:p>
+            <a:r>
+              <a:rPr lang="en-US" dirty="0" smtClean="0"/>
+              <a:t>Producer and Consumer</a:t>
+            </a:r>
+            <a:endParaRPr lang="en-US" dirty="0"/>
+          </a:p>
+        </p:txBody>
+      </p:sp>
+      <p:sp>
+        <p:nvSpPr>
+          <p:cNvPr id="4" name="Date Placeholder 3"/>
+          <p:cNvSpPr>
+            <a:spLocks noGrp="1"/>
+          </p:cNvSpPr>
+          <p:nvPr>
+            <p:ph type="dt" sz="half" idx="10"/>
+          </p:nvPr>
+        </p:nvSpPr>
+        <p:spPr/>
+        <p:txBody>
+          <a:bodyPr/>
+          <a:lstStyle/>
+          <a:p>
+            <a:fld id="{BC4AE5AA-C6FF-5A4F-9D02-E3454F0B3602}" type="datetime1">
+              <a:rPr lang="en-US" smtClean="0"/>
+              <a:t>2/4/17</a:t>
+            </a:fld>
+            <a:endParaRPr lang="en-US"/>
+          </a:p>
+        </p:txBody>
+      </p:sp>
+      <p:sp>
+        <p:nvSpPr>
+          <p:cNvPr id="5" name="Footer Placeholder 4"/>
+          <p:cNvSpPr>
+            <a:spLocks noGrp="1"/>
+          </p:cNvSpPr>
+          <p:nvPr>
+            <p:ph type="ftr" sz="quarter" idx="11"/>
+          </p:nvPr>
+        </p:nvSpPr>
+        <p:spPr/>
+        <p:txBody>
+          <a:bodyPr/>
+          <a:lstStyle/>
+          <a:p>
+            <a:r>
+              <a:rPr lang="en-US" smtClean="0"/>
+              <a:t>Developing Products with FreeBSD</a:t>
+            </a:r>
+            <a:endParaRPr lang="en-US" dirty="0"/>
+          </a:p>
+        </p:txBody>
+      </p:sp>
+      <p:sp>
+        <p:nvSpPr>
+          <p:cNvPr id="6" name="Slide Number Placeholder 5"/>
+          <p:cNvSpPr>
+            <a:spLocks noGrp="1"/>
+          </p:cNvSpPr>
+          <p:nvPr>
+            <p:ph type="sldNum" sz="quarter" idx="12"/>
+          </p:nvPr>
+        </p:nvSpPr>
+        <p:spPr/>
+        <p:txBody>
+          <a:bodyPr/>
+          <a:lstStyle/>
+          <a:p>
+            <a:fld id="{699C44C4-0FAD-8046-A5C4-05AB318FA424}" type="slidenum">
+              <a:rPr lang="en-US" smtClean="0"/>
+              <a:t>11</a:t>
+            </a:fld>
+            <a:endParaRPr lang="en-US"/>
+          </a:p>
+        </p:txBody>
+      </p:sp>
+      <p:sp>
+        <p:nvSpPr>
+          <p:cNvPr id="7" name="Rectangle 6"/>
+          <p:cNvSpPr/>
+          <p:nvPr/>
+        </p:nvSpPr>
+        <p:spPr>
+          <a:xfrm>
+            <a:off x="3987210" y="1648045"/>
+            <a:ext cx="1339702" cy="531628"/>
+          </a:xfrm>
+          <a:prstGeom prst="rect">
+            <a:avLst/>
+          </a:prstGeom>
+          <a:solidFill>
+            <a:srgbClr val="00B050"/>
+          </a:solidFill>
+          <a:ln>
+            <a:solidFill>
+              <a:schemeClr val="bg1"/>
+            </a:solidFill>
+          </a:ln>
+        </p:spPr>
+        <p:style>
+          <a:lnRef idx="2">
+            <a:schemeClr val="accent1">
+              <a:shade val="50000"/>
+            </a:schemeClr>
+          </a:lnRef>
+          <a:fillRef idx="1">
+            <a:schemeClr val="accent1"/>
+          </a:fillRef>
+          <a:effectRef idx="0">
+            <a:schemeClr val="accent1"/>
+          </a:effectRef>
+          <a:fontRef idx="minor">
+            <a:schemeClr val="lt1"/>
+          </a:fontRef>
+        </p:style>
+        <p:txBody>
+          <a:bodyPr rtlCol="0" anchor="ctr"/>
+          <a:lstStyle/>
+          <a:p>
+            <a:pPr algn="ctr"/>
+            <a:r>
+              <a:rPr lang="en-US" dirty="0" smtClean="0"/>
+              <a:t>Descriptor</a:t>
+            </a:r>
+            <a:endParaRPr lang="en-US" dirty="0"/>
+          </a:p>
+        </p:txBody>
+      </p:sp>
+      <p:sp>
+        <p:nvSpPr>
+          <p:cNvPr id="8" name="Rectangle 7"/>
+          <p:cNvSpPr/>
+          <p:nvPr/>
+        </p:nvSpPr>
+        <p:spPr>
+          <a:xfrm>
+            <a:off x="6671745" y="1634945"/>
+            <a:ext cx="1339702" cy="531628"/>
+          </a:xfrm>
+          <a:prstGeom prst="rect">
+            <a:avLst/>
+          </a:prstGeom>
+          <a:solidFill>
+            <a:srgbClr val="00B050"/>
+          </a:solidFill>
+          <a:ln>
+            <a:solidFill>
+              <a:schemeClr val="bg1"/>
+            </a:solidFill>
+          </a:ln>
+        </p:spPr>
+        <p:style>
+          <a:lnRef idx="2">
+            <a:schemeClr val="accent1">
+              <a:shade val="50000"/>
+            </a:schemeClr>
+          </a:lnRef>
+          <a:fillRef idx="1">
+            <a:schemeClr val="accent1"/>
+          </a:fillRef>
+          <a:effectRef idx="0">
+            <a:schemeClr val="accent1"/>
+          </a:effectRef>
+          <a:fontRef idx="minor">
+            <a:schemeClr val="lt1"/>
+          </a:fontRef>
+        </p:style>
+        <p:txBody>
+          <a:bodyPr rtlCol="0" anchor="ctr"/>
+          <a:lstStyle/>
+          <a:p>
+            <a:pPr algn="ctr"/>
+            <a:r>
+              <a:rPr lang="en-US" dirty="0" smtClean="0"/>
+              <a:t>Data</a:t>
+            </a:r>
+            <a:endParaRPr lang="en-US" dirty="0"/>
+          </a:p>
+        </p:txBody>
+      </p:sp>
+      <p:sp>
+        <p:nvSpPr>
+          <p:cNvPr id="9" name="Rectangle 8"/>
+          <p:cNvSpPr/>
+          <p:nvPr/>
+        </p:nvSpPr>
+        <p:spPr>
+          <a:xfrm>
+            <a:off x="6671745" y="2166573"/>
+            <a:ext cx="1339702" cy="531628"/>
+          </a:xfrm>
+          <a:prstGeom prst="rect">
+            <a:avLst/>
+          </a:prstGeom>
+          <a:solidFill>
+            <a:srgbClr val="00B050"/>
+          </a:solidFill>
+          <a:ln>
+            <a:solidFill>
+              <a:schemeClr val="bg1"/>
+            </a:solidFill>
+          </a:ln>
+        </p:spPr>
+        <p:style>
+          <a:lnRef idx="2">
+            <a:schemeClr val="accent1">
+              <a:shade val="50000"/>
+            </a:schemeClr>
+          </a:lnRef>
+          <a:fillRef idx="1">
+            <a:schemeClr val="accent1"/>
+          </a:fillRef>
+          <a:effectRef idx="0">
+            <a:schemeClr val="accent1"/>
+          </a:effectRef>
+          <a:fontRef idx="minor">
+            <a:schemeClr val="lt1"/>
+          </a:fontRef>
+        </p:style>
+        <p:txBody>
+          <a:bodyPr rtlCol="0" anchor="ctr"/>
+          <a:lstStyle/>
+          <a:p>
+            <a:pPr algn="ctr"/>
+            <a:r>
+              <a:rPr lang="en-US" dirty="0" smtClean="0"/>
+              <a:t>Data</a:t>
+            </a:r>
+            <a:endParaRPr lang="en-US" dirty="0"/>
+          </a:p>
+        </p:txBody>
+      </p:sp>
+      <p:sp>
+        <p:nvSpPr>
+          <p:cNvPr id="10" name="Rectangle 9"/>
+          <p:cNvSpPr/>
+          <p:nvPr/>
+        </p:nvSpPr>
+        <p:spPr>
+          <a:xfrm>
+            <a:off x="6671745" y="2698201"/>
+            <a:ext cx="1339702" cy="531628"/>
+          </a:xfrm>
+          <a:prstGeom prst="rect">
+            <a:avLst/>
+          </a:prstGeom>
+          <a:solidFill>
+            <a:srgbClr val="00B050"/>
+          </a:solidFill>
+          <a:ln>
+            <a:solidFill>
+              <a:schemeClr val="bg1"/>
+            </a:solidFill>
+          </a:ln>
+        </p:spPr>
+        <p:style>
+          <a:lnRef idx="2">
+            <a:schemeClr val="accent1">
+              <a:shade val="50000"/>
+            </a:schemeClr>
+          </a:lnRef>
+          <a:fillRef idx="1">
+            <a:schemeClr val="accent1"/>
+          </a:fillRef>
+          <a:effectRef idx="0">
+            <a:schemeClr val="accent1"/>
+          </a:effectRef>
+          <a:fontRef idx="minor">
+            <a:schemeClr val="lt1"/>
+          </a:fontRef>
+        </p:style>
+        <p:txBody>
+          <a:bodyPr rtlCol="0" anchor="ctr"/>
+          <a:lstStyle/>
+          <a:p>
+            <a:pPr algn="ctr"/>
+            <a:r>
+              <a:rPr lang="en-US" dirty="0" smtClean="0"/>
+              <a:t>Data</a:t>
+            </a:r>
+            <a:endParaRPr lang="en-US" dirty="0"/>
+          </a:p>
+        </p:txBody>
+      </p:sp>
+      <p:sp>
+        <p:nvSpPr>
+          <p:cNvPr id="11" name="Rectangle 10"/>
+          <p:cNvSpPr/>
+          <p:nvPr/>
+        </p:nvSpPr>
+        <p:spPr>
+          <a:xfrm>
+            <a:off x="6671745" y="3229829"/>
+            <a:ext cx="1339702" cy="531628"/>
+          </a:xfrm>
+          <a:prstGeom prst="rect">
+            <a:avLst/>
+          </a:prstGeom>
+          <a:solidFill>
+            <a:srgbClr val="00B050"/>
+          </a:solidFill>
+          <a:ln>
+            <a:solidFill>
+              <a:schemeClr val="bg1"/>
+            </a:solidFill>
+          </a:ln>
+        </p:spPr>
+        <p:style>
+          <a:lnRef idx="2">
+            <a:schemeClr val="accent1">
+              <a:shade val="50000"/>
+            </a:schemeClr>
+          </a:lnRef>
+          <a:fillRef idx="1">
+            <a:schemeClr val="accent1"/>
+          </a:fillRef>
+          <a:effectRef idx="0">
+            <a:schemeClr val="accent1"/>
+          </a:effectRef>
+          <a:fontRef idx="minor">
+            <a:schemeClr val="lt1"/>
+          </a:fontRef>
+        </p:style>
+        <p:txBody>
+          <a:bodyPr rtlCol="0" anchor="ctr"/>
+          <a:lstStyle/>
+          <a:p>
+            <a:pPr algn="ctr"/>
+            <a:r>
+              <a:rPr lang="en-US" dirty="0" smtClean="0"/>
+              <a:t>Data</a:t>
+            </a:r>
+            <a:endParaRPr lang="en-US" dirty="0"/>
+          </a:p>
+        </p:txBody>
+      </p:sp>
+      <p:sp>
+        <p:nvSpPr>
+          <p:cNvPr id="13" name="Rectangle 12"/>
+          <p:cNvSpPr/>
+          <p:nvPr/>
+        </p:nvSpPr>
+        <p:spPr>
+          <a:xfrm>
+            <a:off x="6671745" y="3761457"/>
+            <a:ext cx="1339702" cy="531628"/>
+          </a:xfrm>
+          <a:prstGeom prst="rect">
+            <a:avLst/>
+          </a:prstGeom>
+          <a:solidFill>
+            <a:srgbClr val="00B050"/>
+          </a:solidFill>
+          <a:ln>
+            <a:solidFill>
+              <a:schemeClr val="bg1"/>
+            </a:solidFill>
+          </a:ln>
+        </p:spPr>
+        <p:style>
+          <a:lnRef idx="2">
+            <a:schemeClr val="accent1">
+              <a:shade val="50000"/>
+            </a:schemeClr>
+          </a:lnRef>
+          <a:fillRef idx="1">
+            <a:schemeClr val="accent1"/>
+          </a:fillRef>
+          <a:effectRef idx="0">
+            <a:schemeClr val="accent1"/>
+          </a:effectRef>
+          <a:fontRef idx="minor">
+            <a:schemeClr val="lt1"/>
+          </a:fontRef>
+        </p:style>
+        <p:txBody>
+          <a:bodyPr rtlCol="0" anchor="ctr"/>
+          <a:lstStyle/>
+          <a:p>
+            <a:pPr algn="ctr"/>
+            <a:r>
+              <a:rPr lang="en-US" dirty="0" smtClean="0"/>
+              <a:t>Data</a:t>
+            </a:r>
+            <a:endParaRPr lang="en-US" dirty="0"/>
+          </a:p>
+        </p:txBody>
+      </p:sp>
+      <p:sp>
+        <p:nvSpPr>
+          <p:cNvPr id="14" name="Rectangle 13"/>
+          <p:cNvSpPr/>
+          <p:nvPr/>
+        </p:nvSpPr>
+        <p:spPr>
+          <a:xfrm>
+            <a:off x="6671745" y="4293085"/>
+            <a:ext cx="1339702" cy="531628"/>
+          </a:xfrm>
+          <a:prstGeom prst="rect">
+            <a:avLst/>
+          </a:prstGeom>
+          <a:solidFill>
+            <a:srgbClr val="00B050"/>
+          </a:solidFill>
+          <a:ln>
+            <a:solidFill>
+              <a:schemeClr val="bg1"/>
+            </a:solidFill>
+          </a:ln>
+        </p:spPr>
+        <p:style>
+          <a:lnRef idx="2">
+            <a:schemeClr val="accent1">
+              <a:shade val="50000"/>
+            </a:schemeClr>
+          </a:lnRef>
+          <a:fillRef idx="1">
+            <a:schemeClr val="accent1"/>
+          </a:fillRef>
+          <a:effectRef idx="0">
+            <a:schemeClr val="accent1"/>
+          </a:effectRef>
+          <a:fontRef idx="minor">
+            <a:schemeClr val="lt1"/>
+          </a:fontRef>
+        </p:style>
+        <p:txBody>
+          <a:bodyPr rtlCol="0" anchor="ctr"/>
+          <a:lstStyle/>
+          <a:p>
+            <a:pPr algn="ctr"/>
+            <a:r>
+              <a:rPr lang="en-US" dirty="0" smtClean="0"/>
+              <a:t>Data</a:t>
+            </a:r>
+            <a:endParaRPr lang="en-US" dirty="0"/>
+          </a:p>
+        </p:txBody>
+      </p:sp>
+      <p:sp>
+        <p:nvSpPr>
+          <p:cNvPr id="15" name="Rectangle 14"/>
+          <p:cNvSpPr/>
+          <p:nvPr/>
+        </p:nvSpPr>
+        <p:spPr>
+          <a:xfrm>
+            <a:off x="6671745" y="4824713"/>
+            <a:ext cx="1339702" cy="531628"/>
+          </a:xfrm>
+          <a:prstGeom prst="rect">
+            <a:avLst/>
+          </a:prstGeom>
+          <a:solidFill>
+            <a:srgbClr val="00B050"/>
+          </a:solidFill>
+          <a:ln>
+            <a:solidFill>
+              <a:schemeClr val="bg1"/>
+            </a:solidFill>
+          </a:ln>
+        </p:spPr>
+        <p:style>
+          <a:lnRef idx="2">
+            <a:schemeClr val="accent1">
+              <a:shade val="50000"/>
+            </a:schemeClr>
+          </a:lnRef>
+          <a:fillRef idx="1">
+            <a:schemeClr val="accent1"/>
+          </a:fillRef>
+          <a:effectRef idx="0">
+            <a:schemeClr val="accent1"/>
+          </a:effectRef>
+          <a:fontRef idx="minor">
+            <a:schemeClr val="lt1"/>
+          </a:fontRef>
+        </p:style>
+        <p:txBody>
+          <a:bodyPr rtlCol="0" anchor="ctr"/>
+          <a:lstStyle/>
+          <a:p>
+            <a:pPr algn="ctr"/>
+            <a:r>
+              <a:rPr lang="en-US" dirty="0" smtClean="0"/>
+              <a:t>Data</a:t>
+            </a:r>
+            <a:endParaRPr lang="en-US" dirty="0"/>
+          </a:p>
+        </p:txBody>
+      </p:sp>
+      <p:sp>
+        <p:nvSpPr>
+          <p:cNvPr id="16" name="Rectangle 15"/>
+          <p:cNvSpPr/>
+          <p:nvPr/>
+        </p:nvSpPr>
+        <p:spPr>
+          <a:xfrm>
+            <a:off x="6671745" y="5356341"/>
+            <a:ext cx="1339702" cy="531628"/>
+          </a:xfrm>
+          <a:prstGeom prst="rect">
+            <a:avLst/>
+          </a:prstGeom>
+          <a:solidFill>
+            <a:srgbClr val="00B050"/>
+          </a:solidFill>
+          <a:ln>
+            <a:solidFill>
+              <a:schemeClr val="bg1"/>
+            </a:solidFill>
+          </a:ln>
+        </p:spPr>
+        <p:style>
+          <a:lnRef idx="2">
+            <a:schemeClr val="accent1">
+              <a:shade val="50000"/>
+            </a:schemeClr>
+          </a:lnRef>
+          <a:fillRef idx="1">
+            <a:schemeClr val="accent1"/>
+          </a:fillRef>
+          <a:effectRef idx="0">
+            <a:schemeClr val="accent1"/>
+          </a:effectRef>
+          <a:fontRef idx="minor">
+            <a:schemeClr val="lt1"/>
+          </a:fontRef>
+        </p:style>
+        <p:txBody>
+          <a:bodyPr rtlCol="0" anchor="ctr"/>
+          <a:lstStyle/>
+          <a:p>
+            <a:pPr algn="ctr"/>
+            <a:r>
+              <a:rPr lang="en-US" dirty="0" smtClean="0"/>
+              <a:t>Data</a:t>
+            </a:r>
+            <a:endParaRPr lang="en-US" dirty="0"/>
+          </a:p>
+        </p:txBody>
+      </p:sp>
+      <p:sp>
+        <p:nvSpPr>
+          <p:cNvPr id="18" name="Rectangle 17"/>
+          <p:cNvSpPr/>
+          <p:nvPr/>
+        </p:nvSpPr>
+        <p:spPr>
+          <a:xfrm>
+            <a:off x="3987210" y="2179673"/>
+            <a:ext cx="1339702" cy="531628"/>
+          </a:xfrm>
+          <a:prstGeom prst="rect">
+            <a:avLst/>
+          </a:prstGeom>
+          <a:solidFill>
+            <a:srgbClr val="00B050"/>
+          </a:solidFill>
+          <a:ln>
+            <a:solidFill>
+              <a:schemeClr val="bg1"/>
+            </a:solidFill>
+          </a:ln>
+        </p:spPr>
+        <p:style>
+          <a:lnRef idx="2">
+            <a:schemeClr val="accent1">
+              <a:shade val="50000"/>
+            </a:schemeClr>
+          </a:lnRef>
+          <a:fillRef idx="1">
+            <a:schemeClr val="accent1"/>
+          </a:fillRef>
+          <a:effectRef idx="0">
+            <a:schemeClr val="accent1"/>
+          </a:effectRef>
+          <a:fontRef idx="minor">
+            <a:schemeClr val="lt1"/>
+          </a:fontRef>
+        </p:style>
+        <p:txBody>
+          <a:bodyPr rtlCol="0" anchor="ctr"/>
+          <a:lstStyle/>
+          <a:p>
+            <a:pPr algn="ctr"/>
+            <a:r>
+              <a:rPr lang="en-US" dirty="0" smtClean="0"/>
+              <a:t>Descriptor</a:t>
+            </a:r>
+            <a:endParaRPr lang="en-US" dirty="0"/>
+          </a:p>
+        </p:txBody>
+      </p:sp>
+      <p:sp>
+        <p:nvSpPr>
+          <p:cNvPr id="19" name="Rectangle 18"/>
+          <p:cNvSpPr/>
+          <p:nvPr/>
+        </p:nvSpPr>
+        <p:spPr>
+          <a:xfrm>
+            <a:off x="3987210" y="2714576"/>
+            <a:ext cx="1339702" cy="531628"/>
+          </a:xfrm>
+          <a:prstGeom prst="rect">
+            <a:avLst/>
+          </a:prstGeom>
+          <a:solidFill>
+            <a:srgbClr val="00B050"/>
+          </a:solidFill>
+          <a:ln>
+            <a:solidFill>
+              <a:schemeClr val="bg1"/>
+            </a:solidFill>
+          </a:ln>
+        </p:spPr>
+        <p:style>
+          <a:lnRef idx="2">
+            <a:schemeClr val="accent1">
+              <a:shade val="50000"/>
+            </a:schemeClr>
+          </a:lnRef>
+          <a:fillRef idx="1">
+            <a:schemeClr val="accent1"/>
+          </a:fillRef>
+          <a:effectRef idx="0">
+            <a:schemeClr val="accent1"/>
+          </a:effectRef>
+          <a:fontRef idx="minor">
+            <a:schemeClr val="lt1"/>
+          </a:fontRef>
+        </p:style>
+        <p:txBody>
+          <a:bodyPr rtlCol="0" anchor="ctr"/>
+          <a:lstStyle/>
+          <a:p>
+            <a:pPr algn="ctr"/>
+            <a:r>
+              <a:rPr lang="en-US" dirty="0" smtClean="0"/>
+              <a:t>Descriptor</a:t>
+            </a:r>
+            <a:endParaRPr lang="en-US" dirty="0"/>
+          </a:p>
+        </p:txBody>
+      </p:sp>
+      <p:sp>
+        <p:nvSpPr>
+          <p:cNvPr id="20" name="Rectangle 19"/>
+          <p:cNvSpPr/>
+          <p:nvPr/>
+        </p:nvSpPr>
+        <p:spPr>
+          <a:xfrm>
+            <a:off x="3987210" y="3242929"/>
+            <a:ext cx="1339702" cy="531628"/>
+          </a:xfrm>
+          <a:prstGeom prst="rect">
+            <a:avLst/>
+          </a:prstGeom>
+          <a:solidFill>
+            <a:srgbClr val="00B050"/>
+          </a:solidFill>
+          <a:ln>
+            <a:solidFill>
+              <a:schemeClr val="bg1"/>
+            </a:solidFill>
+          </a:ln>
+        </p:spPr>
+        <p:style>
+          <a:lnRef idx="2">
+            <a:schemeClr val="accent1">
+              <a:shade val="50000"/>
+            </a:schemeClr>
+          </a:lnRef>
+          <a:fillRef idx="1">
+            <a:schemeClr val="accent1"/>
+          </a:fillRef>
+          <a:effectRef idx="0">
+            <a:schemeClr val="accent1"/>
+          </a:effectRef>
+          <a:fontRef idx="minor">
+            <a:schemeClr val="lt1"/>
+          </a:fontRef>
+        </p:style>
+        <p:txBody>
+          <a:bodyPr rtlCol="0" anchor="ctr"/>
+          <a:lstStyle/>
+          <a:p>
+            <a:pPr algn="ctr"/>
+            <a:r>
+              <a:rPr lang="en-US" dirty="0" smtClean="0"/>
+              <a:t>Descriptor</a:t>
+            </a:r>
+            <a:endParaRPr lang="en-US" dirty="0"/>
+          </a:p>
+        </p:txBody>
+      </p:sp>
+      <p:sp>
+        <p:nvSpPr>
+          <p:cNvPr id="21" name="Rectangle 20"/>
+          <p:cNvSpPr/>
+          <p:nvPr/>
+        </p:nvSpPr>
+        <p:spPr>
+          <a:xfrm>
+            <a:off x="3987210" y="3771282"/>
+            <a:ext cx="1339702" cy="531628"/>
+          </a:xfrm>
+          <a:prstGeom prst="rect">
+            <a:avLst/>
+          </a:prstGeom>
+          <a:solidFill>
+            <a:srgbClr val="00B050"/>
+          </a:solidFill>
+          <a:ln>
+            <a:solidFill>
+              <a:schemeClr val="bg1"/>
+            </a:solidFill>
+          </a:ln>
+        </p:spPr>
+        <p:style>
+          <a:lnRef idx="2">
+            <a:schemeClr val="accent1">
+              <a:shade val="50000"/>
+            </a:schemeClr>
+          </a:lnRef>
+          <a:fillRef idx="1">
+            <a:schemeClr val="accent1"/>
+          </a:fillRef>
+          <a:effectRef idx="0">
+            <a:schemeClr val="accent1"/>
+          </a:effectRef>
+          <a:fontRef idx="minor">
+            <a:schemeClr val="lt1"/>
+          </a:fontRef>
+        </p:style>
+        <p:txBody>
+          <a:bodyPr rtlCol="0" anchor="ctr"/>
+          <a:lstStyle/>
+          <a:p>
+            <a:pPr algn="ctr"/>
+            <a:r>
+              <a:rPr lang="en-US" dirty="0" smtClean="0"/>
+              <a:t>Descriptor</a:t>
+            </a:r>
+            <a:endParaRPr lang="en-US" dirty="0"/>
+          </a:p>
+        </p:txBody>
+      </p:sp>
+      <p:sp>
+        <p:nvSpPr>
+          <p:cNvPr id="22" name="Rectangle 21"/>
+          <p:cNvSpPr/>
+          <p:nvPr/>
+        </p:nvSpPr>
+        <p:spPr>
+          <a:xfrm>
+            <a:off x="3987210" y="5356341"/>
+            <a:ext cx="1339702" cy="531628"/>
+          </a:xfrm>
+          <a:prstGeom prst="rect">
+            <a:avLst/>
+          </a:prstGeom>
+          <a:solidFill>
+            <a:srgbClr val="00B050"/>
+          </a:solidFill>
+          <a:ln>
+            <a:solidFill>
+              <a:schemeClr val="bg1"/>
+            </a:solidFill>
+          </a:ln>
+        </p:spPr>
+        <p:style>
+          <a:lnRef idx="2">
+            <a:schemeClr val="accent1">
+              <a:shade val="50000"/>
+            </a:schemeClr>
+          </a:lnRef>
+          <a:fillRef idx="1">
+            <a:schemeClr val="accent1"/>
+          </a:fillRef>
+          <a:effectRef idx="0">
+            <a:schemeClr val="accent1"/>
+          </a:effectRef>
+          <a:fontRef idx="minor">
+            <a:schemeClr val="lt1"/>
+          </a:fontRef>
+        </p:style>
+        <p:txBody>
+          <a:bodyPr rtlCol="0" anchor="ctr"/>
+          <a:lstStyle/>
+          <a:p>
+            <a:pPr algn="ctr"/>
+            <a:r>
+              <a:rPr lang="en-US" dirty="0" smtClean="0"/>
+              <a:t>Descriptor</a:t>
+            </a:r>
+            <a:endParaRPr lang="en-US" dirty="0"/>
+          </a:p>
+        </p:txBody>
+      </p:sp>
+      <p:sp>
+        <p:nvSpPr>
+          <p:cNvPr id="23" name="Rectangle 22"/>
+          <p:cNvSpPr/>
+          <p:nvPr/>
+        </p:nvSpPr>
+        <p:spPr>
+          <a:xfrm>
+            <a:off x="3987210" y="4299635"/>
+            <a:ext cx="1339702" cy="531628"/>
+          </a:xfrm>
+          <a:prstGeom prst="rect">
+            <a:avLst/>
+          </a:prstGeom>
+          <a:solidFill>
+            <a:srgbClr val="00B050"/>
+          </a:solidFill>
+          <a:ln>
+            <a:solidFill>
+              <a:schemeClr val="bg1"/>
+            </a:solidFill>
+          </a:ln>
+        </p:spPr>
+        <p:style>
+          <a:lnRef idx="2">
+            <a:schemeClr val="accent1">
+              <a:shade val="50000"/>
+            </a:schemeClr>
+          </a:lnRef>
+          <a:fillRef idx="1">
+            <a:schemeClr val="accent1"/>
+          </a:fillRef>
+          <a:effectRef idx="0">
+            <a:schemeClr val="accent1"/>
+          </a:effectRef>
+          <a:fontRef idx="minor">
+            <a:schemeClr val="lt1"/>
+          </a:fontRef>
+        </p:style>
+        <p:txBody>
+          <a:bodyPr rtlCol="0" anchor="ctr"/>
+          <a:lstStyle/>
+          <a:p>
+            <a:pPr algn="ctr"/>
+            <a:r>
+              <a:rPr lang="en-US" dirty="0" smtClean="0"/>
+              <a:t>Descriptor</a:t>
+            </a:r>
+            <a:endParaRPr lang="en-US" dirty="0"/>
+          </a:p>
+        </p:txBody>
+      </p:sp>
+      <p:sp>
+        <p:nvSpPr>
+          <p:cNvPr id="24" name="Rectangle 23"/>
+          <p:cNvSpPr/>
+          <p:nvPr/>
+        </p:nvSpPr>
+        <p:spPr>
+          <a:xfrm>
+            <a:off x="3987210" y="4832972"/>
+            <a:ext cx="1339702" cy="531628"/>
+          </a:xfrm>
+          <a:prstGeom prst="rect">
+            <a:avLst/>
+          </a:prstGeom>
+          <a:solidFill>
+            <a:srgbClr val="00B050"/>
+          </a:solidFill>
+          <a:ln>
+            <a:solidFill>
+              <a:schemeClr val="bg1"/>
+            </a:solidFill>
+          </a:ln>
+        </p:spPr>
+        <p:style>
+          <a:lnRef idx="2">
+            <a:schemeClr val="accent1">
+              <a:shade val="50000"/>
+            </a:schemeClr>
+          </a:lnRef>
+          <a:fillRef idx="1">
+            <a:schemeClr val="accent1"/>
+          </a:fillRef>
+          <a:effectRef idx="0">
+            <a:schemeClr val="accent1"/>
+          </a:effectRef>
+          <a:fontRef idx="minor">
+            <a:schemeClr val="lt1"/>
+          </a:fontRef>
+        </p:style>
+        <p:txBody>
+          <a:bodyPr rtlCol="0" anchor="ctr"/>
+          <a:lstStyle/>
+          <a:p>
+            <a:pPr algn="ctr"/>
+            <a:r>
+              <a:rPr lang="en-US" dirty="0" smtClean="0"/>
+              <a:t>Descriptor</a:t>
+            </a:r>
+            <a:endParaRPr lang="en-US" dirty="0"/>
+          </a:p>
+        </p:txBody>
+      </p:sp>
+      <p:cxnSp>
+        <p:nvCxnSpPr>
+          <p:cNvPr id="26" name="Straight Arrow Connector 25"/>
+          <p:cNvCxnSpPr>
+            <a:stCxn id="7" idx="3"/>
+            <a:endCxn id="8" idx="1"/>
+          </p:cNvCxnSpPr>
+          <p:nvPr/>
+        </p:nvCxnSpPr>
+        <p:spPr>
+          <a:xfrm flipV="1">
+            <a:off x="5326912" y="1900759"/>
+            <a:ext cx="1344833" cy="13100"/>
+          </a:xfrm>
+          <a:prstGeom prst="straightConnector1">
+            <a:avLst/>
+          </a:prstGeom>
+          <a:ln>
+            <a:solidFill>
+              <a:schemeClr val="tx1"/>
+            </a:solidFill>
+            <a:tailEnd type="triangle"/>
+          </a:ln>
+        </p:spPr>
+        <p:style>
+          <a:lnRef idx="1">
+            <a:schemeClr val="accent1"/>
+          </a:lnRef>
+          <a:fillRef idx="0">
+            <a:schemeClr val="accent1"/>
+          </a:fillRef>
+          <a:effectRef idx="0">
+            <a:schemeClr val="accent1"/>
+          </a:effectRef>
+          <a:fontRef idx="minor">
+            <a:schemeClr val="tx1"/>
+          </a:fontRef>
+        </p:style>
+      </p:cxnSp>
+      <p:cxnSp>
+        <p:nvCxnSpPr>
+          <p:cNvPr id="28" name="Straight Arrow Connector 27"/>
+          <p:cNvCxnSpPr/>
+          <p:nvPr/>
+        </p:nvCxnSpPr>
+        <p:spPr>
+          <a:xfrm flipV="1">
+            <a:off x="5326911" y="2456422"/>
+            <a:ext cx="1344833" cy="13100"/>
+          </a:xfrm>
+          <a:prstGeom prst="straightConnector1">
+            <a:avLst/>
+          </a:prstGeom>
+          <a:ln>
+            <a:solidFill>
+              <a:schemeClr val="tx1"/>
+            </a:solidFill>
+            <a:tailEnd type="triangle"/>
+          </a:ln>
+        </p:spPr>
+        <p:style>
+          <a:lnRef idx="1">
+            <a:schemeClr val="accent1"/>
+          </a:lnRef>
+          <a:fillRef idx="0">
+            <a:schemeClr val="accent1"/>
+          </a:fillRef>
+          <a:effectRef idx="0">
+            <a:schemeClr val="accent1"/>
+          </a:effectRef>
+          <a:fontRef idx="minor">
+            <a:schemeClr val="tx1"/>
+          </a:fontRef>
+        </p:style>
+      </p:cxnSp>
+      <p:cxnSp>
+        <p:nvCxnSpPr>
+          <p:cNvPr id="29" name="Straight Arrow Connector 28"/>
+          <p:cNvCxnSpPr/>
+          <p:nvPr/>
+        </p:nvCxnSpPr>
+        <p:spPr>
+          <a:xfrm flipV="1">
+            <a:off x="5326910" y="2988199"/>
+            <a:ext cx="1344833" cy="13100"/>
+          </a:xfrm>
+          <a:prstGeom prst="straightConnector1">
+            <a:avLst/>
+          </a:prstGeom>
+          <a:ln>
+            <a:solidFill>
+              <a:schemeClr val="tx1"/>
+            </a:solidFill>
+            <a:tailEnd type="triangle"/>
+          </a:ln>
+        </p:spPr>
+        <p:style>
+          <a:lnRef idx="1">
+            <a:schemeClr val="accent1"/>
+          </a:lnRef>
+          <a:fillRef idx="0">
+            <a:schemeClr val="accent1"/>
+          </a:fillRef>
+          <a:effectRef idx="0">
+            <a:schemeClr val="accent1"/>
+          </a:effectRef>
+          <a:fontRef idx="minor">
+            <a:schemeClr val="tx1"/>
+          </a:fontRef>
+        </p:style>
+      </p:cxnSp>
+      <p:cxnSp>
+        <p:nvCxnSpPr>
+          <p:cNvPr id="30" name="Straight Arrow Connector 29"/>
+          <p:cNvCxnSpPr/>
+          <p:nvPr/>
+        </p:nvCxnSpPr>
+        <p:spPr>
+          <a:xfrm flipV="1">
+            <a:off x="5326909" y="3489093"/>
+            <a:ext cx="1344833" cy="13100"/>
+          </a:xfrm>
+          <a:prstGeom prst="straightConnector1">
+            <a:avLst/>
+          </a:prstGeom>
+          <a:ln>
+            <a:solidFill>
+              <a:schemeClr val="tx1"/>
+            </a:solidFill>
+            <a:tailEnd type="triangle"/>
+          </a:ln>
+        </p:spPr>
+        <p:style>
+          <a:lnRef idx="1">
+            <a:schemeClr val="accent1"/>
+          </a:lnRef>
+          <a:fillRef idx="0">
+            <a:schemeClr val="accent1"/>
+          </a:fillRef>
+          <a:effectRef idx="0">
+            <a:schemeClr val="accent1"/>
+          </a:effectRef>
+          <a:fontRef idx="minor">
+            <a:schemeClr val="tx1"/>
+          </a:fontRef>
+        </p:style>
+      </p:cxnSp>
+      <p:cxnSp>
+        <p:nvCxnSpPr>
+          <p:cNvPr id="31" name="Straight Arrow Connector 30"/>
+          <p:cNvCxnSpPr/>
+          <p:nvPr/>
+        </p:nvCxnSpPr>
+        <p:spPr>
+          <a:xfrm flipV="1">
+            <a:off x="5326908" y="4051455"/>
+            <a:ext cx="1344833" cy="13100"/>
+          </a:xfrm>
+          <a:prstGeom prst="straightConnector1">
+            <a:avLst/>
+          </a:prstGeom>
+          <a:ln>
+            <a:solidFill>
+              <a:schemeClr val="tx1"/>
+            </a:solidFill>
+            <a:tailEnd type="triangle"/>
+          </a:ln>
+        </p:spPr>
+        <p:style>
+          <a:lnRef idx="1">
+            <a:schemeClr val="accent1"/>
+          </a:lnRef>
+          <a:fillRef idx="0">
+            <a:schemeClr val="accent1"/>
+          </a:fillRef>
+          <a:effectRef idx="0">
+            <a:schemeClr val="accent1"/>
+          </a:effectRef>
+          <a:fontRef idx="minor">
+            <a:schemeClr val="tx1"/>
+          </a:fontRef>
+        </p:style>
+      </p:cxnSp>
+      <p:cxnSp>
+        <p:nvCxnSpPr>
+          <p:cNvPr id="32" name="Straight Arrow Connector 31"/>
+          <p:cNvCxnSpPr/>
+          <p:nvPr/>
+        </p:nvCxnSpPr>
+        <p:spPr>
+          <a:xfrm flipV="1">
+            <a:off x="5326908" y="4593567"/>
+            <a:ext cx="1344833" cy="13100"/>
+          </a:xfrm>
+          <a:prstGeom prst="straightConnector1">
+            <a:avLst/>
+          </a:prstGeom>
+          <a:ln>
+            <a:solidFill>
+              <a:schemeClr val="tx1"/>
+            </a:solidFill>
+            <a:tailEnd type="triangle"/>
+          </a:ln>
+        </p:spPr>
+        <p:style>
+          <a:lnRef idx="1">
+            <a:schemeClr val="accent1"/>
+          </a:lnRef>
+          <a:fillRef idx="0">
+            <a:schemeClr val="accent1"/>
+          </a:fillRef>
+          <a:effectRef idx="0">
+            <a:schemeClr val="accent1"/>
+          </a:effectRef>
+          <a:fontRef idx="minor">
+            <a:schemeClr val="tx1"/>
+          </a:fontRef>
+        </p:style>
+      </p:cxnSp>
+      <p:cxnSp>
+        <p:nvCxnSpPr>
+          <p:cNvPr id="33" name="Straight Arrow Connector 32"/>
+          <p:cNvCxnSpPr/>
+          <p:nvPr/>
+        </p:nvCxnSpPr>
+        <p:spPr>
+          <a:xfrm flipV="1">
+            <a:off x="5326906" y="5081865"/>
+            <a:ext cx="1344833" cy="13100"/>
+          </a:xfrm>
+          <a:prstGeom prst="straightConnector1">
+            <a:avLst/>
+          </a:prstGeom>
+          <a:ln>
+            <a:solidFill>
+              <a:schemeClr val="tx1"/>
+            </a:solidFill>
+            <a:tailEnd type="triangle"/>
+          </a:ln>
+        </p:spPr>
+        <p:style>
+          <a:lnRef idx="1">
+            <a:schemeClr val="accent1"/>
+          </a:lnRef>
+          <a:fillRef idx="0">
+            <a:schemeClr val="accent1"/>
+          </a:fillRef>
+          <a:effectRef idx="0">
+            <a:schemeClr val="accent1"/>
+          </a:effectRef>
+          <a:fontRef idx="minor">
+            <a:schemeClr val="tx1"/>
+          </a:fontRef>
+        </p:style>
+      </p:cxnSp>
+      <p:cxnSp>
+        <p:nvCxnSpPr>
+          <p:cNvPr id="34" name="Straight Arrow Connector 33"/>
+          <p:cNvCxnSpPr/>
+          <p:nvPr/>
+        </p:nvCxnSpPr>
+        <p:spPr>
+          <a:xfrm flipV="1">
+            <a:off x="5326906" y="5603161"/>
+            <a:ext cx="1344833" cy="13100"/>
+          </a:xfrm>
+          <a:prstGeom prst="straightConnector1">
+            <a:avLst/>
+          </a:prstGeom>
+          <a:ln>
+            <a:solidFill>
+              <a:schemeClr val="tx1"/>
+            </a:solidFill>
+            <a:tailEnd type="triangle"/>
+          </a:ln>
+        </p:spPr>
+        <p:style>
+          <a:lnRef idx="1">
+            <a:schemeClr val="accent1"/>
+          </a:lnRef>
+          <a:fillRef idx="0">
+            <a:schemeClr val="accent1"/>
+          </a:fillRef>
+          <a:effectRef idx="0">
+            <a:schemeClr val="accent1"/>
+          </a:effectRef>
+          <a:fontRef idx="minor">
+            <a:schemeClr val="tx1"/>
+          </a:fontRef>
+        </p:style>
+      </p:cxnSp>
+    </p:spTree>
+    <p:extLst>
+      <p:ext uri="{BB962C8B-B14F-4D97-AF65-F5344CB8AC3E}">
+        <p14:creationId xmlns:p14="http://schemas.microsoft.com/office/powerpoint/2010/main" val="43471237"/>
+      </p:ext>
+    </p:extLst>
+  </p:cSld>
+  <p:clrMapOvr>
+    <a:masterClrMapping/>
+  </p:clrMapOvr>
+  <p:timing>
+    <p:tnLst>
+      <p:par>
+        <p:cTn id="1" dur="indefinite" restart="never" nodeType="tmRoot">
+          <p:childTnLst>
+            <p:seq concurrent="1" nextAc="seek">
+              <p:cTn id="2" dur="indefinite" nodeType="mainSeq">
+                <p:childTnLst>
+                  <p:par>
+                    <p:cTn id="3" fill="hold">
+                      <p:stCondLst>
+                        <p:cond delay="indefinite"/>
+                      </p:stCondLst>
+                      <p:childTnLst>
+                        <p:par>
+                          <p:cTn id="4" fill="hold">
+                            <p:stCondLst>
+                              <p:cond delay="0"/>
+                            </p:stCondLst>
+                            <p:childTnLst>
+                              <p:par>
+                                <p:cTn id="5" presetID="1" presetClass="emph" presetSubtype="2" fill="hold" nodeType="clickEffect">
+                                  <p:stCondLst>
+                                    <p:cond delay="0"/>
+                                  </p:stCondLst>
+                                  <p:childTnLst>
+                                    <p:animClr clrSpc="rgb" dir="cw">
+                                      <p:cBhvr>
+                                        <p:cTn id="6" dur="1000" fill="hold"/>
+                                        <p:tgtEl>
+                                          <p:spTgt spid="8"/>
+                                        </p:tgtEl>
+                                        <p:attrNameLst>
+                                          <p:attrName>fillcolor</p:attrName>
+                                        </p:attrNameLst>
+                                      </p:cBhvr>
+                                      <p:to>
+                                        <a:schemeClr val="accent2"/>
+                                      </p:to>
+                                    </p:animClr>
+                                    <p:set>
+                                      <p:cBhvr>
+                                        <p:cTn id="7" dur="1000" fill="hold"/>
+                                        <p:tgtEl>
+                                          <p:spTgt spid="8"/>
+                                        </p:tgtEl>
+                                        <p:attrNameLst>
+                                          <p:attrName>fill.type</p:attrName>
+                                        </p:attrNameLst>
+                                      </p:cBhvr>
+                                      <p:to>
+                                        <p:strVal val="solid"/>
+                                      </p:to>
+                                    </p:set>
+                                    <p:set>
+                                      <p:cBhvr>
+                                        <p:cTn id="8" dur="1000" fill="hold"/>
+                                        <p:tgtEl>
+                                          <p:spTgt spid="8"/>
+                                        </p:tgtEl>
+                                        <p:attrNameLst>
+                                          <p:attrName>fill.on</p:attrName>
+                                        </p:attrNameLst>
+                                      </p:cBhvr>
+                                      <p:to>
+                                        <p:strVal val="true"/>
+                                      </p:to>
+                                    </p:set>
+                                  </p:childTnLst>
+                                </p:cTn>
+                              </p:par>
+                            </p:childTnLst>
+                          </p:cTn>
+                        </p:par>
+                      </p:childTnLst>
+                    </p:cTn>
+                  </p:par>
+                  <p:par>
+                    <p:cTn id="9" fill="hold">
+                      <p:stCondLst>
+                        <p:cond delay="indefinite"/>
+                      </p:stCondLst>
+                      <p:childTnLst>
+                        <p:par>
+                          <p:cTn id="10" fill="hold">
+                            <p:stCondLst>
+                              <p:cond delay="0"/>
+                            </p:stCondLst>
+                            <p:childTnLst>
+                              <p:par>
+                                <p:cTn id="11" presetID="1" presetClass="emph" presetSubtype="2" fill="hold" nodeType="clickEffect">
+                                  <p:stCondLst>
+                                    <p:cond delay="0"/>
+                                  </p:stCondLst>
+                                  <p:childTnLst>
+                                    <p:animClr clrSpc="rgb" dir="cw">
+                                      <p:cBhvr>
+                                        <p:cTn id="12" dur="1000" fill="hold"/>
+                                        <p:tgtEl>
+                                          <p:spTgt spid="7"/>
+                                        </p:tgtEl>
+                                        <p:attrNameLst>
+                                          <p:attrName>fillcolor</p:attrName>
+                                        </p:attrNameLst>
+                                      </p:cBhvr>
+                                      <p:to>
+                                        <a:schemeClr val="accent2"/>
+                                      </p:to>
+                                    </p:animClr>
+                                    <p:set>
+                                      <p:cBhvr>
+                                        <p:cTn id="13" dur="1000" fill="hold"/>
+                                        <p:tgtEl>
+                                          <p:spTgt spid="7"/>
+                                        </p:tgtEl>
+                                        <p:attrNameLst>
+                                          <p:attrName>fill.type</p:attrName>
+                                        </p:attrNameLst>
+                                      </p:cBhvr>
+                                      <p:to>
+                                        <p:strVal val="solid"/>
+                                      </p:to>
+                                    </p:set>
+                                    <p:set>
+                                      <p:cBhvr>
+                                        <p:cTn id="14" dur="1000" fill="hold"/>
+                                        <p:tgtEl>
+                                          <p:spTgt spid="7"/>
+                                        </p:tgtEl>
+                                        <p:attrNameLst>
+                                          <p:attrName>fill.on</p:attrName>
+                                        </p:attrNameLst>
+                                      </p:cBhvr>
+                                      <p:to>
+                                        <p:strVal val="true"/>
+                                      </p:to>
+                                    </p:set>
+                                  </p:childTnLst>
+                                </p:cTn>
+                              </p:par>
+                            </p:childTnLst>
+                          </p:cTn>
+                        </p:par>
+                      </p:childTnLst>
+                    </p:cTn>
+                  </p:par>
+                  <p:par>
+                    <p:cTn id="15" fill="hold">
+                      <p:stCondLst>
+                        <p:cond delay="indefinite"/>
+                      </p:stCondLst>
+                      <p:childTnLst>
+                        <p:par>
+                          <p:cTn id="16" fill="hold">
+                            <p:stCondLst>
+                              <p:cond delay="0"/>
+                            </p:stCondLst>
+                            <p:childTnLst>
+                              <p:par>
+                                <p:cTn id="17" presetID="1" presetClass="emph" presetSubtype="2" fill="hold" nodeType="clickEffect">
+                                  <p:stCondLst>
+                                    <p:cond delay="0"/>
+                                  </p:stCondLst>
+                                  <p:childTnLst>
+                                    <p:animClr clrSpc="rgb" dir="cw">
+                                      <p:cBhvr>
+                                        <p:cTn id="18" dur="1000" fill="hold"/>
+                                        <p:tgtEl>
+                                          <p:spTgt spid="9"/>
+                                        </p:tgtEl>
+                                        <p:attrNameLst>
+                                          <p:attrName>fillcolor</p:attrName>
+                                        </p:attrNameLst>
+                                      </p:cBhvr>
+                                      <p:to>
+                                        <a:schemeClr val="accent2"/>
+                                      </p:to>
+                                    </p:animClr>
+                                    <p:set>
+                                      <p:cBhvr>
+                                        <p:cTn id="19" dur="1000" fill="hold"/>
+                                        <p:tgtEl>
+                                          <p:spTgt spid="9"/>
+                                        </p:tgtEl>
+                                        <p:attrNameLst>
+                                          <p:attrName>fill.type</p:attrName>
+                                        </p:attrNameLst>
+                                      </p:cBhvr>
+                                      <p:to>
+                                        <p:strVal val="solid"/>
+                                      </p:to>
+                                    </p:set>
+                                    <p:set>
+                                      <p:cBhvr>
+                                        <p:cTn id="20" dur="1000" fill="hold"/>
+                                        <p:tgtEl>
+                                          <p:spTgt spid="9"/>
+                                        </p:tgtEl>
+                                        <p:attrNameLst>
+                                          <p:attrName>fill.on</p:attrName>
+                                        </p:attrNameLst>
+                                      </p:cBhvr>
+                                      <p:to>
+                                        <p:strVal val="true"/>
+                                      </p:to>
+                                    </p:set>
+                                  </p:childTnLst>
+                                </p:cTn>
+                              </p:par>
+                            </p:childTnLst>
+                          </p:cTn>
+                        </p:par>
+                      </p:childTnLst>
+                    </p:cTn>
+                  </p:par>
+                  <p:par>
+                    <p:cTn id="21" fill="hold">
+                      <p:stCondLst>
+                        <p:cond delay="indefinite"/>
+                      </p:stCondLst>
+                      <p:childTnLst>
+                        <p:par>
+                          <p:cTn id="22" fill="hold">
+                            <p:stCondLst>
+                              <p:cond delay="0"/>
+                            </p:stCondLst>
+                            <p:childTnLst>
+                              <p:par>
+                                <p:cTn id="23" presetID="1" presetClass="emph" presetSubtype="2" fill="hold" nodeType="clickEffect">
+                                  <p:stCondLst>
+                                    <p:cond delay="0"/>
+                                  </p:stCondLst>
+                                  <p:childTnLst>
+                                    <p:animClr clrSpc="rgb" dir="cw">
+                                      <p:cBhvr>
+                                        <p:cTn id="24" dur="1000" fill="hold"/>
+                                        <p:tgtEl>
+                                          <p:spTgt spid="18"/>
+                                        </p:tgtEl>
+                                        <p:attrNameLst>
+                                          <p:attrName>fillcolor</p:attrName>
+                                        </p:attrNameLst>
+                                      </p:cBhvr>
+                                      <p:to>
+                                        <a:schemeClr val="accent2"/>
+                                      </p:to>
+                                    </p:animClr>
+                                    <p:set>
+                                      <p:cBhvr>
+                                        <p:cTn id="25" dur="1000" fill="hold"/>
+                                        <p:tgtEl>
+                                          <p:spTgt spid="18"/>
+                                        </p:tgtEl>
+                                        <p:attrNameLst>
+                                          <p:attrName>fill.type</p:attrName>
+                                        </p:attrNameLst>
+                                      </p:cBhvr>
+                                      <p:to>
+                                        <p:strVal val="solid"/>
+                                      </p:to>
+                                    </p:set>
+                                    <p:set>
+                                      <p:cBhvr>
+                                        <p:cTn id="26" dur="1000" fill="hold"/>
+                                        <p:tgtEl>
+                                          <p:spTgt spid="18"/>
+                                        </p:tgtEl>
+                                        <p:attrNameLst>
+                                          <p:attrName>fill.on</p:attrName>
+                                        </p:attrNameLst>
+                                      </p:cBhvr>
+                                      <p:to>
+                                        <p:strVal val="true"/>
+                                      </p:to>
+                                    </p:set>
+                                  </p:childTnLst>
+                                </p:cTn>
+                              </p:par>
+                            </p:childTnLst>
+                          </p:cTn>
+                        </p:par>
+                      </p:childTnLst>
+                    </p:cTn>
+                  </p:par>
+                  <p:par>
+                    <p:cTn id="27" fill="hold">
+                      <p:stCondLst>
+                        <p:cond delay="indefinite"/>
+                      </p:stCondLst>
+                      <p:childTnLst>
+                        <p:par>
+                          <p:cTn id="28" fill="hold">
+                            <p:stCondLst>
+                              <p:cond delay="0"/>
+                            </p:stCondLst>
+                            <p:childTnLst>
+                              <p:par>
+                                <p:cTn id="29" presetID="1" presetClass="emph" presetSubtype="2" fill="hold" nodeType="clickEffect">
+                                  <p:stCondLst>
+                                    <p:cond delay="0"/>
+                                  </p:stCondLst>
+                                  <p:childTnLst>
+                                    <p:animClr clrSpc="rgb" dir="cw">
+                                      <p:cBhvr>
+                                        <p:cTn id="30" dur="1000" fill="hold"/>
+                                        <p:tgtEl>
+                                          <p:spTgt spid="10"/>
+                                        </p:tgtEl>
+                                        <p:attrNameLst>
+                                          <p:attrName>fillcolor</p:attrName>
+                                        </p:attrNameLst>
+                                      </p:cBhvr>
+                                      <p:to>
+                                        <a:schemeClr val="accent2"/>
+                                      </p:to>
+                                    </p:animClr>
+                                    <p:set>
+                                      <p:cBhvr>
+                                        <p:cTn id="31" dur="1000" fill="hold"/>
+                                        <p:tgtEl>
+                                          <p:spTgt spid="10"/>
+                                        </p:tgtEl>
+                                        <p:attrNameLst>
+                                          <p:attrName>fill.type</p:attrName>
+                                        </p:attrNameLst>
+                                      </p:cBhvr>
+                                      <p:to>
+                                        <p:strVal val="solid"/>
+                                      </p:to>
+                                    </p:set>
+                                    <p:set>
+                                      <p:cBhvr>
+                                        <p:cTn id="32" dur="1000" fill="hold"/>
+                                        <p:tgtEl>
+                                          <p:spTgt spid="10"/>
+                                        </p:tgtEl>
+                                        <p:attrNameLst>
+                                          <p:attrName>fill.on</p:attrName>
+                                        </p:attrNameLst>
+                                      </p:cBhvr>
+                                      <p:to>
+                                        <p:strVal val="true"/>
+                                      </p:to>
+                                    </p:set>
+                                  </p:childTnLst>
+                                </p:cTn>
+                              </p:par>
+                              <p:par>
+                                <p:cTn id="33" presetID="1" presetClass="emph" presetSubtype="2" fill="hold" nodeType="withEffect">
+                                  <p:stCondLst>
+                                    <p:cond delay="0"/>
+                                  </p:stCondLst>
+                                  <p:childTnLst>
+                                    <p:animClr clrSpc="rgb" dir="cw">
+                                      <p:cBhvr>
+                                        <p:cTn id="34" dur="1000" fill="hold"/>
+                                        <p:tgtEl>
+                                          <p:spTgt spid="16"/>
+                                        </p:tgtEl>
+                                        <p:attrNameLst>
+                                          <p:attrName>fillcolor</p:attrName>
+                                        </p:attrNameLst>
+                                      </p:cBhvr>
+                                      <p:to>
+                                        <a:schemeClr val="accent2"/>
+                                      </p:to>
+                                    </p:animClr>
+                                    <p:set>
+                                      <p:cBhvr>
+                                        <p:cTn id="35" dur="1000" fill="hold"/>
+                                        <p:tgtEl>
+                                          <p:spTgt spid="16"/>
+                                        </p:tgtEl>
+                                        <p:attrNameLst>
+                                          <p:attrName>fill.type</p:attrName>
+                                        </p:attrNameLst>
+                                      </p:cBhvr>
+                                      <p:to>
+                                        <p:strVal val="solid"/>
+                                      </p:to>
+                                    </p:set>
+                                    <p:set>
+                                      <p:cBhvr>
+                                        <p:cTn id="36" dur="1000" fill="hold"/>
+                                        <p:tgtEl>
+                                          <p:spTgt spid="16"/>
+                                        </p:tgtEl>
+                                        <p:attrNameLst>
+                                          <p:attrName>fill.on</p:attrName>
+                                        </p:attrNameLst>
+                                      </p:cBhvr>
+                                      <p:to>
+                                        <p:strVal val="true"/>
+                                      </p:to>
+                                    </p:set>
+                                  </p:childTnLst>
+                                </p:cTn>
+                              </p:par>
+                              <p:par>
+                                <p:cTn id="37" presetID="1" presetClass="emph" presetSubtype="2" fill="hold" nodeType="withEffect">
+                                  <p:stCondLst>
+                                    <p:cond delay="0"/>
+                                  </p:stCondLst>
+                                  <p:childTnLst>
+                                    <p:animClr clrSpc="rgb" dir="cw">
+                                      <p:cBhvr>
+                                        <p:cTn id="38" dur="1000" fill="hold"/>
+                                        <p:tgtEl>
+                                          <p:spTgt spid="11"/>
+                                        </p:tgtEl>
+                                        <p:attrNameLst>
+                                          <p:attrName>fillcolor</p:attrName>
+                                        </p:attrNameLst>
+                                      </p:cBhvr>
+                                      <p:to>
+                                        <a:schemeClr val="accent2"/>
+                                      </p:to>
+                                    </p:animClr>
+                                    <p:set>
+                                      <p:cBhvr>
+                                        <p:cTn id="39" dur="1000" fill="hold"/>
+                                        <p:tgtEl>
+                                          <p:spTgt spid="11"/>
+                                        </p:tgtEl>
+                                        <p:attrNameLst>
+                                          <p:attrName>fill.type</p:attrName>
+                                        </p:attrNameLst>
+                                      </p:cBhvr>
+                                      <p:to>
+                                        <p:strVal val="solid"/>
+                                      </p:to>
+                                    </p:set>
+                                    <p:set>
+                                      <p:cBhvr>
+                                        <p:cTn id="40" dur="1000" fill="hold"/>
+                                        <p:tgtEl>
+                                          <p:spTgt spid="11"/>
+                                        </p:tgtEl>
+                                        <p:attrNameLst>
+                                          <p:attrName>fill.on</p:attrName>
+                                        </p:attrNameLst>
+                                      </p:cBhvr>
+                                      <p:to>
+                                        <p:strVal val="true"/>
+                                      </p:to>
+                                    </p:set>
+                                  </p:childTnLst>
+                                </p:cTn>
+                              </p:par>
+                              <p:par>
+                                <p:cTn id="41" presetID="1" presetClass="emph" presetSubtype="2" fill="hold" nodeType="withEffect">
+                                  <p:stCondLst>
+                                    <p:cond delay="0"/>
+                                  </p:stCondLst>
+                                  <p:childTnLst>
+                                    <p:animClr clrSpc="rgb" dir="cw">
+                                      <p:cBhvr>
+                                        <p:cTn id="42" dur="1000" fill="hold"/>
+                                        <p:tgtEl>
+                                          <p:spTgt spid="13"/>
+                                        </p:tgtEl>
+                                        <p:attrNameLst>
+                                          <p:attrName>fillcolor</p:attrName>
+                                        </p:attrNameLst>
+                                      </p:cBhvr>
+                                      <p:to>
+                                        <a:schemeClr val="accent2"/>
+                                      </p:to>
+                                    </p:animClr>
+                                    <p:set>
+                                      <p:cBhvr>
+                                        <p:cTn id="43" dur="1000" fill="hold"/>
+                                        <p:tgtEl>
+                                          <p:spTgt spid="13"/>
+                                        </p:tgtEl>
+                                        <p:attrNameLst>
+                                          <p:attrName>fill.type</p:attrName>
+                                        </p:attrNameLst>
+                                      </p:cBhvr>
+                                      <p:to>
+                                        <p:strVal val="solid"/>
+                                      </p:to>
+                                    </p:set>
+                                    <p:set>
+                                      <p:cBhvr>
+                                        <p:cTn id="44" dur="1000" fill="hold"/>
+                                        <p:tgtEl>
+                                          <p:spTgt spid="13"/>
+                                        </p:tgtEl>
+                                        <p:attrNameLst>
+                                          <p:attrName>fill.on</p:attrName>
+                                        </p:attrNameLst>
+                                      </p:cBhvr>
+                                      <p:to>
+                                        <p:strVal val="true"/>
+                                      </p:to>
+                                    </p:set>
+                                  </p:childTnLst>
+                                </p:cTn>
+                              </p:par>
+                              <p:par>
+                                <p:cTn id="45" presetID="1" presetClass="emph" presetSubtype="2" fill="hold" nodeType="withEffect">
+                                  <p:stCondLst>
+                                    <p:cond delay="0"/>
+                                  </p:stCondLst>
+                                  <p:childTnLst>
+                                    <p:animClr clrSpc="rgb" dir="cw">
+                                      <p:cBhvr>
+                                        <p:cTn id="46" dur="1000" fill="hold"/>
+                                        <p:tgtEl>
+                                          <p:spTgt spid="14"/>
+                                        </p:tgtEl>
+                                        <p:attrNameLst>
+                                          <p:attrName>fillcolor</p:attrName>
+                                        </p:attrNameLst>
+                                      </p:cBhvr>
+                                      <p:to>
+                                        <a:schemeClr val="accent2"/>
+                                      </p:to>
+                                    </p:animClr>
+                                    <p:set>
+                                      <p:cBhvr>
+                                        <p:cTn id="47" dur="1000" fill="hold"/>
+                                        <p:tgtEl>
+                                          <p:spTgt spid="14"/>
+                                        </p:tgtEl>
+                                        <p:attrNameLst>
+                                          <p:attrName>fill.type</p:attrName>
+                                        </p:attrNameLst>
+                                      </p:cBhvr>
+                                      <p:to>
+                                        <p:strVal val="solid"/>
+                                      </p:to>
+                                    </p:set>
+                                    <p:set>
+                                      <p:cBhvr>
+                                        <p:cTn id="48" dur="1000" fill="hold"/>
+                                        <p:tgtEl>
+                                          <p:spTgt spid="14"/>
+                                        </p:tgtEl>
+                                        <p:attrNameLst>
+                                          <p:attrName>fill.on</p:attrName>
+                                        </p:attrNameLst>
+                                      </p:cBhvr>
+                                      <p:to>
+                                        <p:strVal val="true"/>
+                                      </p:to>
+                                    </p:set>
+                                  </p:childTnLst>
+                                </p:cTn>
+                              </p:par>
+                              <p:par>
+                                <p:cTn id="49" presetID="1" presetClass="emph" presetSubtype="2" fill="hold" nodeType="withEffect">
+                                  <p:stCondLst>
+                                    <p:cond delay="0"/>
+                                  </p:stCondLst>
+                                  <p:childTnLst>
+                                    <p:animClr clrSpc="rgb" dir="cw">
+                                      <p:cBhvr>
+                                        <p:cTn id="50" dur="1000" fill="hold"/>
+                                        <p:tgtEl>
+                                          <p:spTgt spid="15"/>
+                                        </p:tgtEl>
+                                        <p:attrNameLst>
+                                          <p:attrName>fillcolor</p:attrName>
+                                        </p:attrNameLst>
+                                      </p:cBhvr>
+                                      <p:to>
+                                        <a:schemeClr val="accent2"/>
+                                      </p:to>
+                                    </p:animClr>
+                                    <p:set>
+                                      <p:cBhvr>
+                                        <p:cTn id="51" dur="1000" fill="hold"/>
+                                        <p:tgtEl>
+                                          <p:spTgt spid="15"/>
+                                        </p:tgtEl>
+                                        <p:attrNameLst>
+                                          <p:attrName>fill.type</p:attrName>
+                                        </p:attrNameLst>
+                                      </p:cBhvr>
+                                      <p:to>
+                                        <p:strVal val="solid"/>
+                                      </p:to>
+                                    </p:set>
+                                    <p:set>
+                                      <p:cBhvr>
+                                        <p:cTn id="52" dur="1000" fill="hold"/>
+                                        <p:tgtEl>
+                                          <p:spTgt spid="15"/>
+                                        </p:tgtEl>
+                                        <p:attrNameLst>
+                                          <p:attrName>fill.on</p:attrName>
+                                        </p:attrNameLst>
+                                      </p:cBhvr>
+                                      <p:to>
+                                        <p:strVal val="true"/>
+                                      </p:to>
+                                    </p:set>
+                                  </p:childTnLst>
+                                </p:cTn>
+                              </p:par>
+                            </p:childTnLst>
+                          </p:cTn>
+                        </p:par>
+                      </p:childTnLst>
+                    </p:cTn>
+                  </p:par>
+                  <p:par>
+                    <p:cTn id="53" fill="hold">
+                      <p:stCondLst>
+                        <p:cond delay="indefinite"/>
+                      </p:stCondLst>
+                      <p:childTnLst>
+                        <p:par>
+                          <p:cTn id="54" fill="hold">
+                            <p:stCondLst>
+                              <p:cond delay="0"/>
+                            </p:stCondLst>
+                            <p:childTnLst>
+                              <p:par>
+                                <p:cTn id="55" presetID="1" presetClass="emph" presetSubtype="2" fill="hold" nodeType="clickEffect">
+                                  <p:stCondLst>
+                                    <p:cond delay="0"/>
+                                  </p:stCondLst>
+                                  <p:childTnLst>
+                                    <p:animClr clrSpc="rgb" dir="cw">
+                                      <p:cBhvr>
+                                        <p:cTn id="56" dur="1000" fill="hold"/>
+                                        <p:tgtEl>
+                                          <p:spTgt spid="19"/>
+                                        </p:tgtEl>
+                                        <p:attrNameLst>
+                                          <p:attrName>fillcolor</p:attrName>
+                                        </p:attrNameLst>
+                                      </p:cBhvr>
+                                      <p:to>
+                                        <a:schemeClr val="accent2"/>
+                                      </p:to>
+                                    </p:animClr>
+                                    <p:set>
+                                      <p:cBhvr>
+                                        <p:cTn id="57" dur="1000" fill="hold"/>
+                                        <p:tgtEl>
+                                          <p:spTgt spid="19"/>
+                                        </p:tgtEl>
+                                        <p:attrNameLst>
+                                          <p:attrName>fill.type</p:attrName>
+                                        </p:attrNameLst>
+                                      </p:cBhvr>
+                                      <p:to>
+                                        <p:strVal val="solid"/>
+                                      </p:to>
+                                    </p:set>
+                                    <p:set>
+                                      <p:cBhvr>
+                                        <p:cTn id="58" dur="1000" fill="hold"/>
+                                        <p:tgtEl>
+                                          <p:spTgt spid="19"/>
+                                        </p:tgtEl>
+                                        <p:attrNameLst>
+                                          <p:attrName>fill.on</p:attrName>
+                                        </p:attrNameLst>
+                                      </p:cBhvr>
+                                      <p:to>
+                                        <p:strVal val="true"/>
+                                      </p:to>
+                                    </p:set>
+                                  </p:childTnLst>
+                                </p:cTn>
+                              </p:par>
+                              <p:par>
+                                <p:cTn id="59" presetID="1" presetClass="emph" presetSubtype="2" fill="hold" nodeType="withEffect">
+                                  <p:stCondLst>
+                                    <p:cond delay="0"/>
+                                  </p:stCondLst>
+                                  <p:childTnLst>
+                                    <p:animClr clrSpc="rgb" dir="cw">
+                                      <p:cBhvr>
+                                        <p:cTn id="60" dur="1000" fill="hold"/>
+                                        <p:tgtEl>
+                                          <p:spTgt spid="20"/>
+                                        </p:tgtEl>
+                                        <p:attrNameLst>
+                                          <p:attrName>fillcolor</p:attrName>
+                                        </p:attrNameLst>
+                                      </p:cBhvr>
+                                      <p:to>
+                                        <a:schemeClr val="accent2"/>
+                                      </p:to>
+                                    </p:animClr>
+                                    <p:set>
+                                      <p:cBhvr>
+                                        <p:cTn id="61" dur="1000" fill="hold"/>
+                                        <p:tgtEl>
+                                          <p:spTgt spid="20"/>
+                                        </p:tgtEl>
+                                        <p:attrNameLst>
+                                          <p:attrName>fill.type</p:attrName>
+                                        </p:attrNameLst>
+                                      </p:cBhvr>
+                                      <p:to>
+                                        <p:strVal val="solid"/>
+                                      </p:to>
+                                    </p:set>
+                                    <p:set>
+                                      <p:cBhvr>
+                                        <p:cTn id="62" dur="1000" fill="hold"/>
+                                        <p:tgtEl>
+                                          <p:spTgt spid="20"/>
+                                        </p:tgtEl>
+                                        <p:attrNameLst>
+                                          <p:attrName>fill.on</p:attrName>
+                                        </p:attrNameLst>
+                                      </p:cBhvr>
+                                      <p:to>
+                                        <p:strVal val="true"/>
+                                      </p:to>
+                                    </p:set>
+                                  </p:childTnLst>
+                                </p:cTn>
+                              </p:par>
+                              <p:par>
+                                <p:cTn id="63" presetID="1" presetClass="emph" presetSubtype="2" fill="hold" nodeType="withEffect">
+                                  <p:stCondLst>
+                                    <p:cond delay="0"/>
+                                  </p:stCondLst>
+                                  <p:childTnLst>
+                                    <p:animClr clrSpc="rgb" dir="cw">
+                                      <p:cBhvr>
+                                        <p:cTn id="64" dur="1000" fill="hold"/>
+                                        <p:tgtEl>
+                                          <p:spTgt spid="21"/>
+                                        </p:tgtEl>
+                                        <p:attrNameLst>
+                                          <p:attrName>fillcolor</p:attrName>
+                                        </p:attrNameLst>
+                                      </p:cBhvr>
+                                      <p:to>
+                                        <a:schemeClr val="accent2"/>
+                                      </p:to>
+                                    </p:animClr>
+                                    <p:set>
+                                      <p:cBhvr>
+                                        <p:cTn id="65" dur="1000" fill="hold"/>
+                                        <p:tgtEl>
+                                          <p:spTgt spid="21"/>
+                                        </p:tgtEl>
+                                        <p:attrNameLst>
+                                          <p:attrName>fill.type</p:attrName>
+                                        </p:attrNameLst>
+                                      </p:cBhvr>
+                                      <p:to>
+                                        <p:strVal val="solid"/>
+                                      </p:to>
+                                    </p:set>
+                                    <p:set>
+                                      <p:cBhvr>
+                                        <p:cTn id="66" dur="1000" fill="hold"/>
+                                        <p:tgtEl>
+                                          <p:spTgt spid="21"/>
+                                        </p:tgtEl>
+                                        <p:attrNameLst>
+                                          <p:attrName>fill.on</p:attrName>
+                                        </p:attrNameLst>
+                                      </p:cBhvr>
+                                      <p:to>
+                                        <p:strVal val="true"/>
+                                      </p:to>
+                                    </p:set>
+                                  </p:childTnLst>
+                                </p:cTn>
+                              </p:par>
+                              <p:par>
+                                <p:cTn id="67" presetID="1" presetClass="emph" presetSubtype="2" fill="hold" nodeType="withEffect">
+                                  <p:stCondLst>
+                                    <p:cond delay="0"/>
+                                  </p:stCondLst>
+                                  <p:childTnLst>
+                                    <p:animClr clrSpc="rgb" dir="cw">
+                                      <p:cBhvr>
+                                        <p:cTn id="68" dur="1000" fill="hold"/>
+                                        <p:tgtEl>
+                                          <p:spTgt spid="23"/>
+                                        </p:tgtEl>
+                                        <p:attrNameLst>
+                                          <p:attrName>fillcolor</p:attrName>
+                                        </p:attrNameLst>
+                                      </p:cBhvr>
+                                      <p:to>
+                                        <a:schemeClr val="accent2"/>
+                                      </p:to>
+                                    </p:animClr>
+                                    <p:set>
+                                      <p:cBhvr>
+                                        <p:cTn id="69" dur="1000" fill="hold"/>
+                                        <p:tgtEl>
+                                          <p:spTgt spid="23"/>
+                                        </p:tgtEl>
+                                        <p:attrNameLst>
+                                          <p:attrName>fill.type</p:attrName>
+                                        </p:attrNameLst>
+                                      </p:cBhvr>
+                                      <p:to>
+                                        <p:strVal val="solid"/>
+                                      </p:to>
+                                    </p:set>
+                                    <p:set>
+                                      <p:cBhvr>
+                                        <p:cTn id="70" dur="1000" fill="hold"/>
+                                        <p:tgtEl>
+                                          <p:spTgt spid="23"/>
+                                        </p:tgtEl>
+                                        <p:attrNameLst>
+                                          <p:attrName>fill.on</p:attrName>
+                                        </p:attrNameLst>
+                                      </p:cBhvr>
+                                      <p:to>
+                                        <p:strVal val="true"/>
+                                      </p:to>
+                                    </p:set>
+                                  </p:childTnLst>
+                                </p:cTn>
+                              </p:par>
+                              <p:par>
+                                <p:cTn id="71" presetID="1" presetClass="emph" presetSubtype="2" fill="hold" nodeType="withEffect">
+                                  <p:stCondLst>
+                                    <p:cond delay="0"/>
+                                  </p:stCondLst>
+                                  <p:childTnLst>
+                                    <p:animClr clrSpc="rgb" dir="cw">
+                                      <p:cBhvr>
+                                        <p:cTn id="72" dur="1000" fill="hold"/>
+                                        <p:tgtEl>
+                                          <p:spTgt spid="24"/>
+                                        </p:tgtEl>
+                                        <p:attrNameLst>
+                                          <p:attrName>fillcolor</p:attrName>
+                                        </p:attrNameLst>
+                                      </p:cBhvr>
+                                      <p:to>
+                                        <a:schemeClr val="accent2"/>
+                                      </p:to>
+                                    </p:animClr>
+                                    <p:set>
+                                      <p:cBhvr>
+                                        <p:cTn id="73" dur="1000" fill="hold"/>
+                                        <p:tgtEl>
+                                          <p:spTgt spid="24"/>
+                                        </p:tgtEl>
+                                        <p:attrNameLst>
+                                          <p:attrName>fill.type</p:attrName>
+                                        </p:attrNameLst>
+                                      </p:cBhvr>
+                                      <p:to>
+                                        <p:strVal val="solid"/>
+                                      </p:to>
+                                    </p:set>
+                                    <p:set>
+                                      <p:cBhvr>
+                                        <p:cTn id="74" dur="1000" fill="hold"/>
+                                        <p:tgtEl>
+                                          <p:spTgt spid="24"/>
+                                        </p:tgtEl>
+                                        <p:attrNameLst>
+                                          <p:attrName>fill.on</p:attrName>
+                                        </p:attrNameLst>
+                                      </p:cBhvr>
+                                      <p:to>
+                                        <p:strVal val="true"/>
+                                      </p:to>
+                                    </p:set>
+                                  </p:childTnLst>
+                                </p:cTn>
+                              </p:par>
+                              <p:par>
+                                <p:cTn id="75" presetID="1" presetClass="emph" presetSubtype="2" fill="hold" nodeType="withEffect">
+                                  <p:stCondLst>
+                                    <p:cond delay="0"/>
+                                  </p:stCondLst>
+                                  <p:childTnLst>
+                                    <p:animClr clrSpc="rgb" dir="cw">
+                                      <p:cBhvr>
+                                        <p:cTn id="76" dur="1000" fill="hold"/>
+                                        <p:tgtEl>
+                                          <p:spTgt spid="22"/>
+                                        </p:tgtEl>
+                                        <p:attrNameLst>
+                                          <p:attrName>fillcolor</p:attrName>
+                                        </p:attrNameLst>
+                                      </p:cBhvr>
+                                      <p:to>
+                                        <a:schemeClr val="accent2"/>
+                                      </p:to>
+                                    </p:animClr>
+                                    <p:set>
+                                      <p:cBhvr>
+                                        <p:cTn id="77" dur="1000" fill="hold"/>
+                                        <p:tgtEl>
+                                          <p:spTgt spid="22"/>
+                                        </p:tgtEl>
+                                        <p:attrNameLst>
+                                          <p:attrName>fill.type</p:attrName>
+                                        </p:attrNameLst>
+                                      </p:cBhvr>
+                                      <p:to>
+                                        <p:strVal val="solid"/>
+                                      </p:to>
+                                    </p:set>
+                                    <p:set>
+                                      <p:cBhvr>
+                                        <p:cTn id="78" dur="1000" fill="hold"/>
+                                        <p:tgtEl>
+                                          <p:spTgt spid="22"/>
+                                        </p:tgtEl>
+                                        <p:attrNameLst>
+                                          <p:attrName>fill.on</p:attrName>
+                                        </p:attrNameLst>
+                                      </p:cBhvr>
+                                      <p:to>
+                                        <p:strVal val="true"/>
+                                      </p:to>
+                                    </p:set>
+                                  </p:childTnLst>
+                                </p:cTn>
+                              </p:par>
+                            </p:childTnLst>
+                          </p:cTn>
+                        </p:par>
+                      </p:childTnLst>
+                    </p:cTn>
+                  </p:par>
+                  <p:par>
+                    <p:cTn id="79" fill="hold">
+                      <p:stCondLst>
+                        <p:cond delay="indefinite"/>
+                      </p:stCondLst>
+                      <p:childTnLst>
+                        <p:par>
+                          <p:cTn id="80" fill="hold">
+                            <p:stCondLst>
+                              <p:cond delay="0"/>
+                            </p:stCondLst>
+                            <p:childTnLst>
+                              <p:par>
+                                <p:cTn id="81" presetID="1" presetClass="emph" presetSubtype="2" fill="hold" nodeType="clickEffect">
+                                  <p:stCondLst>
+                                    <p:cond delay="0"/>
+                                  </p:stCondLst>
+                                  <p:childTnLst>
+                                    <p:animClr clrSpc="rgb" dir="cw">
+                                      <p:cBhvr>
+                                        <p:cTn id="82" dur="1000" fill="hold"/>
+                                        <p:tgtEl>
+                                          <p:spTgt spid="7"/>
+                                        </p:tgtEl>
+                                        <p:attrNameLst>
+                                          <p:attrName>fillcolor</p:attrName>
+                                        </p:attrNameLst>
+                                      </p:cBhvr>
+                                      <p:to>
+                                        <a:schemeClr val="hlink"/>
+                                      </p:to>
+                                    </p:animClr>
+                                    <p:set>
+                                      <p:cBhvr>
+                                        <p:cTn id="83" dur="1000" fill="hold"/>
+                                        <p:tgtEl>
+                                          <p:spTgt spid="7"/>
+                                        </p:tgtEl>
+                                        <p:attrNameLst>
+                                          <p:attrName>fill.type</p:attrName>
+                                        </p:attrNameLst>
+                                      </p:cBhvr>
+                                      <p:to>
+                                        <p:strVal val="solid"/>
+                                      </p:to>
+                                    </p:set>
+                                    <p:set>
+                                      <p:cBhvr>
+                                        <p:cTn id="84" dur="1000" fill="hold"/>
+                                        <p:tgtEl>
+                                          <p:spTgt spid="7"/>
+                                        </p:tgtEl>
+                                        <p:attrNameLst>
+                                          <p:attrName>fill.on</p:attrName>
+                                        </p:attrNameLst>
+                                      </p:cBhvr>
+                                      <p:to>
+                                        <p:strVal val="true"/>
+                                      </p:to>
+                                    </p:set>
+                                  </p:childTnLst>
+                                </p:cTn>
+                              </p:par>
+                            </p:childTnLst>
+                          </p:cTn>
+                        </p:par>
+                      </p:childTnLst>
+                    </p:cTn>
+                  </p:par>
+                  <p:par>
+                    <p:cTn id="85" fill="hold">
+                      <p:stCondLst>
+                        <p:cond delay="indefinite"/>
+                      </p:stCondLst>
+                      <p:childTnLst>
+                        <p:par>
+                          <p:cTn id="86" fill="hold">
+                            <p:stCondLst>
+                              <p:cond delay="0"/>
+                            </p:stCondLst>
+                            <p:childTnLst>
+                              <p:par>
+                                <p:cTn id="87" presetID="1" presetClass="emph" presetSubtype="2" fill="hold" nodeType="clickEffect">
+                                  <p:stCondLst>
+                                    <p:cond delay="0"/>
+                                  </p:stCondLst>
+                                  <p:childTnLst>
+                                    <p:animClr clrSpc="rgb" dir="cw">
+                                      <p:cBhvr>
+                                        <p:cTn id="88" dur="1000" fill="hold"/>
+                                        <p:tgtEl>
+                                          <p:spTgt spid="8"/>
+                                        </p:tgtEl>
+                                        <p:attrNameLst>
+                                          <p:attrName>fillcolor</p:attrName>
+                                        </p:attrNameLst>
+                                      </p:cBhvr>
+                                      <p:to>
+                                        <a:schemeClr val="hlink"/>
+                                      </p:to>
+                                    </p:animClr>
+                                    <p:set>
+                                      <p:cBhvr>
+                                        <p:cTn id="89" dur="1000" fill="hold"/>
+                                        <p:tgtEl>
+                                          <p:spTgt spid="8"/>
+                                        </p:tgtEl>
+                                        <p:attrNameLst>
+                                          <p:attrName>fill.type</p:attrName>
+                                        </p:attrNameLst>
+                                      </p:cBhvr>
+                                      <p:to>
+                                        <p:strVal val="solid"/>
+                                      </p:to>
+                                    </p:set>
+                                    <p:set>
+                                      <p:cBhvr>
+                                        <p:cTn id="90" dur="1000" fill="hold"/>
+                                        <p:tgtEl>
+                                          <p:spTgt spid="8"/>
+                                        </p:tgtEl>
+                                        <p:attrNameLst>
+                                          <p:attrName>fill.on</p:attrName>
+                                        </p:attrNameLst>
+                                      </p:cBhvr>
+                                      <p:to>
+                                        <p:strVal val="true"/>
+                                      </p:to>
+                                    </p:set>
+                                  </p:childTnLst>
+                                </p:cTn>
+                              </p:par>
+                            </p:childTnLst>
+                          </p:cTn>
+                        </p:par>
+                      </p:childTnLst>
+                    </p:cTn>
+                  </p:par>
+                  <p:par>
+                    <p:cTn id="91" fill="hold">
+                      <p:stCondLst>
+                        <p:cond delay="indefinite"/>
+                      </p:stCondLst>
+                      <p:childTnLst>
+                        <p:par>
+                          <p:cTn id="92" fill="hold">
+                            <p:stCondLst>
+                              <p:cond delay="0"/>
+                            </p:stCondLst>
+                            <p:childTnLst>
+                              <p:par>
+                                <p:cTn id="93" presetID="1" presetClass="emph" presetSubtype="2" fill="hold" nodeType="clickEffect">
+                                  <p:stCondLst>
+                                    <p:cond delay="0"/>
+                                  </p:stCondLst>
+                                  <p:childTnLst>
+                                    <p:animClr clrSpc="rgb" dir="cw">
+                                      <p:cBhvr>
+                                        <p:cTn id="94" dur="2000" fill="hold"/>
+                                        <p:tgtEl>
+                                          <p:spTgt spid="18"/>
+                                        </p:tgtEl>
+                                        <p:attrNameLst>
+                                          <p:attrName>fillcolor</p:attrName>
+                                        </p:attrNameLst>
+                                      </p:cBhvr>
+                                      <p:to>
+                                        <a:schemeClr val="hlink"/>
+                                      </p:to>
+                                    </p:animClr>
+                                    <p:set>
+                                      <p:cBhvr>
+                                        <p:cTn id="95" dur="2000" fill="hold"/>
+                                        <p:tgtEl>
+                                          <p:spTgt spid="18"/>
+                                        </p:tgtEl>
+                                        <p:attrNameLst>
+                                          <p:attrName>fill.type</p:attrName>
+                                        </p:attrNameLst>
+                                      </p:cBhvr>
+                                      <p:to>
+                                        <p:strVal val="solid"/>
+                                      </p:to>
+                                    </p:set>
+                                    <p:set>
+                                      <p:cBhvr>
+                                        <p:cTn id="96" dur="2000" fill="hold"/>
+                                        <p:tgtEl>
+                                          <p:spTgt spid="18"/>
+                                        </p:tgtEl>
+                                        <p:attrNameLst>
+                                          <p:attrName>fill.on</p:attrName>
+                                        </p:attrNameLst>
+                                      </p:cBhvr>
+                                      <p:to>
+                                        <p:strVal val="true"/>
+                                      </p:to>
+                                    </p:set>
+                                  </p:childTnLst>
+                                </p:cTn>
+                              </p:par>
+                            </p:childTnLst>
+                          </p:cTn>
+                        </p:par>
+                      </p:childTnLst>
+                    </p:cTn>
+                  </p:par>
+                  <p:par>
+                    <p:cTn id="97" fill="hold">
+                      <p:stCondLst>
+                        <p:cond delay="indefinite"/>
+                      </p:stCondLst>
+                      <p:childTnLst>
+                        <p:par>
+                          <p:cTn id="98" fill="hold">
+                            <p:stCondLst>
+                              <p:cond delay="0"/>
+                            </p:stCondLst>
+                            <p:childTnLst>
+                              <p:par>
+                                <p:cTn id="99" presetID="1" presetClass="emph" presetSubtype="2" fill="hold" nodeType="clickEffect">
+                                  <p:stCondLst>
+                                    <p:cond delay="0"/>
+                                  </p:stCondLst>
+                                  <p:childTnLst>
+                                    <p:animClr clrSpc="rgb" dir="cw">
+                                      <p:cBhvr>
+                                        <p:cTn id="100" dur="2000" fill="hold"/>
+                                        <p:tgtEl>
+                                          <p:spTgt spid="9"/>
+                                        </p:tgtEl>
+                                        <p:attrNameLst>
+                                          <p:attrName>fillcolor</p:attrName>
+                                        </p:attrNameLst>
+                                      </p:cBhvr>
+                                      <p:to>
+                                        <a:schemeClr val="hlink"/>
+                                      </p:to>
+                                    </p:animClr>
+                                    <p:set>
+                                      <p:cBhvr>
+                                        <p:cTn id="101" dur="2000" fill="hold"/>
+                                        <p:tgtEl>
+                                          <p:spTgt spid="9"/>
+                                        </p:tgtEl>
+                                        <p:attrNameLst>
+                                          <p:attrName>fill.type</p:attrName>
+                                        </p:attrNameLst>
+                                      </p:cBhvr>
+                                      <p:to>
+                                        <p:strVal val="solid"/>
+                                      </p:to>
+                                    </p:set>
+                                    <p:set>
+                                      <p:cBhvr>
+                                        <p:cTn id="102" dur="2000" fill="hold"/>
+                                        <p:tgtEl>
+                                          <p:spTgt spid="9"/>
+                                        </p:tgtEl>
+                                        <p:attrNameLst>
+                                          <p:attrName>fill.on</p:attrName>
+                                        </p:attrNameLst>
+                                      </p:cBhvr>
+                                      <p:to>
+                                        <p:strVal val="true"/>
+                                      </p:to>
+                                    </p:set>
+                                  </p:childTnLst>
+                                </p:cTn>
+                              </p:par>
+                            </p:childTnLst>
+                          </p:cTn>
+                        </p:par>
+                      </p:childTnLst>
+                    </p:cTn>
+                  </p:par>
+                </p:childTnLst>
+              </p:cTn>
+              <p:prevCondLst>
+                <p:cond evt="onPrev" delay="0">
+                  <p:tgtEl>
+                    <p:sldTgt/>
+                  </p:tgtEl>
+                </p:cond>
+              </p:prevCondLst>
+              <p:nextCondLst>
+                <p:cond evt="onNext" delay="0">
+                  <p:tgtEl>
+                    <p:sldTgt/>
+                  </p:tgtEl>
+                </p:cond>
+              </p:nextCondLst>
+            </p:seq>
+          </p:childTnLst>
+        </p:cTn>
+      </p:par>
+    </p:tnLst>
+  </p:timing>
+</p:sld>
+</file>
+
+<file path=ppt/slides/slide12.xml><?xml version="1.0" encoding="utf-8"?>
+<p:sld xmlns:a="http://schemas.openxmlformats.org/drawingml/2006/main" xmlns:r="http://schemas.openxmlformats.org/officeDocument/2006/relationships" xmlns:p="http://schemas.openxmlformats.org/presentationml/2006/main">
+  <p:cSld>
+    <p:spTree>
+      <p:nvGrpSpPr>
+        <p:cNvPr id="1" name=""/>
+        <p:cNvGrpSpPr/>
+        <p:nvPr/>
+      </p:nvGrpSpPr>
+      <p:grpSpPr>
+        <a:xfrm>
+          <a:off x="0" y="0"/>
+          <a:ext cx="0" cy="0"/>
+          <a:chOff x="0" y="0"/>
+          <a:chExt cx="0" cy="0"/>
+        </a:xfrm>
+      </p:grpSpPr>
+      <p:sp>
+        <p:nvSpPr>
+          <p:cNvPr id="2" name="Title 1"/>
+          <p:cNvSpPr>
+            <a:spLocks noGrp="1"/>
+          </p:cNvSpPr>
+          <p:nvPr>
+            <p:ph type="title"/>
+          </p:nvPr>
+        </p:nvSpPr>
+        <p:spPr/>
+        <p:txBody>
+          <a:bodyPr/>
+          <a:lstStyle/>
+          <a:p>
+            <a:r>
+              <a:rPr lang="en-US" dirty="0" smtClean="0"/>
+              <a:t>What about memory?</a:t>
+            </a:r>
+            <a:endParaRPr lang="en-US" dirty="0"/>
+          </a:p>
+        </p:txBody>
+      </p:sp>
+      <p:sp>
+        <p:nvSpPr>
+          <p:cNvPr id="6" name="Content Placeholder 5"/>
+          <p:cNvSpPr>
+            <a:spLocks noGrp="1"/>
+          </p:cNvSpPr>
+          <p:nvPr>
+            <p:ph idx="1"/>
+          </p:nvPr>
+        </p:nvSpPr>
+        <p:spPr/>
+        <p:txBody>
+          <a:bodyPr/>
+          <a:lstStyle/>
+          <a:p>
+            <a:r>
+              <a:rPr lang="en-US" dirty="0" smtClean="0"/>
+              <a:t>Copying data is expensive</a:t>
+            </a:r>
+          </a:p>
+          <a:p>
+            <a:pPr lvl="1"/>
+            <a:r>
+              <a:rPr lang="en-US" dirty="0" smtClean="0"/>
+              <a:t>Or at least it used to be</a:t>
+            </a:r>
+          </a:p>
+          <a:p>
+            <a:r>
+              <a:rPr lang="en-US" dirty="0" smtClean="0"/>
+              <a:t>Zero copy is complicated</a:t>
+            </a:r>
+          </a:p>
+          <a:p>
+            <a:pPr lvl="1"/>
+            <a:r>
+              <a:rPr lang="en-US" dirty="0" smtClean="0"/>
+              <a:t>Replacing a jet engine while in flight</a:t>
+            </a:r>
+          </a:p>
+          <a:p>
+            <a:endParaRPr lang="en-US" dirty="0" smtClean="0"/>
+          </a:p>
+        </p:txBody>
+      </p:sp>
+      <p:sp>
+        <p:nvSpPr>
+          <p:cNvPr id="3" name="Date Placeholder 2"/>
+          <p:cNvSpPr>
+            <a:spLocks noGrp="1"/>
+          </p:cNvSpPr>
+          <p:nvPr>
+            <p:ph type="dt" sz="half" idx="10"/>
+          </p:nvPr>
+        </p:nvSpPr>
+        <p:spPr/>
+        <p:txBody>
+          <a:bodyPr/>
+          <a:lstStyle/>
+          <a:p>
+            <a:fld id="{9FC8F57C-E466-5D4A-8BA1-0F2DC96E6599}" type="datetime1">
+              <a:rPr lang="en-US" smtClean="0"/>
+              <a:t>2/4/17</a:t>
+            </a:fld>
+            <a:endParaRPr lang="en-US"/>
+          </a:p>
+        </p:txBody>
+      </p:sp>
+      <p:sp>
+        <p:nvSpPr>
+          <p:cNvPr id="4" name="Footer Placeholder 3"/>
+          <p:cNvSpPr>
+            <a:spLocks noGrp="1"/>
+          </p:cNvSpPr>
+          <p:nvPr>
+            <p:ph type="ftr" sz="quarter" idx="11"/>
+          </p:nvPr>
+        </p:nvSpPr>
+        <p:spPr/>
+        <p:txBody>
+          <a:bodyPr/>
+          <a:lstStyle/>
+          <a:p>
+            <a:r>
+              <a:rPr lang="en-US" smtClean="0"/>
+              <a:t>Developing Products with FreeBSD</a:t>
+            </a:r>
+            <a:endParaRPr lang="en-US"/>
+          </a:p>
+        </p:txBody>
+      </p:sp>
+      <p:sp>
+        <p:nvSpPr>
+          <p:cNvPr id="5" name="Slide Number Placeholder 4"/>
+          <p:cNvSpPr>
+            <a:spLocks noGrp="1"/>
+          </p:cNvSpPr>
+          <p:nvPr>
+            <p:ph type="sldNum" sz="quarter" idx="12"/>
+          </p:nvPr>
+        </p:nvSpPr>
+        <p:spPr/>
+        <p:txBody>
+          <a:bodyPr/>
+          <a:lstStyle/>
+          <a:p>
+            <a:fld id="{699C44C4-0FAD-8046-A5C4-05AB318FA424}" type="slidenum">
+              <a:rPr lang="en-US" smtClean="0"/>
+              <a:t>12</a:t>
+            </a:fld>
+            <a:endParaRPr lang="en-US"/>
+          </a:p>
+        </p:txBody>
+      </p:sp>
+    </p:spTree>
+    <p:extLst>
+      <p:ext uri="{BB962C8B-B14F-4D97-AF65-F5344CB8AC3E}">
+        <p14:creationId xmlns:p14="http://schemas.microsoft.com/office/powerpoint/2010/main" val="111795681"/>
+      </p:ext>
+    </p:extLst>
+  </p:cSld>
+  <p:clrMapOvr>
+    <a:masterClrMapping/>
+  </p:clrMapOvr>
+  <p:timing>
+    <p:tnLst>
+      <p:par>
+        <p:cTn id="1" dur="indefinite" restart="never" nodeType="tmRoot"/>
+      </p:par>
+    </p:tnLst>
+  </p:timing>
+</p:sld>
+</file>
+
+<file path=ppt/slides/slide13.xml><?xml version="1.0" encoding="utf-8"?>
+<p:sld xmlns:a="http://schemas.openxmlformats.org/drawingml/2006/main" xmlns:r="http://schemas.openxmlformats.org/officeDocument/2006/relationships" xmlns:p="http://schemas.openxmlformats.org/presentationml/2006/main">
+  <p:cSld>
+    <p:spTree>
+      <p:nvGrpSpPr>
+        <p:cNvPr id="1" name=""/>
+        <p:cNvGrpSpPr/>
+        <p:nvPr/>
+      </p:nvGrpSpPr>
+      <p:grpSpPr>
+        <a:xfrm>
+          <a:off x="0" y="0"/>
+          <a:ext cx="0" cy="0"/>
+          <a:chOff x="0" y="0"/>
+          <a:chExt cx="0" cy="0"/>
+        </a:xfrm>
+      </p:grpSpPr>
+      <p:sp>
+        <p:nvSpPr>
+          <p:cNvPr id="2" name="Title 1"/>
+          <p:cNvSpPr>
+            <a:spLocks noGrp="1"/>
+          </p:cNvSpPr>
+          <p:nvPr>
+            <p:ph type="title"/>
+          </p:nvPr>
+        </p:nvSpPr>
+        <p:spPr/>
+        <p:txBody>
+          <a:bodyPr/>
+          <a:lstStyle/>
+          <a:p>
+            <a:r>
+              <a:rPr lang="en-US" dirty="0" smtClean="0"/>
+              <a:t>Memory Swapping</a:t>
+            </a:r>
+            <a:endParaRPr lang="en-US" dirty="0"/>
+          </a:p>
+        </p:txBody>
+      </p:sp>
+      <p:sp>
+        <p:nvSpPr>
+          <p:cNvPr id="4" name="Date Placeholder 3"/>
+          <p:cNvSpPr>
+            <a:spLocks noGrp="1"/>
+          </p:cNvSpPr>
+          <p:nvPr>
+            <p:ph type="dt" sz="half" idx="10"/>
+          </p:nvPr>
+        </p:nvSpPr>
+        <p:spPr/>
+        <p:txBody>
+          <a:bodyPr/>
+          <a:lstStyle/>
+          <a:p>
+            <a:fld id="{BC4AE5AA-C6FF-5A4F-9D02-E3454F0B3602}" type="datetime1">
+              <a:rPr lang="en-US" smtClean="0"/>
+              <a:t>2/4/17</a:t>
+            </a:fld>
+            <a:endParaRPr lang="en-US"/>
+          </a:p>
+        </p:txBody>
+      </p:sp>
+      <p:sp>
+        <p:nvSpPr>
+          <p:cNvPr id="5" name="Footer Placeholder 4"/>
+          <p:cNvSpPr>
+            <a:spLocks noGrp="1"/>
+          </p:cNvSpPr>
+          <p:nvPr>
+            <p:ph type="ftr" sz="quarter" idx="11"/>
+          </p:nvPr>
+        </p:nvSpPr>
+        <p:spPr/>
+        <p:txBody>
+          <a:bodyPr/>
+          <a:lstStyle/>
+          <a:p>
+            <a:r>
+              <a:rPr lang="en-US" smtClean="0"/>
+              <a:t>Developing Products with FreeBSD</a:t>
+            </a:r>
+            <a:endParaRPr lang="en-US" dirty="0"/>
+          </a:p>
+        </p:txBody>
+      </p:sp>
+      <p:sp>
+        <p:nvSpPr>
+          <p:cNvPr id="6" name="Slide Number Placeholder 5"/>
+          <p:cNvSpPr>
+            <a:spLocks noGrp="1"/>
+          </p:cNvSpPr>
+          <p:nvPr>
+            <p:ph type="sldNum" sz="quarter" idx="12"/>
+          </p:nvPr>
+        </p:nvSpPr>
+        <p:spPr/>
+        <p:txBody>
+          <a:bodyPr/>
+          <a:lstStyle/>
+          <a:p>
+            <a:fld id="{699C44C4-0FAD-8046-A5C4-05AB318FA424}" type="slidenum">
+              <a:rPr lang="en-US" smtClean="0"/>
+              <a:t>13</a:t>
+            </a:fld>
+            <a:endParaRPr lang="en-US"/>
+          </a:p>
+        </p:txBody>
+      </p:sp>
+      <p:sp>
+        <p:nvSpPr>
+          <p:cNvPr id="7" name="Rectangle 6"/>
+          <p:cNvSpPr/>
+          <p:nvPr/>
+        </p:nvSpPr>
+        <p:spPr>
+          <a:xfrm>
+            <a:off x="3987210" y="1648045"/>
+            <a:ext cx="1339702" cy="531628"/>
+          </a:xfrm>
+          <a:prstGeom prst="rect">
+            <a:avLst/>
+          </a:prstGeom>
+          <a:solidFill>
+            <a:srgbClr val="00B050"/>
+          </a:solidFill>
+          <a:ln>
+            <a:solidFill>
+              <a:schemeClr val="bg1"/>
+            </a:solidFill>
+          </a:ln>
+        </p:spPr>
+        <p:style>
+          <a:lnRef idx="2">
+            <a:schemeClr val="accent1">
+              <a:shade val="50000"/>
+            </a:schemeClr>
+          </a:lnRef>
+          <a:fillRef idx="1">
+            <a:schemeClr val="accent1"/>
+          </a:fillRef>
+          <a:effectRef idx="0">
+            <a:schemeClr val="accent1"/>
+          </a:effectRef>
+          <a:fontRef idx="minor">
+            <a:schemeClr val="lt1"/>
+          </a:fontRef>
+        </p:style>
+        <p:txBody>
+          <a:bodyPr rtlCol="0" anchor="ctr"/>
+          <a:lstStyle/>
+          <a:p>
+            <a:pPr algn="ctr"/>
+            <a:r>
+              <a:rPr lang="en-US" dirty="0" smtClean="0"/>
+              <a:t>Descriptor</a:t>
+            </a:r>
+            <a:endParaRPr lang="en-US" dirty="0"/>
+          </a:p>
+        </p:txBody>
+      </p:sp>
+      <p:sp>
+        <p:nvSpPr>
+          <p:cNvPr id="8" name="Rectangle 7"/>
+          <p:cNvSpPr/>
+          <p:nvPr/>
+        </p:nvSpPr>
+        <p:spPr>
+          <a:xfrm>
+            <a:off x="6671745" y="1634945"/>
+            <a:ext cx="1339702" cy="531628"/>
+          </a:xfrm>
+          <a:prstGeom prst="rect">
+            <a:avLst/>
+          </a:prstGeom>
+          <a:solidFill>
+            <a:srgbClr val="00B050"/>
+          </a:solidFill>
+          <a:ln>
+            <a:solidFill>
+              <a:schemeClr val="bg1"/>
+            </a:solidFill>
+          </a:ln>
+        </p:spPr>
+        <p:style>
+          <a:lnRef idx="2">
+            <a:schemeClr val="accent1">
+              <a:shade val="50000"/>
+            </a:schemeClr>
+          </a:lnRef>
+          <a:fillRef idx="1">
+            <a:schemeClr val="accent1"/>
+          </a:fillRef>
+          <a:effectRef idx="0">
+            <a:schemeClr val="accent1"/>
+          </a:effectRef>
+          <a:fontRef idx="minor">
+            <a:schemeClr val="lt1"/>
+          </a:fontRef>
+        </p:style>
+        <p:txBody>
+          <a:bodyPr rtlCol="0" anchor="ctr"/>
+          <a:lstStyle/>
+          <a:p>
+            <a:pPr algn="ctr"/>
+            <a:r>
+              <a:rPr lang="en-US" dirty="0" smtClean="0"/>
+              <a:t>Data</a:t>
+            </a:r>
+            <a:endParaRPr lang="en-US" dirty="0"/>
+          </a:p>
+        </p:txBody>
+      </p:sp>
+      <p:sp>
+        <p:nvSpPr>
+          <p:cNvPr id="9" name="Rectangle 8"/>
+          <p:cNvSpPr/>
+          <p:nvPr/>
+        </p:nvSpPr>
+        <p:spPr>
+          <a:xfrm>
+            <a:off x="6671745" y="2166573"/>
+            <a:ext cx="1339702" cy="531628"/>
+          </a:xfrm>
+          <a:prstGeom prst="rect">
+            <a:avLst/>
+          </a:prstGeom>
+          <a:solidFill>
+            <a:srgbClr val="00B050"/>
+          </a:solidFill>
+          <a:ln>
+            <a:solidFill>
+              <a:schemeClr val="bg1"/>
+            </a:solidFill>
+          </a:ln>
+        </p:spPr>
+        <p:style>
+          <a:lnRef idx="2">
+            <a:schemeClr val="accent1">
+              <a:shade val="50000"/>
+            </a:schemeClr>
+          </a:lnRef>
+          <a:fillRef idx="1">
+            <a:schemeClr val="accent1"/>
+          </a:fillRef>
+          <a:effectRef idx="0">
+            <a:schemeClr val="accent1"/>
+          </a:effectRef>
+          <a:fontRef idx="minor">
+            <a:schemeClr val="lt1"/>
+          </a:fontRef>
+        </p:style>
+        <p:txBody>
+          <a:bodyPr rtlCol="0" anchor="ctr"/>
+          <a:lstStyle/>
+          <a:p>
+            <a:pPr algn="ctr"/>
+            <a:r>
+              <a:rPr lang="en-US" dirty="0" smtClean="0"/>
+              <a:t>Data</a:t>
+            </a:r>
+            <a:endParaRPr lang="en-US" dirty="0"/>
+          </a:p>
+        </p:txBody>
+      </p:sp>
+      <p:sp>
+        <p:nvSpPr>
+          <p:cNvPr id="10" name="Rectangle 9"/>
+          <p:cNvSpPr/>
+          <p:nvPr/>
+        </p:nvSpPr>
+        <p:spPr>
+          <a:xfrm>
+            <a:off x="6671745" y="2698201"/>
+            <a:ext cx="1339702" cy="531628"/>
+          </a:xfrm>
+          <a:prstGeom prst="rect">
+            <a:avLst/>
+          </a:prstGeom>
+          <a:solidFill>
+            <a:srgbClr val="00B050"/>
+          </a:solidFill>
+          <a:ln>
+            <a:solidFill>
+              <a:schemeClr val="bg1"/>
+            </a:solidFill>
+          </a:ln>
+        </p:spPr>
+        <p:style>
+          <a:lnRef idx="2">
+            <a:schemeClr val="accent1">
+              <a:shade val="50000"/>
+            </a:schemeClr>
+          </a:lnRef>
+          <a:fillRef idx="1">
+            <a:schemeClr val="accent1"/>
+          </a:fillRef>
+          <a:effectRef idx="0">
+            <a:schemeClr val="accent1"/>
+          </a:effectRef>
+          <a:fontRef idx="minor">
+            <a:schemeClr val="lt1"/>
+          </a:fontRef>
+        </p:style>
+        <p:txBody>
+          <a:bodyPr rtlCol="0" anchor="ctr"/>
+          <a:lstStyle/>
+          <a:p>
+            <a:pPr algn="ctr"/>
+            <a:r>
+              <a:rPr lang="en-US" dirty="0" smtClean="0"/>
+              <a:t>Data</a:t>
+            </a:r>
+            <a:endParaRPr lang="en-US" dirty="0"/>
+          </a:p>
+        </p:txBody>
+      </p:sp>
+      <p:sp>
+        <p:nvSpPr>
+          <p:cNvPr id="11" name="Rectangle 10"/>
+          <p:cNvSpPr/>
+          <p:nvPr/>
+        </p:nvSpPr>
+        <p:spPr>
+          <a:xfrm>
+            <a:off x="6671745" y="3229829"/>
+            <a:ext cx="1339702" cy="531628"/>
+          </a:xfrm>
+          <a:prstGeom prst="rect">
+            <a:avLst/>
+          </a:prstGeom>
+          <a:solidFill>
+            <a:srgbClr val="00B050"/>
+          </a:solidFill>
+          <a:ln>
+            <a:solidFill>
+              <a:schemeClr val="bg1"/>
+            </a:solidFill>
+          </a:ln>
+        </p:spPr>
+        <p:style>
+          <a:lnRef idx="2">
+            <a:schemeClr val="accent1">
+              <a:shade val="50000"/>
+            </a:schemeClr>
+          </a:lnRef>
+          <a:fillRef idx="1">
+            <a:schemeClr val="accent1"/>
+          </a:fillRef>
+          <a:effectRef idx="0">
+            <a:schemeClr val="accent1"/>
+          </a:effectRef>
+          <a:fontRef idx="minor">
+            <a:schemeClr val="lt1"/>
+          </a:fontRef>
+        </p:style>
+        <p:txBody>
+          <a:bodyPr rtlCol="0" anchor="ctr"/>
+          <a:lstStyle/>
+          <a:p>
+            <a:pPr algn="ctr"/>
+            <a:r>
+              <a:rPr lang="en-US" dirty="0" smtClean="0"/>
+              <a:t>Data</a:t>
+            </a:r>
+            <a:endParaRPr lang="en-US" dirty="0"/>
+          </a:p>
+        </p:txBody>
+      </p:sp>
+      <p:sp>
+        <p:nvSpPr>
+          <p:cNvPr id="13" name="Rectangle 12"/>
+          <p:cNvSpPr/>
+          <p:nvPr/>
+        </p:nvSpPr>
+        <p:spPr>
+          <a:xfrm>
+            <a:off x="6671745" y="3761457"/>
+            <a:ext cx="1339702" cy="531628"/>
+          </a:xfrm>
+          <a:prstGeom prst="rect">
+            <a:avLst/>
+          </a:prstGeom>
+          <a:solidFill>
+            <a:srgbClr val="00B050"/>
+          </a:solidFill>
+          <a:ln>
+            <a:solidFill>
+              <a:schemeClr val="bg1"/>
+            </a:solidFill>
+          </a:ln>
+        </p:spPr>
+        <p:style>
+          <a:lnRef idx="2">
+            <a:schemeClr val="accent1">
+              <a:shade val="50000"/>
+            </a:schemeClr>
+          </a:lnRef>
+          <a:fillRef idx="1">
+            <a:schemeClr val="accent1"/>
+          </a:fillRef>
+          <a:effectRef idx="0">
+            <a:schemeClr val="accent1"/>
+          </a:effectRef>
+          <a:fontRef idx="minor">
+            <a:schemeClr val="lt1"/>
+          </a:fontRef>
+        </p:style>
+        <p:txBody>
+          <a:bodyPr rtlCol="0" anchor="ctr"/>
+          <a:lstStyle/>
+          <a:p>
+            <a:pPr algn="ctr"/>
+            <a:r>
+              <a:rPr lang="en-US" dirty="0" smtClean="0"/>
+              <a:t>Data</a:t>
+            </a:r>
+            <a:endParaRPr lang="en-US" dirty="0"/>
+          </a:p>
+        </p:txBody>
+      </p:sp>
+      <p:sp>
+        <p:nvSpPr>
+          <p:cNvPr id="14" name="Rectangle 13"/>
+          <p:cNvSpPr/>
+          <p:nvPr/>
+        </p:nvSpPr>
+        <p:spPr>
+          <a:xfrm>
+            <a:off x="6671745" y="4293085"/>
+            <a:ext cx="1339702" cy="531628"/>
+          </a:xfrm>
+          <a:prstGeom prst="rect">
+            <a:avLst/>
+          </a:prstGeom>
+          <a:solidFill>
+            <a:srgbClr val="00B050"/>
+          </a:solidFill>
+          <a:ln>
+            <a:solidFill>
+              <a:schemeClr val="bg1"/>
+            </a:solidFill>
+          </a:ln>
+        </p:spPr>
+        <p:style>
+          <a:lnRef idx="2">
+            <a:schemeClr val="accent1">
+              <a:shade val="50000"/>
+            </a:schemeClr>
+          </a:lnRef>
+          <a:fillRef idx="1">
+            <a:schemeClr val="accent1"/>
+          </a:fillRef>
+          <a:effectRef idx="0">
+            <a:schemeClr val="accent1"/>
+          </a:effectRef>
+          <a:fontRef idx="minor">
+            <a:schemeClr val="lt1"/>
+          </a:fontRef>
+        </p:style>
+        <p:txBody>
+          <a:bodyPr rtlCol="0" anchor="ctr"/>
+          <a:lstStyle/>
+          <a:p>
+            <a:pPr algn="ctr"/>
+            <a:r>
+              <a:rPr lang="en-US" dirty="0" smtClean="0"/>
+              <a:t>Data</a:t>
+            </a:r>
+            <a:endParaRPr lang="en-US" dirty="0"/>
+          </a:p>
+        </p:txBody>
+      </p:sp>
+      <p:sp>
+        <p:nvSpPr>
+          <p:cNvPr id="15" name="Rectangle 14"/>
+          <p:cNvSpPr/>
+          <p:nvPr/>
+        </p:nvSpPr>
+        <p:spPr>
+          <a:xfrm>
+            <a:off x="6671745" y="4824713"/>
+            <a:ext cx="1339702" cy="531628"/>
+          </a:xfrm>
+          <a:prstGeom prst="rect">
+            <a:avLst/>
+          </a:prstGeom>
+          <a:solidFill>
+            <a:srgbClr val="00B050"/>
+          </a:solidFill>
+          <a:ln>
+            <a:solidFill>
+              <a:schemeClr val="bg1"/>
+            </a:solidFill>
+          </a:ln>
+        </p:spPr>
+        <p:style>
+          <a:lnRef idx="2">
+            <a:schemeClr val="accent1">
+              <a:shade val="50000"/>
+            </a:schemeClr>
+          </a:lnRef>
+          <a:fillRef idx="1">
+            <a:schemeClr val="accent1"/>
+          </a:fillRef>
+          <a:effectRef idx="0">
+            <a:schemeClr val="accent1"/>
+          </a:effectRef>
+          <a:fontRef idx="minor">
+            <a:schemeClr val="lt1"/>
+          </a:fontRef>
+        </p:style>
+        <p:txBody>
+          <a:bodyPr rtlCol="0" anchor="ctr"/>
+          <a:lstStyle/>
+          <a:p>
+            <a:pPr algn="ctr"/>
+            <a:r>
+              <a:rPr lang="en-US" dirty="0" smtClean="0"/>
+              <a:t>Data</a:t>
+            </a:r>
+            <a:endParaRPr lang="en-US" dirty="0"/>
+          </a:p>
+        </p:txBody>
+      </p:sp>
+      <p:sp>
+        <p:nvSpPr>
+          <p:cNvPr id="16" name="Rectangle 15"/>
+          <p:cNvSpPr/>
+          <p:nvPr/>
+        </p:nvSpPr>
+        <p:spPr>
+          <a:xfrm>
+            <a:off x="6671745" y="5356341"/>
+            <a:ext cx="1339702" cy="531628"/>
+          </a:xfrm>
+          <a:prstGeom prst="rect">
+            <a:avLst/>
+          </a:prstGeom>
+          <a:solidFill>
+            <a:srgbClr val="00B050"/>
+          </a:solidFill>
+          <a:ln>
+            <a:solidFill>
+              <a:schemeClr val="bg1"/>
+            </a:solidFill>
+          </a:ln>
+        </p:spPr>
+        <p:style>
+          <a:lnRef idx="2">
+            <a:schemeClr val="accent1">
+              <a:shade val="50000"/>
+            </a:schemeClr>
+          </a:lnRef>
+          <a:fillRef idx="1">
+            <a:schemeClr val="accent1"/>
+          </a:fillRef>
+          <a:effectRef idx="0">
+            <a:schemeClr val="accent1"/>
+          </a:effectRef>
+          <a:fontRef idx="minor">
+            <a:schemeClr val="lt1"/>
+          </a:fontRef>
+        </p:style>
+        <p:txBody>
+          <a:bodyPr rtlCol="0" anchor="ctr"/>
+          <a:lstStyle/>
+          <a:p>
+            <a:pPr algn="ctr"/>
+            <a:r>
+              <a:rPr lang="en-US" dirty="0" smtClean="0"/>
+              <a:t>Data</a:t>
+            </a:r>
+            <a:endParaRPr lang="en-US" dirty="0"/>
+          </a:p>
+        </p:txBody>
+      </p:sp>
+      <p:sp>
+        <p:nvSpPr>
+          <p:cNvPr id="18" name="Rectangle 17"/>
+          <p:cNvSpPr/>
+          <p:nvPr/>
+        </p:nvSpPr>
+        <p:spPr>
+          <a:xfrm>
+            <a:off x="3987210" y="2179673"/>
+            <a:ext cx="1339702" cy="531628"/>
+          </a:xfrm>
+          <a:prstGeom prst="rect">
+            <a:avLst/>
+          </a:prstGeom>
+          <a:solidFill>
+            <a:srgbClr val="00B050"/>
+          </a:solidFill>
+          <a:ln>
+            <a:solidFill>
+              <a:schemeClr val="bg1"/>
+            </a:solidFill>
+          </a:ln>
+        </p:spPr>
+        <p:style>
+          <a:lnRef idx="2">
+            <a:schemeClr val="accent1">
+              <a:shade val="50000"/>
+            </a:schemeClr>
+          </a:lnRef>
+          <a:fillRef idx="1">
+            <a:schemeClr val="accent1"/>
+          </a:fillRef>
+          <a:effectRef idx="0">
+            <a:schemeClr val="accent1"/>
+          </a:effectRef>
+          <a:fontRef idx="minor">
+            <a:schemeClr val="lt1"/>
+          </a:fontRef>
+        </p:style>
+        <p:txBody>
+          <a:bodyPr rtlCol="0" anchor="ctr"/>
+          <a:lstStyle/>
+          <a:p>
+            <a:pPr algn="ctr"/>
+            <a:r>
+              <a:rPr lang="en-US" dirty="0" smtClean="0"/>
+              <a:t>Descriptor</a:t>
+            </a:r>
+            <a:endParaRPr lang="en-US" dirty="0"/>
+          </a:p>
+        </p:txBody>
+      </p:sp>
+      <p:sp>
+        <p:nvSpPr>
+          <p:cNvPr id="19" name="Rectangle 18"/>
+          <p:cNvSpPr/>
+          <p:nvPr/>
+        </p:nvSpPr>
+        <p:spPr>
+          <a:xfrm>
+            <a:off x="3987210" y="2714576"/>
+            <a:ext cx="1339702" cy="531628"/>
+          </a:xfrm>
+          <a:prstGeom prst="rect">
+            <a:avLst/>
+          </a:prstGeom>
+          <a:solidFill>
+            <a:srgbClr val="00B050"/>
+          </a:solidFill>
+          <a:ln>
+            <a:solidFill>
+              <a:schemeClr val="bg1"/>
+            </a:solidFill>
+          </a:ln>
+        </p:spPr>
+        <p:style>
+          <a:lnRef idx="2">
+            <a:schemeClr val="accent1">
+              <a:shade val="50000"/>
+            </a:schemeClr>
+          </a:lnRef>
+          <a:fillRef idx="1">
+            <a:schemeClr val="accent1"/>
+          </a:fillRef>
+          <a:effectRef idx="0">
+            <a:schemeClr val="accent1"/>
+          </a:effectRef>
+          <a:fontRef idx="minor">
+            <a:schemeClr val="lt1"/>
+          </a:fontRef>
+        </p:style>
+        <p:txBody>
+          <a:bodyPr rtlCol="0" anchor="ctr"/>
+          <a:lstStyle/>
+          <a:p>
+            <a:pPr algn="ctr"/>
+            <a:r>
+              <a:rPr lang="en-US" dirty="0" smtClean="0"/>
+              <a:t>Descriptor</a:t>
+            </a:r>
+            <a:endParaRPr lang="en-US" dirty="0"/>
+          </a:p>
+        </p:txBody>
+      </p:sp>
+      <p:sp>
+        <p:nvSpPr>
+          <p:cNvPr id="20" name="Rectangle 19"/>
+          <p:cNvSpPr/>
+          <p:nvPr/>
+        </p:nvSpPr>
+        <p:spPr>
+          <a:xfrm>
+            <a:off x="3987210" y="3242929"/>
+            <a:ext cx="1339702" cy="531628"/>
+          </a:xfrm>
+          <a:prstGeom prst="rect">
+            <a:avLst/>
+          </a:prstGeom>
+          <a:solidFill>
+            <a:srgbClr val="00B050"/>
+          </a:solidFill>
+          <a:ln>
+            <a:solidFill>
+              <a:schemeClr val="bg1"/>
+            </a:solidFill>
+          </a:ln>
+        </p:spPr>
+        <p:style>
+          <a:lnRef idx="2">
+            <a:schemeClr val="accent1">
+              <a:shade val="50000"/>
+            </a:schemeClr>
+          </a:lnRef>
+          <a:fillRef idx="1">
+            <a:schemeClr val="accent1"/>
+          </a:fillRef>
+          <a:effectRef idx="0">
+            <a:schemeClr val="accent1"/>
+          </a:effectRef>
+          <a:fontRef idx="minor">
+            <a:schemeClr val="lt1"/>
+          </a:fontRef>
+        </p:style>
+        <p:txBody>
+          <a:bodyPr rtlCol="0" anchor="ctr"/>
+          <a:lstStyle/>
+          <a:p>
+            <a:pPr algn="ctr"/>
+            <a:r>
+              <a:rPr lang="en-US" dirty="0" smtClean="0"/>
+              <a:t>Descriptor</a:t>
+            </a:r>
+            <a:endParaRPr lang="en-US" dirty="0"/>
+          </a:p>
+        </p:txBody>
+      </p:sp>
+      <p:sp>
+        <p:nvSpPr>
+          <p:cNvPr id="21" name="Rectangle 20"/>
+          <p:cNvSpPr/>
+          <p:nvPr/>
+        </p:nvSpPr>
+        <p:spPr>
+          <a:xfrm>
+            <a:off x="3987210" y="3771282"/>
+            <a:ext cx="1339702" cy="531628"/>
+          </a:xfrm>
+          <a:prstGeom prst="rect">
+            <a:avLst/>
+          </a:prstGeom>
+          <a:solidFill>
+            <a:srgbClr val="00B050"/>
+          </a:solidFill>
+          <a:ln>
+            <a:solidFill>
+              <a:schemeClr val="bg1"/>
+            </a:solidFill>
+          </a:ln>
+        </p:spPr>
+        <p:style>
+          <a:lnRef idx="2">
+            <a:schemeClr val="accent1">
+              <a:shade val="50000"/>
+            </a:schemeClr>
+          </a:lnRef>
+          <a:fillRef idx="1">
+            <a:schemeClr val="accent1"/>
+          </a:fillRef>
+          <a:effectRef idx="0">
+            <a:schemeClr val="accent1"/>
+          </a:effectRef>
+          <a:fontRef idx="minor">
+            <a:schemeClr val="lt1"/>
+          </a:fontRef>
+        </p:style>
+        <p:txBody>
+          <a:bodyPr rtlCol="0" anchor="ctr"/>
+          <a:lstStyle/>
+          <a:p>
+            <a:pPr algn="ctr"/>
+            <a:r>
+              <a:rPr lang="en-US" dirty="0" smtClean="0"/>
+              <a:t>Descriptor</a:t>
+            </a:r>
+            <a:endParaRPr lang="en-US" dirty="0"/>
+          </a:p>
+        </p:txBody>
+      </p:sp>
+      <p:sp>
+        <p:nvSpPr>
+          <p:cNvPr id="22" name="Rectangle 21"/>
+          <p:cNvSpPr/>
+          <p:nvPr/>
+        </p:nvSpPr>
+        <p:spPr>
+          <a:xfrm>
+            <a:off x="3987210" y="5356341"/>
+            <a:ext cx="1339702" cy="531628"/>
+          </a:xfrm>
+          <a:prstGeom prst="rect">
+            <a:avLst/>
+          </a:prstGeom>
+          <a:solidFill>
+            <a:srgbClr val="00B050"/>
+          </a:solidFill>
+          <a:ln>
+            <a:solidFill>
+              <a:schemeClr val="bg1"/>
+            </a:solidFill>
+          </a:ln>
+        </p:spPr>
+        <p:style>
+          <a:lnRef idx="2">
+            <a:schemeClr val="accent1">
+              <a:shade val="50000"/>
+            </a:schemeClr>
+          </a:lnRef>
+          <a:fillRef idx="1">
+            <a:schemeClr val="accent1"/>
+          </a:fillRef>
+          <a:effectRef idx="0">
+            <a:schemeClr val="accent1"/>
+          </a:effectRef>
+          <a:fontRef idx="minor">
+            <a:schemeClr val="lt1"/>
+          </a:fontRef>
+        </p:style>
+        <p:txBody>
+          <a:bodyPr rtlCol="0" anchor="ctr"/>
+          <a:lstStyle/>
+          <a:p>
+            <a:pPr algn="ctr"/>
+            <a:r>
+              <a:rPr lang="en-US" dirty="0" smtClean="0"/>
+              <a:t>Descriptor</a:t>
+            </a:r>
+            <a:endParaRPr lang="en-US" dirty="0"/>
+          </a:p>
+        </p:txBody>
+      </p:sp>
+      <p:sp>
+        <p:nvSpPr>
+          <p:cNvPr id="23" name="Rectangle 22"/>
+          <p:cNvSpPr/>
+          <p:nvPr/>
+        </p:nvSpPr>
+        <p:spPr>
+          <a:xfrm>
+            <a:off x="3987210" y="4299635"/>
+            <a:ext cx="1339702" cy="531628"/>
+          </a:xfrm>
+          <a:prstGeom prst="rect">
+            <a:avLst/>
+          </a:prstGeom>
+          <a:solidFill>
+            <a:srgbClr val="00B050"/>
+          </a:solidFill>
+          <a:ln>
+            <a:solidFill>
+              <a:schemeClr val="bg1"/>
+            </a:solidFill>
+          </a:ln>
+        </p:spPr>
+        <p:style>
+          <a:lnRef idx="2">
+            <a:schemeClr val="accent1">
+              <a:shade val="50000"/>
+            </a:schemeClr>
+          </a:lnRef>
+          <a:fillRef idx="1">
+            <a:schemeClr val="accent1"/>
+          </a:fillRef>
+          <a:effectRef idx="0">
+            <a:schemeClr val="accent1"/>
+          </a:effectRef>
+          <a:fontRef idx="minor">
+            <a:schemeClr val="lt1"/>
+          </a:fontRef>
+        </p:style>
+        <p:txBody>
+          <a:bodyPr rtlCol="0" anchor="ctr"/>
+          <a:lstStyle/>
+          <a:p>
+            <a:pPr algn="ctr"/>
+            <a:r>
+              <a:rPr lang="en-US" dirty="0" smtClean="0"/>
+              <a:t>Descriptor</a:t>
+            </a:r>
+            <a:endParaRPr lang="en-US" dirty="0"/>
+          </a:p>
+        </p:txBody>
+      </p:sp>
+      <p:sp>
+        <p:nvSpPr>
+          <p:cNvPr id="24" name="Rectangle 23"/>
+          <p:cNvSpPr/>
+          <p:nvPr/>
+        </p:nvSpPr>
+        <p:spPr>
+          <a:xfrm>
+            <a:off x="3987210" y="4832972"/>
+            <a:ext cx="1339702" cy="531628"/>
+          </a:xfrm>
+          <a:prstGeom prst="rect">
+            <a:avLst/>
+          </a:prstGeom>
+          <a:solidFill>
+            <a:srgbClr val="00B050"/>
+          </a:solidFill>
+          <a:ln>
+            <a:solidFill>
+              <a:schemeClr val="bg1"/>
+            </a:solidFill>
+          </a:ln>
+        </p:spPr>
+        <p:style>
+          <a:lnRef idx="2">
+            <a:schemeClr val="accent1">
+              <a:shade val="50000"/>
+            </a:schemeClr>
+          </a:lnRef>
+          <a:fillRef idx="1">
+            <a:schemeClr val="accent1"/>
+          </a:fillRef>
+          <a:effectRef idx="0">
+            <a:schemeClr val="accent1"/>
+          </a:effectRef>
+          <a:fontRef idx="minor">
+            <a:schemeClr val="lt1"/>
+          </a:fontRef>
+        </p:style>
+        <p:txBody>
+          <a:bodyPr rtlCol="0" anchor="ctr"/>
+          <a:lstStyle/>
+          <a:p>
+            <a:pPr algn="ctr"/>
+            <a:r>
+              <a:rPr lang="en-US" dirty="0" smtClean="0"/>
+              <a:t>Descriptor</a:t>
+            </a:r>
+            <a:endParaRPr lang="en-US" dirty="0"/>
+          </a:p>
+        </p:txBody>
+      </p:sp>
+      <p:cxnSp>
+        <p:nvCxnSpPr>
+          <p:cNvPr id="26" name="Straight Arrow Connector 25"/>
+          <p:cNvCxnSpPr>
+            <a:stCxn id="7" idx="3"/>
+            <a:endCxn id="8" idx="1"/>
+          </p:cNvCxnSpPr>
+          <p:nvPr/>
+        </p:nvCxnSpPr>
+        <p:spPr>
+          <a:xfrm flipV="1">
+            <a:off x="5326912" y="1900759"/>
+            <a:ext cx="1344833" cy="13100"/>
+          </a:xfrm>
+          <a:prstGeom prst="straightConnector1">
+            <a:avLst/>
+          </a:prstGeom>
+          <a:ln>
+            <a:solidFill>
+              <a:schemeClr val="tx1"/>
+            </a:solidFill>
+            <a:tailEnd type="triangle"/>
+          </a:ln>
+        </p:spPr>
+        <p:style>
+          <a:lnRef idx="1">
+            <a:schemeClr val="accent1"/>
+          </a:lnRef>
+          <a:fillRef idx="0">
+            <a:schemeClr val="accent1"/>
+          </a:fillRef>
+          <a:effectRef idx="0">
+            <a:schemeClr val="accent1"/>
+          </a:effectRef>
+          <a:fontRef idx="minor">
+            <a:schemeClr val="tx1"/>
+          </a:fontRef>
+        </p:style>
+      </p:cxnSp>
+      <p:cxnSp>
+        <p:nvCxnSpPr>
+          <p:cNvPr id="28" name="Straight Arrow Connector 27"/>
+          <p:cNvCxnSpPr/>
+          <p:nvPr/>
+        </p:nvCxnSpPr>
+        <p:spPr>
+          <a:xfrm flipV="1">
+            <a:off x="5326911" y="2456422"/>
+            <a:ext cx="1344833" cy="13100"/>
+          </a:xfrm>
+          <a:prstGeom prst="straightConnector1">
+            <a:avLst/>
+          </a:prstGeom>
+          <a:ln>
+            <a:solidFill>
+              <a:schemeClr val="tx1"/>
+            </a:solidFill>
+            <a:tailEnd type="triangle"/>
+          </a:ln>
+        </p:spPr>
+        <p:style>
+          <a:lnRef idx="1">
+            <a:schemeClr val="accent1"/>
+          </a:lnRef>
+          <a:fillRef idx="0">
+            <a:schemeClr val="accent1"/>
+          </a:fillRef>
+          <a:effectRef idx="0">
+            <a:schemeClr val="accent1"/>
+          </a:effectRef>
+          <a:fontRef idx="minor">
+            <a:schemeClr val="tx1"/>
+          </a:fontRef>
+        </p:style>
+      </p:cxnSp>
+      <p:cxnSp>
+        <p:nvCxnSpPr>
+          <p:cNvPr id="29" name="Straight Arrow Connector 28"/>
+          <p:cNvCxnSpPr/>
+          <p:nvPr/>
+        </p:nvCxnSpPr>
+        <p:spPr>
+          <a:xfrm flipV="1">
+            <a:off x="5326910" y="2988199"/>
+            <a:ext cx="1344833" cy="13100"/>
+          </a:xfrm>
+          <a:prstGeom prst="straightConnector1">
+            <a:avLst/>
+          </a:prstGeom>
+          <a:ln>
+            <a:solidFill>
+              <a:schemeClr val="tx1"/>
+            </a:solidFill>
+            <a:tailEnd type="triangle"/>
+          </a:ln>
+        </p:spPr>
+        <p:style>
+          <a:lnRef idx="1">
+            <a:schemeClr val="accent1"/>
+          </a:lnRef>
+          <a:fillRef idx="0">
+            <a:schemeClr val="accent1"/>
+          </a:fillRef>
+          <a:effectRef idx="0">
+            <a:schemeClr val="accent1"/>
+          </a:effectRef>
+          <a:fontRef idx="minor">
+            <a:schemeClr val="tx1"/>
+          </a:fontRef>
+        </p:style>
+      </p:cxnSp>
+      <p:cxnSp>
+        <p:nvCxnSpPr>
+          <p:cNvPr id="30" name="Straight Arrow Connector 29"/>
+          <p:cNvCxnSpPr/>
+          <p:nvPr/>
+        </p:nvCxnSpPr>
+        <p:spPr>
+          <a:xfrm flipV="1">
+            <a:off x="5326909" y="3489093"/>
+            <a:ext cx="1344833" cy="13100"/>
+          </a:xfrm>
+          <a:prstGeom prst="straightConnector1">
+            <a:avLst/>
+          </a:prstGeom>
+          <a:ln>
+            <a:solidFill>
+              <a:schemeClr val="tx1"/>
+            </a:solidFill>
+            <a:tailEnd type="triangle"/>
+          </a:ln>
+        </p:spPr>
+        <p:style>
+          <a:lnRef idx="1">
+            <a:schemeClr val="accent1"/>
+          </a:lnRef>
+          <a:fillRef idx="0">
+            <a:schemeClr val="accent1"/>
+          </a:fillRef>
+          <a:effectRef idx="0">
+            <a:schemeClr val="accent1"/>
+          </a:effectRef>
+          <a:fontRef idx="minor">
+            <a:schemeClr val="tx1"/>
+          </a:fontRef>
+        </p:style>
+      </p:cxnSp>
+      <p:cxnSp>
+        <p:nvCxnSpPr>
+          <p:cNvPr id="31" name="Straight Arrow Connector 30"/>
+          <p:cNvCxnSpPr/>
+          <p:nvPr/>
+        </p:nvCxnSpPr>
+        <p:spPr>
+          <a:xfrm flipV="1">
+            <a:off x="5326908" y="4051455"/>
+            <a:ext cx="1344833" cy="13100"/>
+          </a:xfrm>
+          <a:prstGeom prst="straightConnector1">
+            <a:avLst/>
+          </a:prstGeom>
+          <a:ln>
+            <a:solidFill>
+              <a:schemeClr val="tx1"/>
+            </a:solidFill>
+            <a:tailEnd type="triangle"/>
+          </a:ln>
+        </p:spPr>
+        <p:style>
+          <a:lnRef idx="1">
+            <a:schemeClr val="accent1"/>
+          </a:lnRef>
+          <a:fillRef idx="0">
+            <a:schemeClr val="accent1"/>
+          </a:fillRef>
+          <a:effectRef idx="0">
+            <a:schemeClr val="accent1"/>
+          </a:effectRef>
+          <a:fontRef idx="minor">
+            <a:schemeClr val="tx1"/>
+          </a:fontRef>
+        </p:style>
+      </p:cxnSp>
+      <p:cxnSp>
+        <p:nvCxnSpPr>
+          <p:cNvPr id="32" name="Straight Arrow Connector 31"/>
+          <p:cNvCxnSpPr/>
+          <p:nvPr/>
+        </p:nvCxnSpPr>
+        <p:spPr>
+          <a:xfrm flipV="1">
+            <a:off x="5326908" y="4593567"/>
+            <a:ext cx="1344833" cy="13100"/>
+          </a:xfrm>
+          <a:prstGeom prst="straightConnector1">
+            <a:avLst/>
+          </a:prstGeom>
+          <a:ln>
+            <a:solidFill>
+              <a:schemeClr val="tx1"/>
+            </a:solidFill>
+            <a:tailEnd type="triangle"/>
+          </a:ln>
+        </p:spPr>
+        <p:style>
+          <a:lnRef idx="1">
+            <a:schemeClr val="accent1"/>
+          </a:lnRef>
+          <a:fillRef idx="0">
+            <a:schemeClr val="accent1"/>
+          </a:fillRef>
+          <a:effectRef idx="0">
+            <a:schemeClr val="accent1"/>
+          </a:effectRef>
+          <a:fontRef idx="minor">
+            <a:schemeClr val="tx1"/>
+          </a:fontRef>
+        </p:style>
+      </p:cxnSp>
+      <p:cxnSp>
+        <p:nvCxnSpPr>
+          <p:cNvPr id="33" name="Straight Arrow Connector 32"/>
+          <p:cNvCxnSpPr/>
+          <p:nvPr/>
+        </p:nvCxnSpPr>
+        <p:spPr>
+          <a:xfrm flipV="1">
+            <a:off x="5326906" y="5081865"/>
+            <a:ext cx="1344833" cy="13100"/>
+          </a:xfrm>
+          <a:prstGeom prst="straightConnector1">
+            <a:avLst/>
+          </a:prstGeom>
+          <a:ln>
+            <a:solidFill>
+              <a:schemeClr val="tx1"/>
+            </a:solidFill>
+            <a:tailEnd type="triangle"/>
+          </a:ln>
+        </p:spPr>
+        <p:style>
+          <a:lnRef idx="1">
+            <a:schemeClr val="accent1"/>
+          </a:lnRef>
+          <a:fillRef idx="0">
+            <a:schemeClr val="accent1"/>
+          </a:fillRef>
+          <a:effectRef idx="0">
+            <a:schemeClr val="accent1"/>
+          </a:effectRef>
+          <a:fontRef idx="minor">
+            <a:schemeClr val="tx1"/>
+          </a:fontRef>
+        </p:style>
+      </p:cxnSp>
+      <p:cxnSp>
+        <p:nvCxnSpPr>
+          <p:cNvPr id="34" name="Straight Arrow Connector 33"/>
+          <p:cNvCxnSpPr/>
+          <p:nvPr/>
+        </p:nvCxnSpPr>
+        <p:spPr>
+          <a:xfrm flipV="1">
+            <a:off x="5326906" y="5603161"/>
+            <a:ext cx="1344833" cy="13100"/>
+          </a:xfrm>
+          <a:prstGeom prst="straightConnector1">
+            <a:avLst/>
+          </a:prstGeom>
+          <a:ln>
+            <a:solidFill>
+              <a:schemeClr val="tx1"/>
+            </a:solidFill>
+            <a:tailEnd type="triangle"/>
+          </a:ln>
+        </p:spPr>
+        <p:style>
+          <a:lnRef idx="1">
+            <a:schemeClr val="accent1"/>
+          </a:lnRef>
+          <a:fillRef idx="0">
+            <a:schemeClr val="accent1"/>
+          </a:fillRef>
+          <a:effectRef idx="0">
+            <a:schemeClr val="accent1"/>
+          </a:effectRef>
+          <a:fontRef idx="minor">
+            <a:schemeClr val="tx1"/>
+          </a:fontRef>
+        </p:style>
+      </p:cxnSp>
+    </p:spTree>
+    <p:extLst>
+      <p:ext uri="{BB962C8B-B14F-4D97-AF65-F5344CB8AC3E}">
+        <p14:creationId xmlns:p14="http://schemas.microsoft.com/office/powerpoint/2010/main" val="1805799832"/>
+      </p:ext>
+    </p:extLst>
+  </p:cSld>
+  <p:clrMapOvr>
+    <a:masterClrMapping/>
+  </p:clrMapOvr>
+  <p:timing>
+    <p:tnLst>
+      <p:par>
+        <p:cTn id="1" dur="indefinite" restart="never" nodeType="tmRoot">
+          <p:childTnLst>
+            <p:seq concurrent="1" nextAc="seek">
+              <p:cTn id="2" dur="indefinite" nodeType="mainSeq">
+                <p:childTnLst>
+                  <p:par>
+                    <p:cTn id="3" fill="hold">
+                      <p:stCondLst>
+                        <p:cond delay="indefinite"/>
+                      </p:stCondLst>
+                      <p:childTnLst>
+                        <p:par>
+                          <p:cTn id="4" fill="hold">
+                            <p:stCondLst>
+                              <p:cond delay="0"/>
+                            </p:stCondLst>
+                            <p:childTnLst>
+                              <p:par>
+                                <p:cTn id="5" presetID="1" presetClass="emph" presetSubtype="2" fill="hold" nodeType="clickEffect">
+                                  <p:stCondLst>
+                                    <p:cond delay="0"/>
+                                  </p:stCondLst>
+                                  <p:childTnLst>
+                                    <p:animClr clrSpc="rgb" dir="cw">
+                                      <p:cBhvr>
+                                        <p:cTn id="6" dur="1000" fill="hold"/>
+                                        <p:tgtEl>
+                                          <p:spTgt spid="8"/>
+                                        </p:tgtEl>
+                                        <p:attrNameLst>
+                                          <p:attrName>fillcolor</p:attrName>
+                                        </p:attrNameLst>
+                                      </p:cBhvr>
+                                      <p:to>
+                                        <a:schemeClr val="accent2"/>
+                                      </p:to>
+                                    </p:animClr>
+                                    <p:set>
+                                      <p:cBhvr>
+                                        <p:cTn id="7" dur="1000" fill="hold"/>
+                                        <p:tgtEl>
+                                          <p:spTgt spid="8"/>
+                                        </p:tgtEl>
+                                        <p:attrNameLst>
+                                          <p:attrName>fill.type</p:attrName>
+                                        </p:attrNameLst>
+                                      </p:cBhvr>
+                                      <p:to>
+                                        <p:strVal val="solid"/>
+                                      </p:to>
+                                    </p:set>
+                                    <p:set>
+                                      <p:cBhvr>
+                                        <p:cTn id="8" dur="1000" fill="hold"/>
+                                        <p:tgtEl>
+                                          <p:spTgt spid="8"/>
+                                        </p:tgtEl>
+                                        <p:attrNameLst>
+                                          <p:attrName>fill.on</p:attrName>
+                                        </p:attrNameLst>
+                                      </p:cBhvr>
+                                      <p:to>
+                                        <p:strVal val="true"/>
+                                      </p:to>
+                                    </p:set>
+                                  </p:childTnLst>
+                                </p:cTn>
+                              </p:par>
+                            </p:childTnLst>
+                          </p:cTn>
+                        </p:par>
+                      </p:childTnLst>
+                    </p:cTn>
+                  </p:par>
+                  <p:par>
+                    <p:cTn id="9" fill="hold">
+                      <p:stCondLst>
+                        <p:cond delay="indefinite"/>
+                      </p:stCondLst>
+                      <p:childTnLst>
+                        <p:par>
+                          <p:cTn id="10" fill="hold">
+                            <p:stCondLst>
+                              <p:cond delay="0"/>
+                            </p:stCondLst>
+                            <p:childTnLst>
+                              <p:par>
+                                <p:cTn id="11" presetID="1" presetClass="emph" presetSubtype="2" fill="hold" nodeType="clickEffect">
+                                  <p:stCondLst>
+                                    <p:cond delay="0"/>
+                                  </p:stCondLst>
+                                  <p:childTnLst>
+                                    <p:animClr clrSpc="rgb" dir="cw">
+                                      <p:cBhvr>
+                                        <p:cTn id="12" dur="1000" fill="hold"/>
+                                        <p:tgtEl>
+                                          <p:spTgt spid="7"/>
+                                        </p:tgtEl>
+                                        <p:attrNameLst>
+                                          <p:attrName>fillcolor</p:attrName>
+                                        </p:attrNameLst>
+                                      </p:cBhvr>
+                                      <p:to>
+                                        <a:schemeClr val="accent2"/>
+                                      </p:to>
+                                    </p:animClr>
+                                    <p:set>
+                                      <p:cBhvr>
+                                        <p:cTn id="13" dur="1000" fill="hold"/>
+                                        <p:tgtEl>
+                                          <p:spTgt spid="7"/>
+                                        </p:tgtEl>
+                                        <p:attrNameLst>
+                                          <p:attrName>fill.type</p:attrName>
+                                        </p:attrNameLst>
+                                      </p:cBhvr>
+                                      <p:to>
+                                        <p:strVal val="solid"/>
+                                      </p:to>
+                                    </p:set>
+                                    <p:set>
+                                      <p:cBhvr>
+                                        <p:cTn id="14" dur="1000" fill="hold"/>
+                                        <p:tgtEl>
+                                          <p:spTgt spid="7"/>
+                                        </p:tgtEl>
+                                        <p:attrNameLst>
+                                          <p:attrName>fill.on</p:attrName>
+                                        </p:attrNameLst>
+                                      </p:cBhvr>
+                                      <p:to>
+                                        <p:strVal val="true"/>
+                                      </p:to>
+                                    </p:set>
+                                  </p:childTnLst>
+                                </p:cTn>
+                              </p:par>
+                            </p:childTnLst>
+                          </p:cTn>
+                        </p:par>
+                      </p:childTnLst>
+                    </p:cTn>
+                  </p:par>
+                  <p:par>
+                    <p:cTn id="15" fill="hold">
+                      <p:stCondLst>
+                        <p:cond delay="indefinite"/>
+                      </p:stCondLst>
+                      <p:childTnLst>
+                        <p:par>
+                          <p:cTn id="16" fill="hold">
+                            <p:stCondLst>
+                              <p:cond delay="0"/>
+                            </p:stCondLst>
+                            <p:childTnLst>
+                              <p:par>
+                                <p:cTn id="17" presetID="2" presetClass="exit" presetSubtype="9" fill="hold" grpId="0" nodeType="clickEffect">
+                                  <p:stCondLst>
+                                    <p:cond delay="0"/>
+                                  </p:stCondLst>
+                                  <p:childTnLst>
+                                    <p:anim calcmode="lin" valueType="num">
+                                      <p:cBhvr additive="base">
+                                        <p:cTn id="18" dur="1000"/>
+                                        <p:tgtEl>
+                                          <p:spTgt spid="8"/>
+                                        </p:tgtEl>
+                                        <p:attrNameLst>
+                                          <p:attrName>ppt_x</p:attrName>
+                                        </p:attrNameLst>
+                                      </p:cBhvr>
+                                      <p:tavLst>
+                                        <p:tav tm="0">
+                                          <p:val>
+                                            <p:strVal val="ppt_x"/>
+                                          </p:val>
+                                        </p:tav>
+                                        <p:tav tm="100000">
+                                          <p:val>
+                                            <p:strVal val="0-ppt_w/2"/>
+                                          </p:val>
+                                        </p:tav>
+                                      </p:tavLst>
+                                    </p:anim>
+                                    <p:anim calcmode="lin" valueType="num">
+                                      <p:cBhvr additive="base">
+                                        <p:cTn id="19" dur="1000"/>
+                                        <p:tgtEl>
+                                          <p:spTgt spid="8"/>
+                                        </p:tgtEl>
+                                        <p:attrNameLst>
+                                          <p:attrName>ppt_y</p:attrName>
+                                        </p:attrNameLst>
+                                      </p:cBhvr>
+                                      <p:tavLst>
+                                        <p:tav tm="0">
+                                          <p:val>
+                                            <p:strVal val="ppt_y"/>
+                                          </p:val>
+                                        </p:tav>
+                                        <p:tav tm="100000">
+                                          <p:val>
+                                            <p:strVal val="0-ppt_h/2"/>
+                                          </p:val>
+                                        </p:tav>
+                                      </p:tavLst>
+                                    </p:anim>
+                                    <p:set>
+                                      <p:cBhvr>
+                                        <p:cTn id="20" dur="1" fill="hold">
+                                          <p:stCondLst>
+                                            <p:cond delay="999"/>
+                                          </p:stCondLst>
+                                        </p:cTn>
+                                        <p:tgtEl>
+                                          <p:spTgt spid="8"/>
+                                        </p:tgtEl>
+                                        <p:attrNameLst>
+                                          <p:attrName>style.visibility</p:attrName>
+                                        </p:attrNameLst>
+                                      </p:cBhvr>
+                                      <p:to>
+                                        <p:strVal val="hidden"/>
+                                      </p:to>
+                                    </p:set>
+                                  </p:childTnLst>
+                                </p:cTn>
+                              </p:par>
+                            </p:childTnLst>
+                          </p:cTn>
+                        </p:par>
+                      </p:childTnLst>
+                    </p:cTn>
+                  </p:par>
+                  <p:par>
+                    <p:cTn id="21" fill="hold">
+                      <p:stCondLst>
+                        <p:cond delay="indefinite"/>
+                      </p:stCondLst>
+                      <p:childTnLst>
+                        <p:par>
+                          <p:cTn id="22" fill="hold">
+                            <p:stCondLst>
+                              <p:cond delay="0"/>
+                            </p:stCondLst>
+                            <p:childTnLst>
+                              <p:par>
+                                <p:cTn id="23" presetID="1" presetClass="emph" presetSubtype="2" fill="hold" grpId="1" nodeType="clickEffect">
+                                  <p:stCondLst>
+                                    <p:cond delay="0"/>
+                                  </p:stCondLst>
+                                  <p:childTnLst>
+                                    <p:animClr clrSpc="rgb" dir="cw">
+                                      <p:cBhvr>
+                                        <p:cTn id="24" dur="500" fill="hold"/>
+                                        <p:tgtEl>
+                                          <p:spTgt spid="8"/>
+                                        </p:tgtEl>
+                                        <p:attrNameLst>
+                                          <p:attrName>fillcolor</p:attrName>
+                                        </p:attrNameLst>
+                                      </p:cBhvr>
+                                      <p:to>
+                                        <a:schemeClr val="hlink"/>
+                                      </p:to>
+                                    </p:animClr>
+                                    <p:set>
+                                      <p:cBhvr>
+                                        <p:cTn id="25" dur="500" fill="hold"/>
+                                        <p:tgtEl>
+                                          <p:spTgt spid="8"/>
+                                        </p:tgtEl>
+                                        <p:attrNameLst>
+                                          <p:attrName>fill.type</p:attrName>
+                                        </p:attrNameLst>
+                                      </p:cBhvr>
+                                      <p:to>
+                                        <p:strVal val="solid"/>
+                                      </p:to>
+                                    </p:set>
+                                    <p:set>
+                                      <p:cBhvr>
+                                        <p:cTn id="26" dur="500" fill="hold"/>
+                                        <p:tgtEl>
+                                          <p:spTgt spid="8"/>
+                                        </p:tgtEl>
+                                        <p:attrNameLst>
+                                          <p:attrName>fill.on</p:attrName>
+                                        </p:attrNameLst>
+                                      </p:cBhvr>
+                                      <p:to>
+                                        <p:strVal val="true"/>
+                                      </p:to>
+                                    </p:set>
+                                  </p:childTnLst>
+                                </p:cTn>
+                              </p:par>
+                            </p:childTnLst>
+                          </p:cTn>
+                        </p:par>
+                      </p:childTnLst>
+                    </p:cTn>
+                  </p:par>
+                  <p:par>
+                    <p:cTn id="27" fill="hold">
+                      <p:stCondLst>
+                        <p:cond delay="indefinite"/>
+                      </p:stCondLst>
+                      <p:childTnLst>
+                        <p:par>
+                          <p:cTn id="28" fill="hold">
+                            <p:stCondLst>
+                              <p:cond delay="0"/>
+                            </p:stCondLst>
+                            <p:childTnLst>
+                              <p:par>
+                                <p:cTn id="29" presetID="2" presetClass="entr" presetSubtype="9" fill="hold" grpId="2" nodeType="clickEffect">
+                                  <p:stCondLst>
+                                    <p:cond delay="0"/>
+                                  </p:stCondLst>
+                                  <p:childTnLst>
+                                    <p:set>
+                                      <p:cBhvr>
+                                        <p:cTn id="30" dur="1" fill="hold">
+                                          <p:stCondLst>
+                                            <p:cond delay="0"/>
+                                          </p:stCondLst>
+                                        </p:cTn>
+                                        <p:tgtEl>
+                                          <p:spTgt spid="8"/>
+                                        </p:tgtEl>
+                                        <p:attrNameLst>
+                                          <p:attrName>style.visibility</p:attrName>
+                                        </p:attrNameLst>
+                                      </p:cBhvr>
+                                      <p:to>
+                                        <p:strVal val="visible"/>
+                                      </p:to>
+                                    </p:set>
+                                    <p:anim calcmode="lin" valueType="num">
+                                      <p:cBhvr additive="base">
+                                        <p:cTn id="31" dur="1000" fill="hold"/>
+                                        <p:tgtEl>
+                                          <p:spTgt spid="8"/>
+                                        </p:tgtEl>
+                                        <p:attrNameLst>
+                                          <p:attrName>ppt_x</p:attrName>
+                                        </p:attrNameLst>
+                                      </p:cBhvr>
+                                      <p:tavLst>
+                                        <p:tav tm="0">
+                                          <p:val>
+                                            <p:strVal val="0-#ppt_w/2"/>
+                                          </p:val>
+                                        </p:tav>
+                                        <p:tav tm="100000">
+                                          <p:val>
+                                            <p:strVal val="#ppt_x"/>
+                                          </p:val>
+                                        </p:tav>
+                                      </p:tavLst>
+                                    </p:anim>
+                                    <p:anim calcmode="lin" valueType="num">
+                                      <p:cBhvr additive="base">
+                                        <p:cTn id="32" dur="1000" fill="hold"/>
+                                        <p:tgtEl>
+                                          <p:spTgt spid="8"/>
+                                        </p:tgtEl>
+                                        <p:attrNameLst>
+                                          <p:attrName>ppt_y</p:attrName>
+                                        </p:attrNameLst>
+                                      </p:cBhvr>
+                                      <p:tavLst>
+                                        <p:tav tm="0">
+                                          <p:val>
+                                            <p:strVal val="0-#ppt_h/2"/>
+                                          </p:val>
+                                        </p:tav>
+                                        <p:tav tm="100000">
+                                          <p:val>
+                                            <p:strVal val="#ppt_y"/>
+                                          </p:val>
+                                        </p:tav>
+                                      </p:tavLst>
+                                    </p:anim>
+                                  </p:childTnLst>
+                                </p:cTn>
+                              </p:par>
+                            </p:childTnLst>
+                          </p:cTn>
+                        </p:par>
+                      </p:childTnLst>
+                    </p:cTn>
+                  </p:par>
+                </p:childTnLst>
+              </p:cTn>
+              <p:prevCondLst>
+                <p:cond evt="onPrev" delay="0">
+                  <p:tgtEl>
+                    <p:sldTgt/>
+                  </p:tgtEl>
+                </p:cond>
+              </p:prevCondLst>
+              <p:nextCondLst>
+                <p:cond evt="onNext" delay="0">
+                  <p:tgtEl>
+                    <p:sldTgt/>
+                  </p:tgtEl>
+                </p:cond>
+              </p:nextCondLst>
+            </p:seq>
+          </p:childTnLst>
+        </p:cTn>
+      </p:par>
+    </p:tnLst>
+    <p:bldLst>
+      <p:bldP spid="8" grpId="0" animBg="1"/>
+      <p:bldP spid="8" grpId="1" animBg="1"/>
+      <p:bldP spid="8" grpId="2" animBg="1"/>
+    </p:bldLst>
+  </p:timing>
+</p:sld>
+</file>
+
 <file path=ppt/slides/slide2.xml><?xml version="1.0" encoding="utf-8"?>
 <p:sld xmlns:a="http://schemas.openxmlformats.org/drawingml/2006/main" xmlns:r="http://schemas.openxmlformats.org/officeDocument/2006/relationships" xmlns:p="http://schemas.openxmlformats.org/presentationml/2006/main">
   <p:cSld>
@@ -6548,6 +11047,111 @@
               <a:rPr lang="en-US" dirty="0" smtClean="0"/>
               <a:t>Interrupting the Kernel</a:t>
             </a:r>
+            <a:endParaRPr lang="en-US" dirty="0"/>
+          </a:p>
+        </p:txBody>
+      </p:sp>
+      <p:sp>
+        <p:nvSpPr>
+          <p:cNvPr id="7" name="Content Placeholder 6"/>
+          <p:cNvSpPr>
+            <a:spLocks noGrp="1"/>
+          </p:cNvSpPr>
+          <p:nvPr>
+            <p:ph idx="1"/>
+          </p:nvPr>
+        </p:nvSpPr>
+        <p:spPr/>
+        <p:txBody>
+          <a:bodyPr/>
+          <a:lstStyle/>
+          <a:p>
+            <a:pPr marL="0" marR="0" lvl="0" indent="0" defTabSz="914400" eaLnBrk="1" fontAlgn="auto" latinLnBrk="0" hangingPunct="1">
+              <a:lnSpc>
+                <a:spcPct val="100000"/>
+              </a:lnSpc>
+              <a:spcBef>
+                <a:spcPts val="0"/>
+              </a:spcBef>
+              <a:spcAft>
+                <a:spcPts val="0"/>
+              </a:spcAft>
+              <a:buClrTx/>
+              <a:buSzTx/>
+              <a:buFontTx/>
+              <a:buNone/>
+              <a:tabLst/>
+              <a:defRPr/>
+            </a:pPr>
+            <a:r>
+              <a:rPr lang="en-US" dirty="0" smtClean="0"/>
+              <a:t>Significant source of asynchrony</a:t>
+            </a:r>
+          </a:p>
+          <a:p>
+            <a:pPr marL="0" marR="0" lvl="0" indent="0" defTabSz="914400" eaLnBrk="1" fontAlgn="auto" latinLnBrk="0" hangingPunct="1">
+              <a:lnSpc>
+                <a:spcPct val="100000"/>
+              </a:lnSpc>
+              <a:spcBef>
+                <a:spcPts val="0"/>
+              </a:spcBef>
+              <a:spcAft>
+                <a:spcPts val="0"/>
+              </a:spcAft>
+              <a:buClrTx/>
+              <a:buSzTx/>
+              <a:buFontTx/>
+              <a:buNone/>
+              <a:tabLst/>
+              <a:defRPr/>
+            </a:pPr>
+            <a:r>
+              <a:rPr lang="en-US" dirty="0" smtClean="0"/>
+              <a:t>Get this wrong and the game is over</a:t>
+            </a:r>
+          </a:p>
+          <a:p>
+            <a:pPr marL="0" marR="0" lvl="0" indent="0" defTabSz="914400" eaLnBrk="1" fontAlgn="auto" latinLnBrk="0" hangingPunct="1">
+              <a:lnSpc>
+                <a:spcPct val="100000"/>
+              </a:lnSpc>
+              <a:spcBef>
+                <a:spcPts val="0"/>
+              </a:spcBef>
+              <a:spcAft>
+                <a:spcPts val="0"/>
+              </a:spcAft>
+              <a:buClrTx/>
+              <a:buSzTx/>
+              <a:buFontTx/>
+              <a:buNone/>
+              <a:tabLst/>
+              <a:defRPr/>
+            </a:pPr>
+            <a:r>
+              <a:rPr lang="en-US" dirty="0" smtClean="0"/>
+              <a:t>Latency and bandwidth</a:t>
+            </a:r>
+          </a:p>
+          <a:p>
+            <a:pPr marL="0" marR="0" lvl="0" indent="0" defTabSz="914400" eaLnBrk="1" fontAlgn="auto" latinLnBrk="0" hangingPunct="1">
+              <a:lnSpc>
+                <a:spcPct val="100000"/>
+              </a:lnSpc>
+              <a:spcBef>
+                <a:spcPts val="0"/>
+              </a:spcBef>
+              <a:spcAft>
+                <a:spcPts val="0"/>
+              </a:spcAft>
+              <a:buClrTx/>
+              <a:buSzTx/>
+              <a:buFontTx/>
+              <a:buNone/>
+              <a:tabLst/>
+              <a:defRPr/>
+            </a:pPr>
             <a:endParaRPr lang="en-US" dirty="0"/>
           </a:p>
         </p:txBody>

--- a/undergraduate/lectures/devices.pptx
+++ b/undergraduate/lectures/devices.pptx
@@ -5,22 +5,25 @@
     <p:sldMasterId id="2147483786" r:id="rId1"/>
   </p:sldMasterIdLst>
   <p:notesMasterIdLst>
-    <p:notesMasterId r:id="rId15"/>
+    <p:notesMasterId r:id="rId18"/>
   </p:notesMasterIdLst>
   <p:sldIdLst>
     <p:sldId id="256" r:id="rId2"/>
     <p:sldId id="257" r:id="rId3"/>
-    <p:sldId id="259" r:id="rId4"/>
-    <p:sldId id="258" r:id="rId5"/>
-    <p:sldId id="263" r:id="rId6"/>
-    <p:sldId id="264" r:id="rId7"/>
-    <p:sldId id="260" r:id="rId8"/>
-    <p:sldId id="261" r:id="rId9"/>
-    <p:sldId id="262" r:id="rId10"/>
-    <p:sldId id="265" r:id="rId11"/>
-    <p:sldId id="266" r:id="rId12"/>
-    <p:sldId id="267" r:id="rId13"/>
-    <p:sldId id="268" r:id="rId14"/>
+    <p:sldId id="269" r:id="rId4"/>
+    <p:sldId id="270" r:id="rId5"/>
+    <p:sldId id="271" r:id="rId6"/>
+    <p:sldId id="259" r:id="rId7"/>
+    <p:sldId id="263" r:id="rId8"/>
+    <p:sldId id="264" r:id="rId9"/>
+    <p:sldId id="260" r:id="rId10"/>
+    <p:sldId id="261" r:id="rId11"/>
+    <p:sldId id="262" r:id="rId12"/>
+    <p:sldId id="265" r:id="rId13"/>
+    <p:sldId id="266" r:id="rId14"/>
+    <p:sldId id="267" r:id="rId15"/>
+    <p:sldId id="268" r:id="rId16"/>
+    <p:sldId id="272" r:id="rId17"/>
   </p:sldIdLst>
   <p:sldSz cx="12192000" cy="6858000"/>
   <p:notesSz cx="6858000" cy="9144000"/>
@@ -209,7 +212,7 @@
           <a:p>
             <a:fld id="{EC53E720-1243-6043-B4C4-6E31C619CC0A}" type="datetimeFigureOut">
               <a:rPr lang="en-US" smtClean="0"/>
-              <a:t>2/4/17</a:t>
+              <a:t>2/28/17</a:t>
             </a:fld>
             <a:endParaRPr lang="en-US"/>
           </a:p>
@@ -708,7 +711,7 @@
           <a:p>
             <a:fld id="{6FD7C7D2-3843-074D-9A83-F18DE7D7DD8A}" type="datetime1">
               <a:rPr lang="en-US" smtClean="0"/>
-              <a:t>2/4/17</a:t>
+              <a:t>2/28/17</a:t>
             </a:fld>
             <a:endParaRPr lang="en-US"/>
           </a:p>
@@ -987,7 +990,7 @@
           <a:p>
             <a:fld id="{1845299F-DBA6-8144-8C5D-0535750AFB51}" type="datetime1">
               <a:rPr lang="en-US" smtClean="0"/>
-              <a:t>2/4/17</a:t>
+              <a:t>2/28/17</a:t>
             </a:fld>
             <a:endParaRPr lang="en-US"/>
           </a:p>
@@ -1242,7 +1245,7 @@
           <a:p>
             <a:fld id="{F317D0FE-1E91-D842-A8A8-8B23377F1877}" type="datetime1">
               <a:rPr lang="en-US" smtClean="0"/>
-              <a:t>2/4/17</a:t>
+              <a:t>2/28/17</a:t>
             </a:fld>
             <a:endParaRPr lang="en-US"/>
           </a:p>
@@ -1420,7 +1423,7 @@
           <a:p>
             <a:fld id="{BC4AE5AA-C6FF-5A4F-9D02-E3454F0B3602}" type="datetime1">
               <a:rPr lang="en-US" smtClean="0"/>
-              <a:t>2/4/17</a:t>
+              <a:t>2/28/17</a:t>
             </a:fld>
             <a:endParaRPr lang="en-US"/>
           </a:p>
@@ -1769,7 +1772,7 @@
           <a:p>
             <a:fld id="{3970F026-0185-804B-BF05-EA6EC33EA811}" type="datetime1">
               <a:rPr lang="en-US" smtClean="0"/>
-              <a:t>2/4/17</a:t>
+              <a:t>2/28/17</a:t>
             </a:fld>
             <a:endParaRPr lang="en-US"/>
           </a:p>
@@ -2063,7 +2066,7 @@
           <a:p>
             <a:fld id="{DE81AA58-E2C3-4F48-B04E-18D114E0E0D1}" type="datetime1">
               <a:rPr lang="en-US" smtClean="0"/>
-              <a:t>2/4/17</a:t>
+              <a:t>2/28/17</a:t>
             </a:fld>
             <a:endParaRPr lang="en-US" dirty="0"/>
           </a:p>
@@ -2450,7 +2453,7 @@
           <a:p>
             <a:fld id="{6EC7CDD8-D400-0544-8ADA-779D39154084}" type="datetime1">
               <a:rPr lang="en-US" smtClean="0"/>
-              <a:t>2/4/17</a:t>
+              <a:t>2/28/17</a:t>
             </a:fld>
             <a:endParaRPr lang="en-US"/>
           </a:p>
@@ -2574,7 +2577,7 @@
           <a:p>
             <a:fld id="{9FC8F57C-E466-5D4A-8BA1-0F2DC96E6599}" type="datetime1">
               <a:rPr lang="en-US" smtClean="0"/>
-              <a:t>2/4/17</a:t>
+              <a:t>2/28/17</a:t>
             </a:fld>
             <a:endParaRPr lang="en-US"/>
           </a:p>
@@ -2751,7 +2754,7 @@
           <a:p>
             <a:fld id="{DBF46B55-EA12-F74C-9AED-0C94E9DB5CD6}" type="datetime1">
               <a:rPr lang="en-US" smtClean="0"/>
-              <a:t>2/4/17</a:t>
+              <a:t>2/28/17</a:t>
             </a:fld>
             <a:endParaRPr lang="en-US"/>
           </a:p>
@@ -3111,7 +3114,7 @@
           <a:p>
             <a:fld id="{E5E2A1D4-BDD0-AA4F-B33D-67E210B458F1}" type="datetime1">
               <a:rPr lang="en-US" smtClean="0"/>
-              <a:t>2/4/17</a:t>
+              <a:t>2/28/17</a:t>
             </a:fld>
             <a:endParaRPr lang="en-US"/>
           </a:p>
@@ -3496,7 +3499,7 @@
           <a:p>
             <a:fld id="{D826F452-4A85-5248-B350-1D6DEB55B823}" type="datetime1">
               <a:rPr lang="en-US" smtClean="0"/>
-              <a:t>2/4/17</a:t>
+              <a:t>2/28/17</a:t>
             </a:fld>
             <a:endParaRPr lang="en-US"/>
           </a:p>
@@ -3783,7 +3786,7 @@
             <a:fld id="{53287F0B-3DC9-8F47-B5AF-DFDDA54774AE}" type="datetime1">
               <a:rPr lang="en-US" smtClean="0"/>
               <a:pPr/>
-              <a:t>2/4/17</a:t>
+              <a:t>2/28/17</a:t>
             </a:fld>
             <a:endParaRPr lang="en-US" dirty="0"/>
           </a:p>
@@ -4403,7 +4406,6 @@
               <a:rPr lang="en-US" dirty="0"/>
               <a:t>Introduction to Operating Systems</a:t>
             </a:r>
-            <a:endParaRPr lang="en-US" dirty="0"/>
           </a:p>
         </p:txBody>
       </p:sp>
@@ -4499,8 +4501,8 @@
           <a:lstStyle/>
           <a:p>
             <a:r>
-              <a:rPr lang="en-US" dirty="0" smtClean="0"/>
-              <a:t>Meeting in the Middle</a:t>
+              <a:rPr lang="en-US" smtClean="0"/>
+              <a:t>Interrupting the Kernel</a:t>
             </a:r>
             <a:endParaRPr lang="en-US" dirty="0"/>
           </a:p>
@@ -4508,7 +4510,7 @@
       </p:sp>
       <p:sp>
         <p:nvSpPr>
-          <p:cNvPr id="6" name="Content Placeholder 5"/>
+          <p:cNvPr id="7" name="Content Placeholder 6"/>
           <p:cNvSpPr>
             <a:spLocks noGrp="1"/>
           </p:cNvSpPr>
@@ -4521,36 +4523,75 @@
           <a:bodyPr/>
           <a:lstStyle/>
           <a:p>
+            <a:pPr lvl="0"/>
             <a:r>
               <a:rPr lang="en-US" dirty="0" smtClean="0"/>
-              <a:t>Producer/Consumer Model</a:t>
-            </a:r>
-          </a:p>
-          <a:p>
+              <a:t>Historical Interrupts</a:t>
+            </a:r>
+          </a:p>
+          <a:p>
+            <a:pPr lvl="1"/>
             <a:r>
               <a:rPr lang="en-US" dirty="0" smtClean="0"/>
-              <a:t>Doorbells</a:t>
-            </a:r>
-          </a:p>
-          <a:p>
+              <a:t>Set a state in the CPU</a:t>
+            </a:r>
+          </a:p>
+          <a:p>
+            <a:pPr lvl="1"/>
             <a:r>
               <a:rPr lang="en-US" dirty="0" smtClean="0"/>
-              <a:t>Mailboxes</a:t>
-            </a:r>
-          </a:p>
-          <a:p>
-            <a:r>
-              <a:rPr lang="en-US" dirty="0" err="1" smtClean="0"/>
-              <a:t>Syncronization</a:t>
-            </a:r>
-            <a:endParaRPr lang="en-US" dirty="0" smtClean="0"/>
-          </a:p>
-          <a:p>
+              <a:t>All other processing is stopped</a:t>
+            </a:r>
+          </a:p>
+          <a:p>
+            <a:pPr lvl="1"/>
             <a:r>
               <a:rPr lang="en-US" dirty="0" smtClean="0"/>
-              <a:t>Off by 2</a:t>
-            </a:r>
-            <a:endParaRPr lang="en-US" dirty="0"/>
+              <a:t>System must handle interrupt or fail</a:t>
+            </a:r>
+          </a:p>
+          <a:p>
+            <a:pPr lvl="1"/>
+            <a:r>
+              <a:rPr lang="en-US" dirty="0" smtClean="0"/>
+              <a:t>High latency</a:t>
+            </a:r>
+          </a:p>
+          <a:p>
+            <a:pPr lvl="0"/>
+            <a:r>
+              <a:rPr lang="en-US" dirty="0" smtClean="0"/>
+              <a:t>Interrupt Threads</a:t>
+            </a:r>
+          </a:p>
+          <a:p>
+            <a:pPr lvl="1"/>
+            <a:r>
+              <a:rPr lang="en-US" i="1" dirty="0" smtClean="0"/>
+              <a:t>Real</a:t>
+            </a:r>
+            <a:r>
+              <a:rPr lang="zh-TW" altLang="en-US" i="1" dirty="0" smtClean="0"/>
+              <a:t> </a:t>
+            </a:r>
+            <a:r>
+              <a:rPr lang="en-US" altLang="zh-TW" dirty="0" smtClean="0"/>
+              <a:t>interrupts last for a much shorter period</a:t>
+            </a:r>
+          </a:p>
+          <a:p>
+            <a:pPr lvl="1"/>
+            <a:r>
+              <a:rPr lang="en-US" dirty="0" smtClean="0"/>
+              <a:t>Place work on a queue</a:t>
+            </a:r>
+          </a:p>
+          <a:p>
+            <a:pPr lvl="1"/>
+            <a:r>
+              <a:rPr lang="en-US" dirty="0" smtClean="0"/>
+              <a:t>Interrupt threads read the queue and process data</a:t>
+            </a:r>
           </a:p>
         </p:txBody>
       </p:sp>
@@ -4571,7 +4612,8 @@
           <a:p>
             <a:fld id="{9FC8F57C-E466-5D4A-8BA1-0F2DC96E6599}" type="datetime1">
               <a:rPr lang="en-US" smtClean="0"/>
-              <a:t>2/4/17</a:t>
+              <a:pPr/>
+              <a:t>2/28/17</a:t>
             </a:fld>
             <a:endParaRPr lang="en-US"/>
           </a:p>
@@ -4617,6 +4659,7 @@
           <a:p>
             <a:fld id="{699C44C4-0FAD-8046-A5C4-05AB318FA424}" type="slidenum">
               <a:rPr lang="en-US" smtClean="0"/>
+              <a:pPr/>
               <a:t>10</a:t>
             </a:fld>
             <a:endParaRPr lang="en-US"/>
@@ -4626,7 +4669,7 @@
     </p:spTree>
     <p:extLst>
       <p:ext uri="{BB962C8B-B14F-4D97-AF65-F5344CB8AC3E}">
-        <p14:creationId xmlns:p14="http://schemas.microsoft.com/office/powerpoint/2010/main" val="1304884495"/>
+        <p14:creationId xmlns:p14="http://schemas.microsoft.com/office/powerpoint/2010/main" val="1266937562"/>
       </p:ext>
     </p:extLst>
   </p:cSld>
@@ -4636,9 +4679,350 @@
   <p:timing>
     <p:tnLst>
       <p:par>
-        <p:cTn id="1" dur="indefinite" restart="never" nodeType="tmRoot"/>
+        <p:cTn id="1" dur="indefinite" restart="never" nodeType="tmRoot">
+          <p:childTnLst>
+            <p:seq concurrent="1" nextAc="seek">
+              <p:cTn id="2" dur="indefinite" nodeType="mainSeq">
+                <p:childTnLst>
+                  <p:par>
+                    <p:cTn id="3" fill="hold">
+                      <p:stCondLst>
+                        <p:cond delay="indefinite"/>
+                      </p:stCondLst>
+                      <p:childTnLst>
+                        <p:par>
+                          <p:cTn id="4" fill="hold">
+                            <p:stCondLst>
+                              <p:cond delay="0"/>
+                            </p:stCondLst>
+                            <p:childTnLst>
+                              <p:par>
+                                <p:cTn id="5" presetID="1" presetClass="entr" presetSubtype="0" fill="hold" grpId="0" nodeType="clickEffect">
+                                  <p:stCondLst>
+                                    <p:cond delay="0"/>
+                                  </p:stCondLst>
+                                  <p:childTnLst>
+                                    <p:set>
+                                      <p:cBhvr>
+                                        <p:cTn id="6" dur="1" fill="hold">
+                                          <p:stCondLst>
+                                            <p:cond delay="0"/>
+                                          </p:stCondLst>
+                                        </p:cTn>
+                                        <p:tgtEl>
+                                          <p:spTgt spid="7">
+                                            <p:txEl>
+                                              <p:pRg st="0" end="0"/>
+                                            </p:txEl>
+                                          </p:spTgt>
+                                        </p:tgtEl>
+                                        <p:attrNameLst>
+                                          <p:attrName>style.visibility</p:attrName>
+                                        </p:attrNameLst>
+                                      </p:cBhvr>
+                                      <p:to>
+                                        <p:strVal val="visible"/>
+                                      </p:to>
+                                    </p:set>
+                                  </p:childTnLst>
+                                </p:cTn>
+                              </p:par>
+                              <p:par>
+                                <p:cTn id="7" presetID="1" presetClass="entr" presetSubtype="0" fill="hold" grpId="0" nodeType="withEffect">
+                                  <p:stCondLst>
+                                    <p:cond delay="0"/>
+                                  </p:stCondLst>
+                                  <p:childTnLst>
+                                    <p:set>
+                                      <p:cBhvr>
+                                        <p:cTn id="8" dur="1" fill="hold">
+                                          <p:stCondLst>
+                                            <p:cond delay="0"/>
+                                          </p:stCondLst>
+                                        </p:cTn>
+                                        <p:tgtEl>
+                                          <p:spTgt spid="7">
+                                            <p:txEl>
+                                              <p:pRg st="1" end="1"/>
+                                            </p:txEl>
+                                          </p:spTgt>
+                                        </p:tgtEl>
+                                        <p:attrNameLst>
+                                          <p:attrName>style.visibility</p:attrName>
+                                        </p:attrNameLst>
+                                      </p:cBhvr>
+                                      <p:to>
+                                        <p:strVal val="visible"/>
+                                      </p:to>
+                                    </p:set>
+                                  </p:childTnLst>
+                                </p:cTn>
+                              </p:par>
+                              <p:par>
+                                <p:cTn id="9" presetID="1" presetClass="entr" presetSubtype="0" fill="hold" grpId="0" nodeType="withEffect">
+                                  <p:stCondLst>
+                                    <p:cond delay="0"/>
+                                  </p:stCondLst>
+                                  <p:childTnLst>
+                                    <p:set>
+                                      <p:cBhvr>
+                                        <p:cTn id="10" dur="1" fill="hold">
+                                          <p:stCondLst>
+                                            <p:cond delay="0"/>
+                                          </p:stCondLst>
+                                        </p:cTn>
+                                        <p:tgtEl>
+                                          <p:spTgt spid="7">
+                                            <p:txEl>
+                                              <p:pRg st="2" end="2"/>
+                                            </p:txEl>
+                                          </p:spTgt>
+                                        </p:tgtEl>
+                                        <p:attrNameLst>
+                                          <p:attrName>style.visibility</p:attrName>
+                                        </p:attrNameLst>
+                                      </p:cBhvr>
+                                      <p:to>
+                                        <p:strVal val="visible"/>
+                                      </p:to>
+                                    </p:set>
+                                  </p:childTnLst>
+                                </p:cTn>
+                              </p:par>
+                              <p:par>
+                                <p:cTn id="11" presetID="1" presetClass="entr" presetSubtype="0" fill="hold" grpId="0" nodeType="withEffect">
+                                  <p:stCondLst>
+                                    <p:cond delay="0"/>
+                                  </p:stCondLst>
+                                  <p:childTnLst>
+                                    <p:set>
+                                      <p:cBhvr>
+                                        <p:cTn id="12" dur="1" fill="hold">
+                                          <p:stCondLst>
+                                            <p:cond delay="0"/>
+                                          </p:stCondLst>
+                                        </p:cTn>
+                                        <p:tgtEl>
+                                          <p:spTgt spid="7">
+                                            <p:txEl>
+                                              <p:pRg st="3" end="3"/>
+                                            </p:txEl>
+                                          </p:spTgt>
+                                        </p:tgtEl>
+                                        <p:attrNameLst>
+                                          <p:attrName>style.visibility</p:attrName>
+                                        </p:attrNameLst>
+                                      </p:cBhvr>
+                                      <p:to>
+                                        <p:strVal val="visible"/>
+                                      </p:to>
+                                    </p:set>
+                                  </p:childTnLst>
+                                </p:cTn>
+                              </p:par>
+                              <p:par>
+                                <p:cTn id="13" presetID="1" presetClass="entr" presetSubtype="0" fill="hold" grpId="0" nodeType="withEffect">
+                                  <p:stCondLst>
+                                    <p:cond delay="0"/>
+                                  </p:stCondLst>
+                                  <p:childTnLst>
+                                    <p:set>
+                                      <p:cBhvr>
+                                        <p:cTn id="14" dur="1" fill="hold">
+                                          <p:stCondLst>
+                                            <p:cond delay="0"/>
+                                          </p:stCondLst>
+                                        </p:cTn>
+                                        <p:tgtEl>
+                                          <p:spTgt spid="7">
+                                            <p:txEl>
+                                              <p:pRg st="4" end="4"/>
+                                            </p:txEl>
+                                          </p:spTgt>
+                                        </p:tgtEl>
+                                        <p:attrNameLst>
+                                          <p:attrName>style.visibility</p:attrName>
+                                        </p:attrNameLst>
+                                      </p:cBhvr>
+                                      <p:to>
+                                        <p:strVal val="visible"/>
+                                      </p:to>
+                                    </p:set>
+                                  </p:childTnLst>
+                                </p:cTn>
+                              </p:par>
+                            </p:childTnLst>
+                          </p:cTn>
+                        </p:par>
+                      </p:childTnLst>
+                    </p:cTn>
+                  </p:par>
+                  <p:par>
+                    <p:cTn id="15" fill="hold">
+                      <p:stCondLst>
+                        <p:cond delay="indefinite"/>
+                      </p:stCondLst>
+                      <p:childTnLst>
+                        <p:par>
+                          <p:cTn id="16" fill="hold">
+                            <p:stCondLst>
+                              <p:cond delay="0"/>
+                            </p:stCondLst>
+                            <p:childTnLst>
+                              <p:par>
+                                <p:cTn id="17" presetID="1" presetClass="entr" presetSubtype="0" fill="hold" grpId="0" nodeType="clickEffect">
+                                  <p:stCondLst>
+                                    <p:cond delay="0"/>
+                                  </p:stCondLst>
+                                  <p:childTnLst>
+                                    <p:set>
+                                      <p:cBhvr>
+                                        <p:cTn id="18" dur="1" fill="hold">
+                                          <p:stCondLst>
+                                            <p:cond delay="0"/>
+                                          </p:stCondLst>
+                                        </p:cTn>
+                                        <p:tgtEl>
+                                          <p:spTgt spid="7">
+                                            <p:txEl>
+                                              <p:pRg st="5" end="5"/>
+                                            </p:txEl>
+                                          </p:spTgt>
+                                        </p:tgtEl>
+                                        <p:attrNameLst>
+                                          <p:attrName>style.visibility</p:attrName>
+                                        </p:attrNameLst>
+                                      </p:cBhvr>
+                                      <p:to>
+                                        <p:strVal val="visible"/>
+                                      </p:to>
+                                    </p:set>
+                                  </p:childTnLst>
+                                </p:cTn>
+                              </p:par>
+                              <p:par>
+                                <p:cTn id="19" presetID="1" presetClass="entr" presetSubtype="0" fill="hold" grpId="0" nodeType="withEffect">
+                                  <p:stCondLst>
+                                    <p:cond delay="0"/>
+                                  </p:stCondLst>
+                                  <p:childTnLst>
+                                    <p:set>
+                                      <p:cBhvr>
+                                        <p:cTn id="20" dur="1" fill="hold">
+                                          <p:stCondLst>
+                                            <p:cond delay="0"/>
+                                          </p:stCondLst>
+                                        </p:cTn>
+                                        <p:tgtEl>
+                                          <p:spTgt spid="7">
+                                            <p:txEl>
+                                              <p:pRg st="6" end="6"/>
+                                            </p:txEl>
+                                          </p:spTgt>
+                                        </p:tgtEl>
+                                        <p:attrNameLst>
+                                          <p:attrName>style.visibility</p:attrName>
+                                        </p:attrNameLst>
+                                      </p:cBhvr>
+                                      <p:to>
+                                        <p:strVal val="visible"/>
+                                      </p:to>
+                                    </p:set>
+                                  </p:childTnLst>
+                                </p:cTn>
+                              </p:par>
+                              <p:par>
+                                <p:cTn id="21" presetID="1" presetClass="entr" presetSubtype="0" fill="hold" grpId="0" nodeType="withEffect">
+                                  <p:stCondLst>
+                                    <p:cond delay="0"/>
+                                  </p:stCondLst>
+                                  <p:childTnLst>
+                                    <p:set>
+                                      <p:cBhvr>
+                                        <p:cTn id="22" dur="1" fill="hold">
+                                          <p:stCondLst>
+                                            <p:cond delay="0"/>
+                                          </p:stCondLst>
+                                        </p:cTn>
+                                        <p:tgtEl>
+                                          <p:spTgt spid="7">
+                                            <p:txEl>
+                                              <p:pRg st="7" end="7"/>
+                                            </p:txEl>
+                                          </p:spTgt>
+                                        </p:tgtEl>
+                                        <p:attrNameLst>
+                                          <p:attrName>style.visibility</p:attrName>
+                                        </p:attrNameLst>
+                                      </p:cBhvr>
+                                      <p:to>
+                                        <p:strVal val="visible"/>
+                                      </p:to>
+                                    </p:set>
+                                  </p:childTnLst>
+                                </p:cTn>
+                              </p:par>
+                              <p:par>
+                                <p:cTn id="23" presetID="1" presetClass="entr" presetSubtype="0" fill="hold" grpId="0" nodeType="withEffect">
+                                  <p:stCondLst>
+                                    <p:cond delay="0"/>
+                                  </p:stCondLst>
+                                  <p:childTnLst>
+                                    <p:set>
+                                      <p:cBhvr>
+                                        <p:cTn id="24" dur="1" fill="hold">
+                                          <p:stCondLst>
+                                            <p:cond delay="0"/>
+                                          </p:stCondLst>
+                                        </p:cTn>
+                                        <p:tgtEl>
+                                          <p:spTgt spid="7">
+                                            <p:txEl>
+                                              <p:pRg st="8" end="8"/>
+                                            </p:txEl>
+                                          </p:spTgt>
+                                        </p:tgtEl>
+                                        <p:attrNameLst>
+                                          <p:attrName>style.visibility</p:attrName>
+                                        </p:attrNameLst>
+                                      </p:cBhvr>
+                                      <p:to>
+                                        <p:strVal val="visible"/>
+                                      </p:to>
+                                    </p:set>
+                                  </p:childTnLst>
+                                </p:cTn>
+                              </p:par>
+                            </p:childTnLst>
+                          </p:cTn>
+                        </p:par>
+                      </p:childTnLst>
+                    </p:cTn>
+                  </p:par>
+                </p:childTnLst>
+              </p:cTn>
+              <p:prevCondLst>
+                <p:cond evt="onPrev" delay="0">
+                  <p:tgtEl>
+                    <p:sldTgt/>
+                  </p:tgtEl>
+                </p:cond>
+              </p:prevCondLst>
+              <p:nextCondLst>
+                <p:cond evt="onNext" delay="0">
+                  <p:tgtEl>
+                    <p:sldTgt/>
+                  </p:tgtEl>
+                </p:cond>
+              </p:nextCondLst>
+            </p:seq>
+          </p:childTnLst>
+        </p:cTn>
       </p:par>
     </p:tnLst>
+    <p:bldLst>
+      <p:bldP spid="7" grpId="0" build="p"/>
+    </p:bldLst>
   </p:timing>
 </p:sld>
 </file>
@@ -4677,6 +5061,1672 @@
           <a:p>
             <a:r>
               <a:rPr lang="en-US" dirty="0" smtClean="0"/>
+              <a:t>A Typical Device Driver</a:t>
+            </a:r>
+            <a:endParaRPr lang="en-US" dirty="0"/>
+          </a:p>
+        </p:txBody>
+      </p:sp>
+      <p:sp>
+        <p:nvSpPr>
+          <p:cNvPr id="3" name="Date Placeholder 2"/>
+          <p:cNvSpPr>
+            <a:spLocks noGrp="1"/>
+          </p:cNvSpPr>
+          <p:nvPr>
+            <p:ph type="dt" sz="half" idx="10"/>
+          </p:nvPr>
+        </p:nvSpPr>
+        <p:spPr/>
+        <p:txBody>
+          <a:bodyPr/>
+          <a:lstStyle/>
+          <a:p>
+            <a:fld id="{9FC8F57C-E466-5D4A-8BA1-0F2DC96E6599}" type="datetime1">
+              <a:rPr lang="en-US" smtClean="0"/>
+              <a:t>2/28/17</a:t>
+            </a:fld>
+            <a:endParaRPr lang="en-US"/>
+          </a:p>
+        </p:txBody>
+      </p:sp>
+      <p:sp>
+        <p:nvSpPr>
+          <p:cNvPr id="4" name="Footer Placeholder 3"/>
+          <p:cNvSpPr>
+            <a:spLocks noGrp="1"/>
+          </p:cNvSpPr>
+          <p:nvPr>
+            <p:ph type="ftr" sz="quarter" idx="11"/>
+          </p:nvPr>
+        </p:nvSpPr>
+        <p:spPr/>
+        <p:txBody>
+          <a:bodyPr/>
+          <a:lstStyle/>
+          <a:p>
+            <a:r>
+              <a:rPr lang="en-US" smtClean="0"/>
+              <a:t>Developing Products with FreeBSD</a:t>
+            </a:r>
+            <a:endParaRPr lang="en-US"/>
+          </a:p>
+        </p:txBody>
+      </p:sp>
+      <p:sp>
+        <p:nvSpPr>
+          <p:cNvPr id="5" name="Slide Number Placeholder 4"/>
+          <p:cNvSpPr>
+            <a:spLocks noGrp="1"/>
+          </p:cNvSpPr>
+          <p:nvPr>
+            <p:ph type="sldNum" sz="quarter" idx="12"/>
+          </p:nvPr>
+        </p:nvSpPr>
+        <p:spPr/>
+        <p:txBody>
+          <a:bodyPr/>
+          <a:lstStyle/>
+          <a:p>
+            <a:fld id="{699C44C4-0FAD-8046-A5C4-05AB318FA424}" type="slidenum">
+              <a:rPr lang="en-US" smtClean="0"/>
+              <a:t>11</a:t>
+            </a:fld>
+            <a:endParaRPr lang="en-US"/>
+          </a:p>
+        </p:txBody>
+      </p:sp>
+      <p:sp>
+        <p:nvSpPr>
+          <p:cNvPr id="6" name="Rectangle 5"/>
+          <p:cNvSpPr/>
+          <p:nvPr/>
+        </p:nvSpPr>
+        <p:spPr>
+          <a:xfrm>
+            <a:off x="4034871" y="4935523"/>
+            <a:ext cx="4125432" cy="547577"/>
+          </a:xfrm>
+          <a:prstGeom prst="rect">
+            <a:avLst/>
+          </a:prstGeom>
+        </p:spPr>
+        <p:style>
+          <a:lnRef idx="2">
+            <a:schemeClr val="accent1">
+              <a:shade val="50000"/>
+            </a:schemeClr>
+          </a:lnRef>
+          <a:fillRef idx="1">
+            <a:schemeClr val="accent1"/>
+          </a:fillRef>
+          <a:effectRef idx="0">
+            <a:schemeClr val="accent1"/>
+          </a:effectRef>
+          <a:fontRef idx="minor">
+            <a:schemeClr val="lt1"/>
+          </a:fontRef>
+        </p:style>
+        <p:txBody>
+          <a:bodyPr rtlCol="0" anchor="ctr"/>
+          <a:lstStyle/>
+          <a:p>
+            <a:pPr algn="ctr"/>
+            <a:r>
+              <a:rPr lang="en-US" dirty="0" smtClean="0"/>
+              <a:t>Hardware</a:t>
+            </a:r>
+            <a:endParaRPr lang="en-US" dirty="0"/>
+          </a:p>
+        </p:txBody>
+      </p:sp>
+      <p:sp>
+        <p:nvSpPr>
+          <p:cNvPr id="7" name="Rectangle 6"/>
+          <p:cNvSpPr/>
+          <p:nvPr/>
+        </p:nvSpPr>
+        <p:spPr>
+          <a:xfrm>
+            <a:off x="4034871" y="1949300"/>
+            <a:ext cx="4125432" cy="547577"/>
+          </a:xfrm>
+          <a:prstGeom prst="rect">
+            <a:avLst/>
+          </a:prstGeom>
+        </p:spPr>
+        <p:style>
+          <a:lnRef idx="2">
+            <a:schemeClr val="accent1">
+              <a:shade val="50000"/>
+            </a:schemeClr>
+          </a:lnRef>
+          <a:fillRef idx="1">
+            <a:schemeClr val="accent1"/>
+          </a:fillRef>
+          <a:effectRef idx="0">
+            <a:schemeClr val="accent1"/>
+          </a:effectRef>
+          <a:fontRef idx="minor">
+            <a:schemeClr val="lt1"/>
+          </a:fontRef>
+        </p:style>
+        <p:txBody>
+          <a:bodyPr rtlCol="0" anchor="ctr"/>
+          <a:lstStyle/>
+          <a:p>
+            <a:pPr algn="ctr"/>
+            <a:r>
+              <a:rPr lang="en-US" dirty="0" smtClean="0"/>
+              <a:t>Device Driver</a:t>
+            </a:r>
+            <a:endParaRPr lang="en-US" dirty="0"/>
+          </a:p>
+        </p:txBody>
+      </p:sp>
+      <p:cxnSp>
+        <p:nvCxnSpPr>
+          <p:cNvPr id="8" name="Straight Arrow Connector 7"/>
+          <p:cNvCxnSpPr>
+            <a:stCxn id="6" idx="0"/>
+            <a:endCxn id="14" idx="2"/>
+          </p:cNvCxnSpPr>
+          <p:nvPr/>
+        </p:nvCxnSpPr>
+        <p:spPr>
+          <a:xfrm flipV="1">
+            <a:off x="6097587" y="4046422"/>
+            <a:ext cx="0" cy="889101"/>
+          </a:xfrm>
+          <a:prstGeom prst="straightConnector1">
+            <a:avLst/>
+          </a:prstGeom>
+          <a:ln w="25400">
+            <a:tailEnd type="triangle"/>
+          </a:ln>
+        </p:spPr>
+        <p:style>
+          <a:lnRef idx="1">
+            <a:schemeClr val="accent1"/>
+          </a:lnRef>
+          <a:fillRef idx="0">
+            <a:schemeClr val="accent1"/>
+          </a:fillRef>
+          <a:effectRef idx="0">
+            <a:schemeClr val="accent1"/>
+          </a:effectRef>
+          <a:fontRef idx="minor">
+            <a:schemeClr val="tx1"/>
+          </a:fontRef>
+        </p:style>
+      </p:cxnSp>
+      <p:sp>
+        <p:nvSpPr>
+          <p:cNvPr id="9" name="TextBox 8"/>
+          <p:cNvSpPr txBox="1"/>
+          <p:nvPr/>
+        </p:nvSpPr>
+        <p:spPr>
+          <a:xfrm>
+            <a:off x="4034871" y="4120446"/>
+            <a:ext cx="1882888" cy="646331"/>
+          </a:xfrm>
+          <a:prstGeom prst="rect">
+            <a:avLst/>
+          </a:prstGeom>
+          <a:noFill/>
+        </p:spPr>
+        <p:txBody>
+          <a:bodyPr wrap="none" rtlCol="0">
+            <a:spAutoFit/>
+          </a:bodyPr>
+          <a:lstStyle/>
+          <a:p>
+            <a:r>
+              <a:rPr lang="en-US" dirty="0" smtClean="0"/>
+              <a:t>I’ve got something</a:t>
+            </a:r>
+          </a:p>
+          <a:p>
+            <a:r>
+              <a:rPr lang="en-US" dirty="0" smtClean="0"/>
+              <a:t>for you.</a:t>
+            </a:r>
+          </a:p>
+        </p:txBody>
+      </p:sp>
+      <p:cxnSp>
+        <p:nvCxnSpPr>
+          <p:cNvPr id="10" name="Straight Arrow Connector 9"/>
+          <p:cNvCxnSpPr>
+            <a:stCxn id="14" idx="0"/>
+            <a:endCxn id="7" idx="2"/>
+          </p:cNvCxnSpPr>
+          <p:nvPr/>
+        </p:nvCxnSpPr>
+        <p:spPr>
+          <a:xfrm flipV="1">
+            <a:off x="6097587" y="2496877"/>
+            <a:ext cx="0" cy="904625"/>
+          </a:xfrm>
+          <a:prstGeom prst="straightConnector1">
+            <a:avLst/>
+          </a:prstGeom>
+          <a:ln w="25400">
+            <a:headEnd type="triangle"/>
+            <a:tailEnd type="none"/>
+          </a:ln>
+        </p:spPr>
+        <p:style>
+          <a:lnRef idx="1">
+            <a:schemeClr val="accent1"/>
+          </a:lnRef>
+          <a:fillRef idx="0">
+            <a:schemeClr val="accent1"/>
+          </a:fillRef>
+          <a:effectRef idx="0">
+            <a:schemeClr val="accent1"/>
+          </a:effectRef>
+          <a:fontRef idx="minor">
+            <a:schemeClr val="tx1"/>
+          </a:fontRef>
+        </p:style>
+      </p:cxnSp>
+      <p:sp>
+        <p:nvSpPr>
+          <p:cNvPr id="11" name="TextBox 10"/>
+          <p:cNvSpPr txBox="1"/>
+          <p:nvPr/>
+        </p:nvSpPr>
+        <p:spPr>
+          <a:xfrm>
+            <a:off x="6348347" y="2728494"/>
+            <a:ext cx="1561197" cy="369332"/>
+          </a:xfrm>
+          <a:prstGeom prst="rect">
+            <a:avLst/>
+          </a:prstGeom>
+          <a:noFill/>
+        </p:spPr>
+        <p:txBody>
+          <a:bodyPr wrap="square" rtlCol="0">
+            <a:spAutoFit/>
+          </a:bodyPr>
+          <a:lstStyle/>
+          <a:p>
+            <a:r>
+              <a:rPr lang="en-US" dirty="0" smtClean="0"/>
+              <a:t>Acknowledged</a:t>
+            </a:r>
+          </a:p>
+        </p:txBody>
+      </p:sp>
+      <p:sp>
+        <p:nvSpPr>
+          <p:cNvPr id="14" name="Rounded Rectangle 13"/>
+          <p:cNvSpPr/>
+          <p:nvPr/>
+        </p:nvSpPr>
+        <p:spPr>
+          <a:xfrm>
+            <a:off x="4034871" y="3401502"/>
+            <a:ext cx="4125432" cy="644920"/>
+          </a:xfrm>
+          <a:prstGeom prst="roundRect">
+            <a:avLst/>
+          </a:prstGeom>
+          <a:solidFill>
+            <a:schemeClr val="bg2"/>
+          </a:solidFill>
+          <a:ln>
+            <a:solidFill>
+              <a:schemeClr val="bg2"/>
+            </a:solidFill>
+          </a:ln>
+        </p:spPr>
+        <p:style>
+          <a:lnRef idx="2">
+            <a:schemeClr val="accent1">
+              <a:shade val="50000"/>
+            </a:schemeClr>
+          </a:lnRef>
+          <a:fillRef idx="1">
+            <a:schemeClr val="accent1"/>
+          </a:fillRef>
+          <a:effectRef idx="0">
+            <a:schemeClr val="accent1"/>
+          </a:effectRef>
+          <a:fontRef idx="minor">
+            <a:schemeClr val="lt1"/>
+          </a:fontRef>
+        </p:style>
+        <p:txBody>
+          <a:bodyPr rtlCol="0" anchor="ctr"/>
+          <a:lstStyle/>
+          <a:p>
+            <a:pPr algn="ctr"/>
+            <a:r>
+              <a:rPr lang="en-US" dirty="0" smtClean="0"/>
+              <a:t>DMA Region</a:t>
+            </a:r>
+            <a:endParaRPr lang="en-US" dirty="0"/>
+          </a:p>
+        </p:txBody>
+      </p:sp>
+      <p:cxnSp>
+        <p:nvCxnSpPr>
+          <p:cNvPr id="18" name="Straight Arrow Connector 17"/>
+          <p:cNvCxnSpPr>
+            <a:stCxn id="14" idx="0"/>
+          </p:cNvCxnSpPr>
+          <p:nvPr/>
+        </p:nvCxnSpPr>
+        <p:spPr>
+          <a:xfrm flipH="1" flipV="1">
+            <a:off x="6097585" y="2512402"/>
+            <a:ext cx="2" cy="889100"/>
+          </a:xfrm>
+          <a:prstGeom prst="straightConnector1">
+            <a:avLst/>
+          </a:prstGeom>
+          <a:ln w="25400">
+            <a:tailEnd type="triangle"/>
+          </a:ln>
+        </p:spPr>
+        <p:style>
+          <a:lnRef idx="1">
+            <a:schemeClr val="accent1"/>
+          </a:lnRef>
+          <a:fillRef idx="0">
+            <a:schemeClr val="accent1"/>
+          </a:fillRef>
+          <a:effectRef idx="0">
+            <a:schemeClr val="accent1"/>
+          </a:effectRef>
+          <a:fontRef idx="minor">
+            <a:schemeClr val="tx1"/>
+          </a:fontRef>
+        </p:style>
+      </p:cxnSp>
+      <p:sp>
+        <p:nvSpPr>
+          <p:cNvPr id="19" name="TextBox 18"/>
+          <p:cNvSpPr txBox="1"/>
+          <p:nvPr/>
+        </p:nvSpPr>
+        <p:spPr>
+          <a:xfrm>
+            <a:off x="4034869" y="2586425"/>
+            <a:ext cx="1882888" cy="646331"/>
+          </a:xfrm>
+          <a:prstGeom prst="rect">
+            <a:avLst/>
+          </a:prstGeom>
+          <a:noFill/>
+        </p:spPr>
+        <p:txBody>
+          <a:bodyPr wrap="none" rtlCol="0">
+            <a:spAutoFit/>
+          </a:bodyPr>
+          <a:lstStyle/>
+          <a:p>
+            <a:r>
+              <a:rPr lang="en-US" dirty="0" smtClean="0"/>
+              <a:t>I’ve got something</a:t>
+            </a:r>
+          </a:p>
+          <a:p>
+            <a:r>
+              <a:rPr lang="en-US" dirty="0" smtClean="0"/>
+              <a:t>for you.</a:t>
+            </a:r>
+          </a:p>
+        </p:txBody>
+      </p:sp>
+      <p:sp>
+        <p:nvSpPr>
+          <p:cNvPr id="21" name="TextBox 20"/>
+          <p:cNvSpPr txBox="1"/>
+          <p:nvPr/>
+        </p:nvSpPr>
+        <p:spPr>
+          <a:xfrm>
+            <a:off x="6348347" y="4293665"/>
+            <a:ext cx="1561197" cy="369332"/>
+          </a:xfrm>
+          <a:prstGeom prst="rect">
+            <a:avLst/>
+          </a:prstGeom>
+          <a:noFill/>
+        </p:spPr>
+        <p:txBody>
+          <a:bodyPr wrap="square" rtlCol="0">
+            <a:spAutoFit/>
+          </a:bodyPr>
+          <a:lstStyle/>
+          <a:p>
+            <a:r>
+              <a:rPr lang="en-US" dirty="0" smtClean="0"/>
+              <a:t>Acknowledged</a:t>
+            </a:r>
+          </a:p>
+        </p:txBody>
+      </p:sp>
+      <p:cxnSp>
+        <p:nvCxnSpPr>
+          <p:cNvPr id="22" name="Straight Arrow Connector 21"/>
+          <p:cNvCxnSpPr>
+            <a:stCxn id="6" idx="0"/>
+          </p:cNvCxnSpPr>
+          <p:nvPr/>
+        </p:nvCxnSpPr>
+        <p:spPr>
+          <a:xfrm flipH="1" flipV="1">
+            <a:off x="6097585" y="4046423"/>
+            <a:ext cx="2" cy="889100"/>
+          </a:xfrm>
+          <a:prstGeom prst="straightConnector1">
+            <a:avLst/>
+          </a:prstGeom>
+          <a:ln w="25400">
+            <a:tailEnd type="triangle"/>
+          </a:ln>
+        </p:spPr>
+        <p:style>
+          <a:lnRef idx="1">
+            <a:schemeClr val="accent1"/>
+          </a:lnRef>
+          <a:fillRef idx="0">
+            <a:schemeClr val="accent1"/>
+          </a:fillRef>
+          <a:effectRef idx="0">
+            <a:schemeClr val="accent1"/>
+          </a:effectRef>
+          <a:fontRef idx="minor">
+            <a:schemeClr val="tx1"/>
+          </a:fontRef>
+        </p:style>
+      </p:cxnSp>
+    </p:spTree>
+    <p:extLst>
+      <p:ext uri="{BB962C8B-B14F-4D97-AF65-F5344CB8AC3E}">
+        <p14:creationId xmlns:p14="http://schemas.microsoft.com/office/powerpoint/2010/main" val="485960466"/>
+      </p:ext>
+    </p:extLst>
+  </p:cSld>
+  <p:clrMapOvr>
+    <a:masterClrMapping/>
+  </p:clrMapOvr>
+  <p:timing>
+    <p:tnLst>
+      <p:par>
+        <p:cTn id="1" dur="indefinite" restart="never" nodeType="tmRoot">
+          <p:childTnLst>
+            <p:seq concurrent="1" nextAc="seek">
+              <p:cTn id="2" dur="indefinite" nodeType="mainSeq">
+                <p:childTnLst>
+                  <p:par>
+                    <p:cTn id="3" fill="hold">
+                      <p:stCondLst>
+                        <p:cond delay="indefinite"/>
+                      </p:stCondLst>
+                      <p:childTnLst>
+                        <p:par>
+                          <p:cTn id="4" fill="hold">
+                            <p:stCondLst>
+                              <p:cond delay="0"/>
+                            </p:stCondLst>
+                            <p:childTnLst>
+                              <p:par>
+                                <p:cTn id="5" presetID="1" presetClass="entr" presetSubtype="0" fill="hold" grpId="0" nodeType="clickEffect">
+                                  <p:stCondLst>
+                                    <p:cond delay="0"/>
+                                  </p:stCondLst>
+                                  <p:childTnLst>
+                                    <p:set>
+                                      <p:cBhvr>
+                                        <p:cTn id="6" dur="1" fill="hold">
+                                          <p:stCondLst>
+                                            <p:cond delay="0"/>
+                                          </p:stCondLst>
+                                        </p:cTn>
+                                        <p:tgtEl>
+                                          <p:spTgt spid="14"/>
+                                        </p:tgtEl>
+                                        <p:attrNameLst>
+                                          <p:attrName>style.visibility</p:attrName>
+                                        </p:attrNameLst>
+                                      </p:cBhvr>
+                                      <p:to>
+                                        <p:strVal val="visible"/>
+                                      </p:to>
+                                    </p:set>
+                                  </p:childTnLst>
+                                </p:cTn>
+                              </p:par>
+                            </p:childTnLst>
+                          </p:cTn>
+                        </p:par>
+                      </p:childTnLst>
+                    </p:cTn>
+                  </p:par>
+                  <p:par>
+                    <p:cTn id="7" fill="hold">
+                      <p:stCondLst>
+                        <p:cond delay="indefinite"/>
+                      </p:stCondLst>
+                      <p:childTnLst>
+                        <p:par>
+                          <p:cTn id="8" fill="hold">
+                            <p:stCondLst>
+                              <p:cond delay="0"/>
+                            </p:stCondLst>
+                            <p:childTnLst>
+                              <p:par>
+                                <p:cTn id="9" presetID="1" presetClass="entr" presetSubtype="0" fill="hold" nodeType="clickEffect">
+                                  <p:stCondLst>
+                                    <p:cond delay="0"/>
+                                  </p:stCondLst>
+                                  <p:childTnLst>
+                                    <p:set>
+                                      <p:cBhvr>
+                                        <p:cTn id="10" dur="1" fill="hold">
+                                          <p:stCondLst>
+                                            <p:cond delay="0"/>
+                                          </p:stCondLst>
+                                        </p:cTn>
+                                        <p:tgtEl>
+                                          <p:spTgt spid="8"/>
+                                        </p:tgtEl>
+                                        <p:attrNameLst>
+                                          <p:attrName>style.visibility</p:attrName>
+                                        </p:attrNameLst>
+                                      </p:cBhvr>
+                                      <p:to>
+                                        <p:strVal val="visible"/>
+                                      </p:to>
+                                    </p:set>
+                                  </p:childTnLst>
+                                </p:cTn>
+                              </p:par>
+                            </p:childTnLst>
+                          </p:cTn>
+                        </p:par>
+                      </p:childTnLst>
+                    </p:cTn>
+                  </p:par>
+                  <p:par>
+                    <p:cTn id="11" fill="hold">
+                      <p:stCondLst>
+                        <p:cond delay="indefinite"/>
+                      </p:stCondLst>
+                      <p:childTnLst>
+                        <p:par>
+                          <p:cTn id="12" fill="hold">
+                            <p:stCondLst>
+                              <p:cond delay="0"/>
+                            </p:stCondLst>
+                            <p:childTnLst>
+                              <p:par>
+                                <p:cTn id="13" presetID="1" presetClass="entr" presetSubtype="0" fill="hold" grpId="1" nodeType="clickEffect">
+                                  <p:stCondLst>
+                                    <p:cond delay="0"/>
+                                  </p:stCondLst>
+                                  <p:childTnLst>
+                                    <p:set>
+                                      <p:cBhvr>
+                                        <p:cTn id="14" dur="1" fill="hold">
+                                          <p:stCondLst>
+                                            <p:cond delay="0"/>
+                                          </p:stCondLst>
+                                        </p:cTn>
+                                        <p:tgtEl>
+                                          <p:spTgt spid="9"/>
+                                        </p:tgtEl>
+                                        <p:attrNameLst>
+                                          <p:attrName>style.visibility</p:attrName>
+                                        </p:attrNameLst>
+                                      </p:cBhvr>
+                                      <p:to>
+                                        <p:strVal val="visible"/>
+                                      </p:to>
+                                    </p:set>
+                                  </p:childTnLst>
+                                </p:cTn>
+                              </p:par>
+                            </p:childTnLst>
+                          </p:cTn>
+                        </p:par>
+                      </p:childTnLst>
+                    </p:cTn>
+                  </p:par>
+                  <p:par>
+                    <p:cTn id="15" fill="hold">
+                      <p:stCondLst>
+                        <p:cond delay="indefinite"/>
+                      </p:stCondLst>
+                      <p:childTnLst>
+                        <p:par>
+                          <p:cTn id="16" fill="hold">
+                            <p:stCondLst>
+                              <p:cond delay="0"/>
+                            </p:stCondLst>
+                            <p:childTnLst>
+                              <p:par>
+                                <p:cTn id="17" presetID="1" presetClass="exit" presetSubtype="0" fill="hold" nodeType="clickEffect">
+                                  <p:stCondLst>
+                                    <p:cond delay="0"/>
+                                  </p:stCondLst>
+                                  <p:childTnLst>
+                                    <p:set>
+                                      <p:cBhvr>
+                                        <p:cTn id="18" dur="1" fill="hold">
+                                          <p:stCondLst>
+                                            <p:cond delay="0"/>
+                                          </p:stCondLst>
+                                        </p:cTn>
+                                        <p:tgtEl>
+                                          <p:spTgt spid="8"/>
+                                        </p:tgtEl>
+                                        <p:attrNameLst>
+                                          <p:attrName>style.visibility</p:attrName>
+                                        </p:attrNameLst>
+                                      </p:cBhvr>
+                                      <p:to>
+                                        <p:strVal val="hidden"/>
+                                      </p:to>
+                                    </p:set>
+                                  </p:childTnLst>
+                                </p:cTn>
+                              </p:par>
+                            </p:childTnLst>
+                          </p:cTn>
+                        </p:par>
+                      </p:childTnLst>
+                    </p:cTn>
+                  </p:par>
+                  <p:par>
+                    <p:cTn id="19" fill="hold">
+                      <p:stCondLst>
+                        <p:cond delay="indefinite"/>
+                      </p:stCondLst>
+                      <p:childTnLst>
+                        <p:par>
+                          <p:cTn id="20" fill="hold">
+                            <p:stCondLst>
+                              <p:cond delay="0"/>
+                            </p:stCondLst>
+                            <p:childTnLst>
+                              <p:par>
+                                <p:cTn id="21" presetID="1" presetClass="exit" presetSubtype="0" fill="hold" grpId="0" nodeType="clickEffect">
+                                  <p:stCondLst>
+                                    <p:cond delay="0"/>
+                                  </p:stCondLst>
+                                  <p:childTnLst>
+                                    <p:set>
+                                      <p:cBhvr>
+                                        <p:cTn id="22" dur="1" fill="hold">
+                                          <p:stCondLst>
+                                            <p:cond delay="0"/>
+                                          </p:stCondLst>
+                                        </p:cTn>
+                                        <p:tgtEl>
+                                          <p:spTgt spid="9"/>
+                                        </p:tgtEl>
+                                        <p:attrNameLst>
+                                          <p:attrName>style.visibility</p:attrName>
+                                        </p:attrNameLst>
+                                      </p:cBhvr>
+                                      <p:to>
+                                        <p:strVal val="hidden"/>
+                                      </p:to>
+                                    </p:set>
+                                  </p:childTnLst>
+                                </p:cTn>
+                              </p:par>
+                            </p:childTnLst>
+                          </p:cTn>
+                        </p:par>
+                      </p:childTnLst>
+                    </p:cTn>
+                  </p:par>
+                  <p:par>
+                    <p:cTn id="23" fill="hold">
+                      <p:stCondLst>
+                        <p:cond delay="indefinite"/>
+                      </p:stCondLst>
+                      <p:childTnLst>
+                        <p:par>
+                          <p:cTn id="24" fill="hold">
+                            <p:stCondLst>
+                              <p:cond delay="0"/>
+                            </p:stCondLst>
+                            <p:childTnLst>
+                              <p:par>
+                                <p:cTn id="25" presetID="1" presetClass="entr" presetSubtype="0" fill="hold" nodeType="clickEffect">
+                                  <p:stCondLst>
+                                    <p:cond delay="0"/>
+                                  </p:stCondLst>
+                                  <p:childTnLst>
+                                    <p:set>
+                                      <p:cBhvr>
+                                        <p:cTn id="26" dur="1" fill="hold">
+                                          <p:stCondLst>
+                                            <p:cond delay="0"/>
+                                          </p:stCondLst>
+                                        </p:cTn>
+                                        <p:tgtEl>
+                                          <p:spTgt spid="10"/>
+                                        </p:tgtEl>
+                                        <p:attrNameLst>
+                                          <p:attrName>style.visibility</p:attrName>
+                                        </p:attrNameLst>
+                                      </p:cBhvr>
+                                      <p:to>
+                                        <p:strVal val="visible"/>
+                                      </p:to>
+                                    </p:set>
+                                  </p:childTnLst>
+                                </p:cTn>
+                              </p:par>
+                            </p:childTnLst>
+                          </p:cTn>
+                        </p:par>
+                      </p:childTnLst>
+                    </p:cTn>
+                  </p:par>
+                  <p:par>
+                    <p:cTn id="27" fill="hold">
+                      <p:stCondLst>
+                        <p:cond delay="indefinite"/>
+                      </p:stCondLst>
+                      <p:childTnLst>
+                        <p:par>
+                          <p:cTn id="28" fill="hold">
+                            <p:stCondLst>
+                              <p:cond delay="0"/>
+                            </p:stCondLst>
+                            <p:childTnLst>
+                              <p:par>
+                                <p:cTn id="29" presetID="1" presetClass="entr" presetSubtype="0" fill="hold" grpId="1" nodeType="clickEffect">
+                                  <p:stCondLst>
+                                    <p:cond delay="0"/>
+                                  </p:stCondLst>
+                                  <p:childTnLst>
+                                    <p:set>
+                                      <p:cBhvr>
+                                        <p:cTn id="30" dur="1" fill="hold">
+                                          <p:stCondLst>
+                                            <p:cond delay="0"/>
+                                          </p:stCondLst>
+                                        </p:cTn>
+                                        <p:tgtEl>
+                                          <p:spTgt spid="11"/>
+                                        </p:tgtEl>
+                                        <p:attrNameLst>
+                                          <p:attrName>style.visibility</p:attrName>
+                                        </p:attrNameLst>
+                                      </p:cBhvr>
+                                      <p:to>
+                                        <p:strVal val="visible"/>
+                                      </p:to>
+                                    </p:set>
+                                  </p:childTnLst>
+                                </p:cTn>
+                              </p:par>
+                            </p:childTnLst>
+                          </p:cTn>
+                        </p:par>
+                      </p:childTnLst>
+                    </p:cTn>
+                  </p:par>
+                  <p:par>
+                    <p:cTn id="31" fill="hold">
+                      <p:stCondLst>
+                        <p:cond delay="indefinite"/>
+                      </p:stCondLst>
+                      <p:childTnLst>
+                        <p:par>
+                          <p:cTn id="32" fill="hold">
+                            <p:stCondLst>
+                              <p:cond delay="0"/>
+                            </p:stCondLst>
+                            <p:childTnLst>
+                              <p:par>
+                                <p:cTn id="33" presetID="1" presetClass="exit" presetSubtype="0" fill="hold" nodeType="clickEffect">
+                                  <p:stCondLst>
+                                    <p:cond delay="0"/>
+                                  </p:stCondLst>
+                                  <p:childTnLst>
+                                    <p:set>
+                                      <p:cBhvr>
+                                        <p:cTn id="34" dur="1" fill="hold">
+                                          <p:stCondLst>
+                                            <p:cond delay="0"/>
+                                          </p:stCondLst>
+                                        </p:cTn>
+                                        <p:tgtEl>
+                                          <p:spTgt spid="10"/>
+                                        </p:tgtEl>
+                                        <p:attrNameLst>
+                                          <p:attrName>style.visibility</p:attrName>
+                                        </p:attrNameLst>
+                                      </p:cBhvr>
+                                      <p:to>
+                                        <p:strVal val="hidden"/>
+                                      </p:to>
+                                    </p:set>
+                                  </p:childTnLst>
+                                </p:cTn>
+                              </p:par>
+                            </p:childTnLst>
+                          </p:cTn>
+                        </p:par>
+                      </p:childTnLst>
+                    </p:cTn>
+                  </p:par>
+                  <p:par>
+                    <p:cTn id="35" fill="hold">
+                      <p:stCondLst>
+                        <p:cond delay="indefinite"/>
+                      </p:stCondLst>
+                      <p:childTnLst>
+                        <p:par>
+                          <p:cTn id="36" fill="hold">
+                            <p:stCondLst>
+                              <p:cond delay="0"/>
+                            </p:stCondLst>
+                            <p:childTnLst>
+                              <p:par>
+                                <p:cTn id="37" presetID="1" presetClass="exit" presetSubtype="0" fill="hold" grpId="0" nodeType="clickEffect">
+                                  <p:stCondLst>
+                                    <p:cond delay="0"/>
+                                  </p:stCondLst>
+                                  <p:childTnLst>
+                                    <p:set>
+                                      <p:cBhvr>
+                                        <p:cTn id="38" dur="1" fill="hold">
+                                          <p:stCondLst>
+                                            <p:cond delay="0"/>
+                                          </p:stCondLst>
+                                        </p:cTn>
+                                        <p:tgtEl>
+                                          <p:spTgt spid="11"/>
+                                        </p:tgtEl>
+                                        <p:attrNameLst>
+                                          <p:attrName>style.visibility</p:attrName>
+                                        </p:attrNameLst>
+                                      </p:cBhvr>
+                                      <p:to>
+                                        <p:strVal val="hidden"/>
+                                      </p:to>
+                                    </p:set>
+                                  </p:childTnLst>
+                                </p:cTn>
+                              </p:par>
+                            </p:childTnLst>
+                          </p:cTn>
+                        </p:par>
+                      </p:childTnLst>
+                    </p:cTn>
+                  </p:par>
+                  <p:par>
+                    <p:cTn id="39" fill="hold">
+                      <p:stCondLst>
+                        <p:cond delay="indefinite"/>
+                      </p:stCondLst>
+                      <p:childTnLst>
+                        <p:par>
+                          <p:cTn id="40" fill="hold">
+                            <p:stCondLst>
+                              <p:cond delay="0"/>
+                            </p:stCondLst>
+                            <p:childTnLst>
+                              <p:par>
+                                <p:cTn id="41" presetID="1" presetClass="entr" presetSubtype="0" fill="hold" nodeType="clickEffect">
+                                  <p:stCondLst>
+                                    <p:cond delay="0"/>
+                                  </p:stCondLst>
+                                  <p:childTnLst>
+                                    <p:set>
+                                      <p:cBhvr>
+                                        <p:cTn id="42" dur="1" fill="hold">
+                                          <p:stCondLst>
+                                            <p:cond delay="0"/>
+                                          </p:stCondLst>
+                                        </p:cTn>
+                                        <p:tgtEl>
+                                          <p:spTgt spid="18"/>
+                                        </p:tgtEl>
+                                        <p:attrNameLst>
+                                          <p:attrName>style.visibility</p:attrName>
+                                        </p:attrNameLst>
+                                      </p:cBhvr>
+                                      <p:to>
+                                        <p:strVal val="visible"/>
+                                      </p:to>
+                                    </p:set>
+                                  </p:childTnLst>
+                                </p:cTn>
+                              </p:par>
+                            </p:childTnLst>
+                          </p:cTn>
+                        </p:par>
+                      </p:childTnLst>
+                    </p:cTn>
+                  </p:par>
+                  <p:par>
+                    <p:cTn id="43" fill="hold">
+                      <p:stCondLst>
+                        <p:cond delay="indefinite"/>
+                      </p:stCondLst>
+                      <p:childTnLst>
+                        <p:par>
+                          <p:cTn id="44" fill="hold">
+                            <p:stCondLst>
+                              <p:cond delay="0"/>
+                            </p:stCondLst>
+                            <p:childTnLst>
+                              <p:par>
+                                <p:cTn id="45" presetID="1" presetClass="entr" presetSubtype="0" fill="hold" grpId="1" nodeType="clickEffect">
+                                  <p:stCondLst>
+                                    <p:cond delay="0"/>
+                                  </p:stCondLst>
+                                  <p:childTnLst>
+                                    <p:set>
+                                      <p:cBhvr>
+                                        <p:cTn id="46" dur="1" fill="hold">
+                                          <p:stCondLst>
+                                            <p:cond delay="0"/>
+                                          </p:stCondLst>
+                                        </p:cTn>
+                                        <p:tgtEl>
+                                          <p:spTgt spid="19"/>
+                                        </p:tgtEl>
+                                        <p:attrNameLst>
+                                          <p:attrName>style.visibility</p:attrName>
+                                        </p:attrNameLst>
+                                      </p:cBhvr>
+                                      <p:to>
+                                        <p:strVal val="visible"/>
+                                      </p:to>
+                                    </p:set>
+                                  </p:childTnLst>
+                                </p:cTn>
+                              </p:par>
+                            </p:childTnLst>
+                          </p:cTn>
+                        </p:par>
+                      </p:childTnLst>
+                    </p:cTn>
+                  </p:par>
+                  <p:par>
+                    <p:cTn id="47" fill="hold">
+                      <p:stCondLst>
+                        <p:cond delay="indefinite"/>
+                      </p:stCondLst>
+                      <p:childTnLst>
+                        <p:par>
+                          <p:cTn id="48" fill="hold">
+                            <p:stCondLst>
+                              <p:cond delay="0"/>
+                            </p:stCondLst>
+                            <p:childTnLst>
+                              <p:par>
+                                <p:cTn id="49" presetID="1" presetClass="exit" presetSubtype="0" fill="hold" nodeType="clickEffect">
+                                  <p:stCondLst>
+                                    <p:cond delay="0"/>
+                                  </p:stCondLst>
+                                  <p:childTnLst>
+                                    <p:set>
+                                      <p:cBhvr>
+                                        <p:cTn id="50" dur="1" fill="hold">
+                                          <p:stCondLst>
+                                            <p:cond delay="0"/>
+                                          </p:stCondLst>
+                                        </p:cTn>
+                                        <p:tgtEl>
+                                          <p:spTgt spid="18"/>
+                                        </p:tgtEl>
+                                        <p:attrNameLst>
+                                          <p:attrName>style.visibility</p:attrName>
+                                        </p:attrNameLst>
+                                      </p:cBhvr>
+                                      <p:to>
+                                        <p:strVal val="hidden"/>
+                                      </p:to>
+                                    </p:set>
+                                  </p:childTnLst>
+                                </p:cTn>
+                              </p:par>
+                            </p:childTnLst>
+                          </p:cTn>
+                        </p:par>
+                      </p:childTnLst>
+                    </p:cTn>
+                  </p:par>
+                  <p:par>
+                    <p:cTn id="51" fill="hold">
+                      <p:stCondLst>
+                        <p:cond delay="indefinite"/>
+                      </p:stCondLst>
+                      <p:childTnLst>
+                        <p:par>
+                          <p:cTn id="52" fill="hold">
+                            <p:stCondLst>
+                              <p:cond delay="0"/>
+                            </p:stCondLst>
+                            <p:childTnLst>
+                              <p:par>
+                                <p:cTn id="53" presetID="1" presetClass="exit" presetSubtype="0" fill="hold" grpId="0" nodeType="clickEffect">
+                                  <p:stCondLst>
+                                    <p:cond delay="0"/>
+                                  </p:stCondLst>
+                                  <p:childTnLst>
+                                    <p:set>
+                                      <p:cBhvr>
+                                        <p:cTn id="54" dur="1" fill="hold">
+                                          <p:stCondLst>
+                                            <p:cond delay="0"/>
+                                          </p:stCondLst>
+                                        </p:cTn>
+                                        <p:tgtEl>
+                                          <p:spTgt spid="19"/>
+                                        </p:tgtEl>
+                                        <p:attrNameLst>
+                                          <p:attrName>style.visibility</p:attrName>
+                                        </p:attrNameLst>
+                                      </p:cBhvr>
+                                      <p:to>
+                                        <p:strVal val="hidden"/>
+                                      </p:to>
+                                    </p:set>
+                                  </p:childTnLst>
+                                </p:cTn>
+                              </p:par>
+                            </p:childTnLst>
+                          </p:cTn>
+                        </p:par>
+                      </p:childTnLst>
+                    </p:cTn>
+                  </p:par>
+                  <p:par>
+                    <p:cTn id="55" fill="hold">
+                      <p:stCondLst>
+                        <p:cond delay="indefinite"/>
+                      </p:stCondLst>
+                      <p:childTnLst>
+                        <p:par>
+                          <p:cTn id="56" fill="hold">
+                            <p:stCondLst>
+                              <p:cond delay="0"/>
+                            </p:stCondLst>
+                            <p:childTnLst>
+                              <p:par>
+                                <p:cTn id="57" presetID="1" presetClass="entr" presetSubtype="0" fill="hold" nodeType="clickEffect">
+                                  <p:stCondLst>
+                                    <p:cond delay="0"/>
+                                  </p:stCondLst>
+                                  <p:childTnLst>
+                                    <p:set>
+                                      <p:cBhvr>
+                                        <p:cTn id="58" dur="1" fill="hold">
+                                          <p:stCondLst>
+                                            <p:cond delay="0"/>
+                                          </p:stCondLst>
+                                        </p:cTn>
+                                        <p:tgtEl>
+                                          <p:spTgt spid="18"/>
+                                        </p:tgtEl>
+                                        <p:attrNameLst>
+                                          <p:attrName>style.visibility</p:attrName>
+                                        </p:attrNameLst>
+                                      </p:cBhvr>
+                                      <p:to>
+                                        <p:strVal val="visible"/>
+                                      </p:to>
+                                    </p:set>
+                                  </p:childTnLst>
+                                </p:cTn>
+                              </p:par>
+                              <p:par>
+                                <p:cTn id="59" presetID="1" presetClass="entr" presetSubtype="0" fill="hold" grpId="2" nodeType="withEffect">
+                                  <p:stCondLst>
+                                    <p:cond delay="0"/>
+                                  </p:stCondLst>
+                                  <p:childTnLst>
+                                    <p:set>
+                                      <p:cBhvr>
+                                        <p:cTn id="60" dur="1" fill="hold">
+                                          <p:stCondLst>
+                                            <p:cond delay="0"/>
+                                          </p:stCondLst>
+                                        </p:cTn>
+                                        <p:tgtEl>
+                                          <p:spTgt spid="19"/>
+                                        </p:tgtEl>
+                                        <p:attrNameLst>
+                                          <p:attrName>style.visibility</p:attrName>
+                                        </p:attrNameLst>
+                                      </p:cBhvr>
+                                      <p:to>
+                                        <p:strVal val="visible"/>
+                                      </p:to>
+                                    </p:set>
+                                  </p:childTnLst>
+                                </p:cTn>
+                              </p:par>
+                            </p:childTnLst>
+                          </p:cTn>
+                        </p:par>
+                      </p:childTnLst>
+                    </p:cTn>
+                  </p:par>
+                  <p:par>
+                    <p:cTn id="61" fill="hold">
+                      <p:stCondLst>
+                        <p:cond delay="indefinite"/>
+                      </p:stCondLst>
+                      <p:childTnLst>
+                        <p:par>
+                          <p:cTn id="62" fill="hold">
+                            <p:stCondLst>
+                              <p:cond delay="0"/>
+                            </p:stCondLst>
+                            <p:childTnLst>
+                              <p:par>
+                                <p:cTn id="63" presetID="1" presetClass="entr" presetSubtype="0" fill="hold" grpId="1" nodeType="clickEffect">
+                                  <p:stCondLst>
+                                    <p:cond delay="0"/>
+                                  </p:stCondLst>
+                                  <p:childTnLst>
+                                    <p:set>
+                                      <p:cBhvr>
+                                        <p:cTn id="64" dur="1" fill="hold">
+                                          <p:stCondLst>
+                                            <p:cond delay="0"/>
+                                          </p:stCondLst>
+                                        </p:cTn>
+                                        <p:tgtEl>
+                                          <p:spTgt spid="21"/>
+                                        </p:tgtEl>
+                                        <p:attrNameLst>
+                                          <p:attrName>style.visibility</p:attrName>
+                                        </p:attrNameLst>
+                                      </p:cBhvr>
+                                      <p:to>
+                                        <p:strVal val="visible"/>
+                                      </p:to>
+                                    </p:set>
+                                  </p:childTnLst>
+                                </p:cTn>
+                              </p:par>
+                            </p:childTnLst>
+                          </p:cTn>
+                        </p:par>
+                      </p:childTnLst>
+                    </p:cTn>
+                  </p:par>
+                  <p:par>
+                    <p:cTn id="65" fill="hold">
+                      <p:stCondLst>
+                        <p:cond delay="indefinite"/>
+                      </p:stCondLst>
+                      <p:childTnLst>
+                        <p:par>
+                          <p:cTn id="66" fill="hold">
+                            <p:stCondLst>
+                              <p:cond delay="0"/>
+                            </p:stCondLst>
+                            <p:childTnLst>
+                              <p:par>
+                                <p:cTn id="67" presetID="1" presetClass="exit" presetSubtype="0" fill="hold" grpId="0" nodeType="clickEffect">
+                                  <p:stCondLst>
+                                    <p:cond delay="0"/>
+                                  </p:stCondLst>
+                                  <p:childTnLst>
+                                    <p:set>
+                                      <p:cBhvr>
+                                        <p:cTn id="68" dur="1" fill="hold">
+                                          <p:stCondLst>
+                                            <p:cond delay="0"/>
+                                          </p:stCondLst>
+                                        </p:cTn>
+                                        <p:tgtEl>
+                                          <p:spTgt spid="21"/>
+                                        </p:tgtEl>
+                                        <p:attrNameLst>
+                                          <p:attrName>style.visibility</p:attrName>
+                                        </p:attrNameLst>
+                                      </p:cBhvr>
+                                      <p:to>
+                                        <p:strVal val="hidden"/>
+                                      </p:to>
+                                    </p:set>
+                                  </p:childTnLst>
+                                </p:cTn>
+                              </p:par>
+                            </p:childTnLst>
+                          </p:cTn>
+                        </p:par>
+                      </p:childTnLst>
+                    </p:cTn>
+                  </p:par>
+                  <p:par>
+                    <p:cTn id="69" fill="hold">
+                      <p:stCondLst>
+                        <p:cond delay="indefinite"/>
+                      </p:stCondLst>
+                      <p:childTnLst>
+                        <p:par>
+                          <p:cTn id="70" fill="hold">
+                            <p:stCondLst>
+                              <p:cond delay="0"/>
+                            </p:stCondLst>
+                            <p:childTnLst>
+                              <p:par>
+                                <p:cTn id="71" presetID="1" presetClass="entr" presetSubtype="0" fill="hold" nodeType="clickEffect">
+                                  <p:stCondLst>
+                                    <p:cond delay="0"/>
+                                  </p:stCondLst>
+                                  <p:childTnLst>
+                                    <p:set>
+                                      <p:cBhvr>
+                                        <p:cTn id="72" dur="1" fill="hold">
+                                          <p:stCondLst>
+                                            <p:cond delay="0"/>
+                                          </p:stCondLst>
+                                        </p:cTn>
+                                        <p:tgtEl>
+                                          <p:spTgt spid="22"/>
+                                        </p:tgtEl>
+                                        <p:attrNameLst>
+                                          <p:attrName>style.visibility</p:attrName>
+                                        </p:attrNameLst>
+                                      </p:cBhvr>
+                                      <p:to>
+                                        <p:strVal val="visible"/>
+                                      </p:to>
+                                    </p:set>
+                                  </p:childTnLst>
+                                </p:cTn>
+                              </p:par>
+                            </p:childTnLst>
+                          </p:cTn>
+                        </p:par>
+                      </p:childTnLst>
+                    </p:cTn>
+                  </p:par>
+                  <p:par>
+                    <p:cTn id="73" fill="hold">
+                      <p:stCondLst>
+                        <p:cond delay="indefinite"/>
+                      </p:stCondLst>
+                      <p:childTnLst>
+                        <p:par>
+                          <p:cTn id="74" fill="hold">
+                            <p:stCondLst>
+                              <p:cond delay="0"/>
+                            </p:stCondLst>
+                            <p:childTnLst>
+                              <p:par>
+                                <p:cTn id="75" presetID="1" presetClass="exit" presetSubtype="0" fill="hold" nodeType="clickEffect">
+                                  <p:stCondLst>
+                                    <p:cond delay="0"/>
+                                  </p:stCondLst>
+                                  <p:childTnLst>
+                                    <p:set>
+                                      <p:cBhvr>
+                                        <p:cTn id="76" dur="1" fill="hold">
+                                          <p:stCondLst>
+                                            <p:cond delay="0"/>
+                                          </p:stCondLst>
+                                        </p:cTn>
+                                        <p:tgtEl>
+                                          <p:spTgt spid="22"/>
+                                        </p:tgtEl>
+                                        <p:attrNameLst>
+                                          <p:attrName>style.visibility</p:attrName>
+                                        </p:attrNameLst>
+                                      </p:cBhvr>
+                                      <p:to>
+                                        <p:strVal val="hidden"/>
+                                      </p:to>
+                                    </p:set>
+                                  </p:childTnLst>
+                                </p:cTn>
+                              </p:par>
+                            </p:childTnLst>
+                          </p:cTn>
+                        </p:par>
+                      </p:childTnLst>
+                    </p:cTn>
+                  </p:par>
+                  <p:par>
+                    <p:cTn id="77" fill="hold">
+                      <p:stCondLst>
+                        <p:cond delay="indefinite"/>
+                      </p:stCondLst>
+                      <p:childTnLst>
+                        <p:par>
+                          <p:cTn id="78" fill="hold">
+                            <p:stCondLst>
+                              <p:cond delay="0"/>
+                            </p:stCondLst>
+                            <p:childTnLst>
+                              <p:par>
+                                <p:cTn id="79" presetID="1" presetClass="entr" presetSubtype="0" fill="hold" nodeType="clickEffect">
+                                  <p:stCondLst>
+                                    <p:cond delay="0"/>
+                                  </p:stCondLst>
+                                  <p:childTnLst>
+                                    <p:set>
+                                      <p:cBhvr>
+                                        <p:cTn id="80" dur="1" fill="hold">
+                                          <p:stCondLst>
+                                            <p:cond delay="0"/>
+                                          </p:stCondLst>
+                                        </p:cTn>
+                                        <p:tgtEl>
+                                          <p:spTgt spid="22"/>
+                                        </p:tgtEl>
+                                        <p:attrNameLst>
+                                          <p:attrName>style.visibility</p:attrName>
+                                        </p:attrNameLst>
+                                      </p:cBhvr>
+                                      <p:to>
+                                        <p:strVal val="visible"/>
+                                      </p:to>
+                                    </p:set>
+                                  </p:childTnLst>
+                                </p:cTn>
+                              </p:par>
+                              <p:par>
+                                <p:cTn id="81" presetID="1" presetClass="entr" presetSubtype="0" fill="hold" grpId="2" nodeType="withEffect">
+                                  <p:stCondLst>
+                                    <p:cond delay="0"/>
+                                  </p:stCondLst>
+                                  <p:childTnLst>
+                                    <p:set>
+                                      <p:cBhvr>
+                                        <p:cTn id="82" dur="1" fill="hold">
+                                          <p:stCondLst>
+                                            <p:cond delay="0"/>
+                                          </p:stCondLst>
+                                        </p:cTn>
+                                        <p:tgtEl>
+                                          <p:spTgt spid="21"/>
+                                        </p:tgtEl>
+                                        <p:attrNameLst>
+                                          <p:attrName>style.visibility</p:attrName>
+                                        </p:attrNameLst>
+                                      </p:cBhvr>
+                                      <p:to>
+                                        <p:strVal val="visible"/>
+                                      </p:to>
+                                    </p:set>
+                                  </p:childTnLst>
+                                </p:cTn>
+                              </p:par>
+                            </p:childTnLst>
+                          </p:cTn>
+                        </p:par>
+                      </p:childTnLst>
+                    </p:cTn>
+                  </p:par>
+                </p:childTnLst>
+              </p:cTn>
+              <p:prevCondLst>
+                <p:cond evt="onPrev" delay="0">
+                  <p:tgtEl>
+                    <p:sldTgt/>
+                  </p:tgtEl>
+                </p:cond>
+              </p:prevCondLst>
+              <p:nextCondLst>
+                <p:cond evt="onNext" delay="0">
+                  <p:tgtEl>
+                    <p:sldTgt/>
+                  </p:tgtEl>
+                </p:cond>
+              </p:nextCondLst>
+            </p:seq>
+          </p:childTnLst>
+        </p:cTn>
+      </p:par>
+    </p:tnLst>
+    <p:bldLst>
+      <p:bldP spid="9" grpId="0"/>
+      <p:bldP spid="9" grpId="1"/>
+      <p:bldP spid="11" grpId="0"/>
+      <p:bldP spid="11" grpId="1"/>
+      <p:bldP spid="14" grpId="0" animBg="1"/>
+      <p:bldP spid="19" grpId="0"/>
+      <p:bldP spid="19" grpId="1"/>
+      <p:bldP spid="19" grpId="2"/>
+      <p:bldP spid="21" grpId="0"/>
+      <p:bldP spid="21" grpId="1"/>
+      <p:bldP spid="21" grpId="2"/>
+    </p:bldLst>
+  </p:timing>
+</p:sld>
+</file>
+
+<file path=ppt/slides/slide12.xml><?xml version="1.0" encoding="utf-8"?>
+<p:sld xmlns:a="http://schemas.openxmlformats.org/drawingml/2006/main" xmlns:r="http://schemas.openxmlformats.org/officeDocument/2006/relationships" xmlns:p="http://schemas.openxmlformats.org/presentationml/2006/main">
+  <p:cSld>
+    <p:spTree>
+      <p:nvGrpSpPr>
+        <p:cNvPr id="1" name=""/>
+        <p:cNvGrpSpPr/>
+        <p:nvPr/>
+      </p:nvGrpSpPr>
+      <p:grpSpPr>
+        <a:xfrm>
+          <a:off x="0" y="0"/>
+          <a:ext cx="0" cy="0"/>
+          <a:chOff x="0" y="0"/>
+          <a:chExt cx="0" cy="0"/>
+        </a:xfrm>
+      </p:grpSpPr>
+      <p:sp>
+        <p:nvSpPr>
+          <p:cNvPr id="2" name="Title 1"/>
+          <p:cNvSpPr>
+            <a:spLocks noGrp="1"/>
+          </p:cNvSpPr>
+          <p:nvPr>
+            <p:ph type="title"/>
+          </p:nvPr>
+        </p:nvSpPr>
+        <p:spPr/>
+        <p:txBody>
+          <a:bodyPr/>
+          <a:lstStyle/>
+          <a:p>
+            <a:r>
+              <a:rPr lang="en-US" dirty="0" smtClean="0"/>
+              <a:t>Meeting in the Middle</a:t>
+            </a:r>
+            <a:endParaRPr lang="en-US" dirty="0"/>
+          </a:p>
+        </p:txBody>
+      </p:sp>
+      <p:sp>
+        <p:nvSpPr>
+          <p:cNvPr id="6" name="Content Placeholder 5"/>
+          <p:cNvSpPr>
+            <a:spLocks noGrp="1"/>
+          </p:cNvSpPr>
+          <p:nvPr>
+            <p:ph idx="1"/>
+          </p:nvPr>
+        </p:nvSpPr>
+        <p:spPr/>
+        <p:txBody>
+          <a:bodyPr/>
+          <a:lstStyle/>
+          <a:p>
+            <a:r>
+              <a:rPr lang="en-US" dirty="0" smtClean="0"/>
+              <a:t>Producer/Consumer Model</a:t>
+            </a:r>
+          </a:p>
+          <a:p>
+            <a:r>
+              <a:rPr lang="en-US" dirty="0" smtClean="0"/>
+              <a:t>Doorbells</a:t>
+            </a:r>
+          </a:p>
+          <a:p>
+            <a:r>
+              <a:rPr lang="en-US" dirty="0" smtClean="0"/>
+              <a:t>Mailboxes</a:t>
+            </a:r>
+          </a:p>
+          <a:p>
+            <a:r>
+              <a:rPr lang="en-US" dirty="0" smtClean="0"/>
+              <a:t>Synchronization</a:t>
+            </a:r>
+            <a:endParaRPr lang="en-US" dirty="0" smtClean="0"/>
+          </a:p>
+          <a:p>
+            <a:r>
+              <a:rPr lang="en-US" dirty="0" smtClean="0"/>
+              <a:t>Off by </a:t>
+            </a:r>
+            <a:r>
+              <a:rPr lang="en-US" dirty="0" smtClean="0"/>
+              <a:t>2 errors</a:t>
+            </a:r>
+            <a:endParaRPr lang="en-US" dirty="0"/>
+          </a:p>
+        </p:txBody>
+      </p:sp>
+      <p:sp>
+        <p:nvSpPr>
+          <p:cNvPr id="3" name="Date Placeholder 2"/>
+          <p:cNvSpPr>
+            <a:spLocks noGrp="1"/>
+          </p:cNvSpPr>
+          <p:nvPr>
+            <p:ph type="dt" sz="half" idx="10"/>
+          </p:nvPr>
+        </p:nvSpPr>
+        <p:spPr/>
+        <p:txBody>
+          <a:bodyPr/>
+          <a:lstStyle/>
+          <a:p>
+            <a:fld id="{9FC8F57C-E466-5D4A-8BA1-0F2DC96E6599}" type="datetime1">
+              <a:rPr lang="en-US" smtClean="0"/>
+              <a:t>2/28/17</a:t>
+            </a:fld>
+            <a:endParaRPr lang="en-US"/>
+          </a:p>
+        </p:txBody>
+      </p:sp>
+      <p:sp>
+        <p:nvSpPr>
+          <p:cNvPr id="4" name="Footer Placeholder 3"/>
+          <p:cNvSpPr>
+            <a:spLocks noGrp="1"/>
+          </p:cNvSpPr>
+          <p:nvPr>
+            <p:ph type="ftr" sz="quarter" idx="11"/>
+          </p:nvPr>
+        </p:nvSpPr>
+        <p:spPr/>
+        <p:txBody>
+          <a:bodyPr/>
+          <a:lstStyle/>
+          <a:p>
+            <a:r>
+              <a:rPr lang="en-US" smtClean="0"/>
+              <a:t>Developing Products with FreeBSD</a:t>
+            </a:r>
+            <a:endParaRPr lang="en-US"/>
+          </a:p>
+        </p:txBody>
+      </p:sp>
+      <p:sp>
+        <p:nvSpPr>
+          <p:cNvPr id="5" name="Slide Number Placeholder 4"/>
+          <p:cNvSpPr>
+            <a:spLocks noGrp="1"/>
+          </p:cNvSpPr>
+          <p:nvPr>
+            <p:ph type="sldNum" sz="quarter" idx="12"/>
+          </p:nvPr>
+        </p:nvSpPr>
+        <p:spPr/>
+        <p:txBody>
+          <a:bodyPr/>
+          <a:lstStyle/>
+          <a:p>
+            <a:fld id="{699C44C4-0FAD-8046-A5C4-05AB318FA424}" type="slidenum">
+              <a:rPr lang="en-US" smtClean="0"/>
+              <a:t>12</a:t>
+            </a:fld>
+            <a:endParaRPr lang="en-US"/>
+          </a:p>
+        </p:txBody>
+      </p:sp>
+    </p:spTree>
+    <p:extLst>
+      <p:ext uri="{BB962C8B-B14F-4D97-AF65-F5344CB8AC3E}">
+        <p14:creationId xmlns:p14="http://schemas.microsoft.com/office/powerpoint/2010/main" val="1304884495"/>
+      </p:ext>
+    </p:extLst>
+  </p:cSld>
+  <p:clrMapOvr>
+    <a:masterClrMapping/>
+  </p:clrMapOvr>
+  <p:timing>
+    <p:tnLst>
+      <p:par>
+        <p:cTn id="1" dur="indefinite" restart="never" nodeType="tmRoot"/>
+      </p:par>
+    </p:tnLst>
+  </p:timing>
+</p:sld>
+</file>
+
+<file path=ppt/slides/slide13.xml><?xml version="1.0" encoding="utf-8"?>
+<p:sld xmlns:a="http://schemas.openxmlformats.org/drawingml/2006/main" xmlns:r="http://schemas.openxmlformats.org/officeDocument/2006/relationships" xmlns:p="http://schemas.openxmlformats.org/presentationml/2006/main">
+  <p:cSld>
+    <p:spTree>
+      <p:nvGrpSpPr>
+        <p:cNvPr id="1" name=""/>
+        <p:cNvGrpSpPr/>
+        <p:nvPr/>
+      </p:nvGrpSpPr>
+      <p:grpSpPr>
+        <a:xfrm>
+          <a:off x="0" y="0"/>
+          <a:ext cx="0" cy="0"/>
+          <a:chOff x="0" y="0"/>
+          <a:chExt cx="0" cy="0"/>
+        </a:xfrm>
+      </p:grpSpPr>
+      <p:sp>
+        <p:nvSpPr>
+          <p:cNvPr id="2" name="Title 1"/>
+          <p:cNvSpPr>
+            <a:spLocks noGrp="1"/>
+          </p:cNvSpPr>
+          <p:nvPr>
+            <p:ph type="title"/>
+          </p:nvPr>
+        </p:nvSpPr>
+        <p:spPr/>
+        <p:txBody>
+          <a:bodyPr/>
+          <a:lstStyle/>
+          <a:p>
+            <a:r>
+              <a:rPr lang="en-US" dirty="0" smtClean="0"/>
               <a:t>Producer and Consumer</a:t>
             </a:r>
             <a:endParaRPr lang="en-US" dirty="0"/>
@@ -4700,7 +6750,7 @@
           <a:p>
             <a:fld id="{BC4AE5AA-C6FF-5A4F-9D02-E3454F0B3602}" type="datetime1">
               <a:rPr lang="en-US" smtClean="0"/>
-              <a:t>2/4/17</a:t>
+              <a:t>2/28/17</a:t>
             </a:fld>
             <a:endParaRPr lang="en-US"/>
           </a:p>
@@ -4746,7 +6796,7 @@
           <a:p>
             <a:fld id="{699C44C4-0FAD-8046-A5C4-05AB318FA424}" type="slidenum">
               <a:rPr lang="en-US" smtClean="0"/>
-              <a:t>11</a:t>
+              <a:t>13</a:t>
             </a:fld>
             <a:endParaRPr lang="en-US"/>
           </a:p>
@@ -7118,7 +9168,7 @@
 </p:sld>
 </file>
 
-<file path=ppt/slides/slide12.xml><?xml version="1.0" encoding="utf-8"?>
+<file path=ppt/slides/slide14.xml><?xml version="1.0" encoding="utf-8"?>
 <p:sld xmlns:a="http://schemas.openxmlformats.org/drawingml/2006/main" xmlns:r="http://schemas.openxmlformats.org/officeDocument/2006/relationships" xmlns:p="http://schemas.openxmlformats.org/presentationml/2006/main">
   <p:cSld>
     <p:spTree>
@@ -7175,7 +9225,34 @@
           <a:p>
             <a:r>
               <a:rPr lang="en-US" dirty="0" smtClean="0"/>
-              <a:t>Copying data is expensive</a:t>
+              <a:t>Device Buffers must be Tracked</a:t>
+            </a:r>
+          </a:p>
+          <a:p>
+            <a:r>
+              <a:rPr lang="en-US" dirty="0" smtClean="0"/>
+              <a:t>Data is normally copied into user space</a:t>
+            </a:r>
+          </a:p>
+          <a:p>
+            <a:pPr lvl="1"/>
+            <a:r>
+              <a:rPr lang="en-US" dirty="0" err="1" smtClean="0"/>
+              <a:t>sendfile</a:t>
+            </a:r>
+            <a:r>
+              <a:rPr lang="en-US" dirty="0" smtClean="0"/>
+              <a:t>() is an exception</a:t>
+            </a:r>
+          </a:p>
+          <a:p>
+            <a:r>
+              <a:rPr lang="en-US" dirty="0" smtClean="0"/>
+              <a:t>Copying </a:t>
+            </a:r>
+            <a:r>
+              <a:rPr lang="en-US" dirty="0" smtClean="0"/>
+              <a:t>data is expensive</a:t>
             </a:r>
           </a:p>
           <a:p>
@@ -7220,7 +9297,7 @@
           <a:p>
             <a:fld id="{9FC8F57C-E466-5D4A-8BA1-0F2DC96E6599}" type="datetime1">
               <a:rPr lang="en-US" smtClean="0"/>
-              <a:t>2/4/17</a:t>
+              <a:t>2/28/17</a:t>
             </a:fld>
             <a:endParaRPr lang="en-US"/>
           </a:p>
@@ -7266,7 +9343,7 @@
           <a:p>
             <a:fld id="{699C44C4-0FAD-8046-A5C4-05AB318FA424}" type="slidenum">
               <a:rPr lang="en-US" smtClean="0"/>
-              <a:t>12</a:t>
+              <a:t>14</a:t>
             </a:fld>
             <a:endParaRPr lang="en-US"/>
           </a:p>
@@ -7292,7 +9369,7 @@
 </p:sld>
 </file>
 
-<file path=ppt/slides/slide13.xml><?xml version="1.0" encoding="utf-8"?>
+<file path=ppt/slides/slide15.xml><?xml version="1.0" encoding="utf-8"?>
 <p:sld xmlns:a="http://schemas.openxmlformats.org/drawingml/2006/main" xmlns:r="http://schemas.openxmlformats.org/officeDocument/2006/relationships" xmlns:p="http://schemas.openxmlformats.org/presentationml/2006/main">
   <p:cSld>
     <p:spTree>
@@ -7349,7 +9426,7 @@
           <a:p>
             <a:fld id="{BC4AE5AA-C6FF-5A4F-9D02-E3454F0B3602}" type="datetime1">
               <a:rPr lang="en-US" smtClean="0"/>
-              <a:t>2/4/17</a:t>
+              <a:t>2/28/17</a:t>
             </a:fld>
             <a:endParaRPr lang="en-US"/>
           </a:p>
@@ -7395,7 +9472,7 @@
           <a:p>
             <a:fld id="{699C44C4-0FAD-8046-A5C4-05AB318FA424}" type="slidenum">
               <a:rPr lang="en-US" smtClean="0"/>
-              <a:t>13</a:t>
+              <a:t>15</a:t>
             </a:fld>
             <a:endParaRPr lang="en-US"/>
           </a:p>
@@ -8931,6 +11008,533 @@
                       </p:childTnLst>
                     </p:cTn>
                   </p:par>
+                  <p:par>
+                    <p:cTn id="33" fill="hold">
+                      <p:stCondLst>
+                        <p:cond delay="indefinite"/>
+                      </p:stCondLst>
+                      <p:childTnLst>
+                        <p:par>
+                          <p:cTn id="34" fill="hold">
+                            <p:stCondLst>
+                              <p:cond delay="0"/>
+                            </p:stCondLst>
+                            <p:childTnLst>
+                              <p:par>
+                                <p:cTn id="35" presetID="1" presetClass="emph" presetSubtype="2" fill="hold" nodeType="clickEffect">
+                                  <p:stCondLst>
+                                    <p:cond delay="0"/>
+                                  </p:stCondLst>
+                                  <p:childTnLst>
+                                    <p:animClr clrSpc="rgb" dir="cw">
+                                      <p:cBhvr>
+                                        <p:cTn id="36" dur="2000" fill="hold"/>
+                                        <p:tgtEl>
+                                          <p:spTgt spid="7"/>
+                                        </p:tgtEl>
+                                        <p:attrNameLst>
+                                          <p:attrName>fillcolor</p:attrName>
+                                        </p:attrNameLst>
+                                      </p:cBhvr>
+                                      <p:to>
+                                        <a:schemeClr val="hlink"/>
+                                      </p:to>
+                                    </p:animClr>
+                                    <p:set>
+                                      <p:cBhvr>
+                                        <p:cTn id="37" dur="2000" fill="hold"/>
+                                        <p:tgtEl>
+                                          <p:spTgt spid="7"/>
+                                        </p:tgtEl>
+                                        <p:attrNameLst>
+                                          <p:attrName>fill.type</p:attrName>
+                                        </p:attrNameLst>
+                                      </p:cBhvr>
+                                      <p:to>
+                                        <p:strVal val="solid"/>
+                                      </p:to>
+                                    </p:set>
+                                    <p:set>
+                                      <p:cBhvr>
+                                        <p:cTn id="38" dur="2000" fill="hold"/>
+                                        <p:tgtEl>
+                                          <p:spTgt spid="7"/>
+                                        </p:tgtEl>
+                                        <p:attrNameLst>
+                                          <p:attrName>fill.on</p:attrName>
+                                        </p:attrNameLst>
+                                      </p:cBhvr>
+                                      <p:to>
+                                        <p:strVal val="true"/>
+                                      </p:to>
+                                    </p:set>
+                                  </p:childTnLst>
+                                </p:cTn>
+                              </p:par>
+                            </p:childTnLst>
+                          </p:cTn>
+                        </p:par>
+                      </p:childTnLst>
+                    </p:cTn>
+                  </p:par>
+                  <p:par>
+                    <p:cTn id="39" fill="hold">
+                      <p:stCondLst>
+                        <p:cond delay="indefinite"/>
+                      </p:stCondLst>
+                      <p:childTnLst>
+                        <p:par>
+                          <p:cTn id="40" fill="hold">
+                            <p:stCondLst>
+                              <p:cond delay="0"/>
+                            </p:stCondLst>
+                            <p:childTnLst>
+                              <p:par>
+                                <p:cTn id="41" presetID="1" presetClass="emph" presetSubtype="2" fill="hold" nodeType="clickEffect">
+                                  <p:stCondLst>
+                                    <p:cond delay="0"/>
+                                  </p:stCondLst>
+                                  <p:childTnLst>
+                                    <p:animClr clrSpc="rgb" dir="cw">
+                                      <p:cBhvr>
+                                        <p:cTn id="42" dur="2000" fill="hold"/>
+                                        <p:tgtEl>
+                                          <p:spTgt spid="9"/>
+                                        </p:tgtEl>
+                                        <p:attrNameLst>
+                                          <p:attrName>fillcolor</p:attrName>
+                                        </p:attrNameLst>
+                                      </p:cBhvr>
+                                      <p:to>
+                                        <a:schemeClr val="accent2"/>
+                                      </p:to>
+                                    </p:animClr>
+                                    <p:set>
+                                      <p:cBhvr>
+                                        <p:cTn id="43" dur="2000" fill="hold"/>
+                                        <p:tgtEl>
+                                          <p:spTgt spid="9"/>
+                                        </p:tgtEl>
+                                        <p:attrNameLst>
+                                          <p:attrName>fill.type</p:attrName>
+                                        </p:attrNameLst>
+                                      </p:cBhvr>
+                                      <p:to>
+                                        <p:strVal val="solid"/>
+                                      </p:to>
+                                    </p:set>
+                                    <p:set>
+                                      <p:cBhvr>
+                                        <p:cTn id="44" dur="2000" fill="hold"/>
+                                        <p:tgtEl>
+                                          <p:spTgt spid="9"/>
+                                        </p:tgtEl>
+                                        <p:attrNameLst>
+                                          <p:attrName>fill.on</p:attrName>
+                                        </p:attrNameLst>
+                                      </p:cBhvr>
+                                      <p:to>
+                                        <p:strVal val="true"/>
+                                      </p:to>
+                                    </p:set>
+                                  </p:childTnLst>
+                                </p:cTn>
+                              </p:par>
+                            </p:childTnLst>
+                          </p:cTn>
+                        </p:par>
+                      </p:childTnLst>
+                    </p:cTn>
+                  </p:par>
+                  <p:par>
+                    <p:cTn id="45" fill="hold">
+                      <p:stCondLst>
+                        <p:cond delay="indefinite"/>
+                      </p:stCondLst>
+                      <p:childTnLst>
+                        <p:par>
+                          <p:cTn id="46" fill="hold">
+                            <p:stCondLst>
+                              <p:cond delay="0"/>
+                            </p:stCondLst>
+                            <p:childTnLst>
+                              <p:par>
+                                <p:cTn id="47" presetID="1" presetClass="emph" presetSubtype="2" fill="hold" nodeType="clickEffect">
+                                  <p:stCondLst>
+                                    <p:cond delay="0"/>
+                                  </p:stCondLst>
+                                  <p:childTnLst>
+                                    <p:animClr clrSpc="rgb" dir="cw">
+                                      <p:cBhvr>
+                                        <p:cTn id="48" dur="2000" fill="hold"/>
+                                        <p:tgtEl>
+                                          <p:spTgt spid="18"/>
+                                        </p:tgtEl>
+                                        <p:attrNameLst>
+                                          <p:attrName>fillcolor</p:attrName>
+                                        </p:attrNameLst>
+                                      </p:cBhvr>
+                                      <p:to>
+                                        <a:schemeClr val="accent2"/>
+                                      </p:to>
+                                    </p:animClr>
+                                    <p:set>
+                                      <p:cBhvr>
+                                        <p:cTn id="49" dur="2000" fill="hold"/>
+                                        <p:tgtEl>
+                                          <p:spTgt spid="18"/>
+                                        </p:tgtEl>
+                                        <p:attrNameLst>
+                                          <p:attrName>fill.type</p:attrName>
+                                        </p:attrNameLst>
+                                      </p:cBhvr>
+                                      <p:to>
+                                        <p:strVal val="solid"/>
+                                      </p:to>
+                                    </p:set>
+                                    <p:set>
+                                      <p:cBhvr>
+                                        <p:cTn id="50" dur="2000" fill="hold"/>
+                                        <p:tgtEl>
+                                          <p:spTgt spid="18"/>
+                                        </p:tgtEl>
+                                        <p:attrNameLst>
+                                          <p:attrName>fill.on</p:attrName>
+                                        </p:attrNameLst>
+                                      </p:cBhvr>
+                                      <p:to>
+                                        <p:strVal val="true"/>
+                                      </p:to>
+                                    </p:set>
+                                  </p:childTnLst>
+                                </p:cTn>
+                              </p:par>
+                            </p:childTnLst>
+                          </p:cTn>
+                        </p:par>
+                      </p:childTnLst>
+                    </p:cTn>
+                  </p:par>
+                  <p:par>
+                    <p:cTn id="51" fill="hold">
+                      <p:stCondLst>
+                        <p:cond delay="indefinite"/>
+                      </p:stCondLst>
+                      <p:childTnLst>
+                        <p:par>
+                          <p:cTn id="52" fill="hold">
+                            <p:stCondLst>
+                              <p:cond delay="0"/>
+                            </p:stCondLst>
+                            <p:childTnLst>
+                              <p:par>
+                                <p:cTn id="53" presetID="2" presetClass="exit" presetSubtype="3" fill="hold" grpId="0" nodeType="clickEffect">
+                                  <p:stCondLst>
+                                    <p:cond delay="0"/>
+                                  </p:stCondLst>
+                                  <p:childTnLst>
+                                    <p:anim calcmode="lin" valueType="num">
+                                      <p:cBhvr additive="base">
+                                        <p:cTn id="54" dur="500"/>
+                                        <p:tgtEl>
+                                          <p:spTgt spid="9"/>
+                                        </p:tgtEl>
+                                        <p:attrNameLst>
+                                          <p:attrName>ppt_x</p:attrName>
+                                        </p:attrNameLst>
+                                      </p:cBhvr>
+                                      <p:tavLst>
+                                        <p:tav tm="0">
+                                          <p:val>
+                                            <p:strVal val="ppt_x"/>
+                                          </p:val>
+                                        </p:tav>
+                                        <p:tav tm="100000">
+                                          <p:val>
+                                            <p:strVal val="1+ppt_w/2"/>
+                                          </p:val>
+                                        </p:tav>
+                                      </p:tavLst>
+                                    </p:anim>
+                                    <p:anim calcmode="lin" valueType="num">
+                                      <p:cBhvr additive="base">
+                                        <p:cTn id="55" dur="500"/>
+                                        <p:tgtEl>
+                                          <p:spTgt spid="9"/>
+                                        </p:tgtEl>
+                                        <p:attrNameLst>
+                                          <p:attrName>ppt_y</p:attrName>
+                                        </p:attrNameLst>
+                                      </p:cBhvr>
+                                      <p:tavLst>
+                                        <p:tav tm="0">
+                                          <p:val>
+                                            <p:strVal val="ppt_y"/>
+                                          </p:val>
+                                        </p:tav>
+                                        <p:tav tm="100000">
+                                          <p:val>
+                                            <p:strVal val="0-ppt_h/2"/>
+                                          </p:val>
+                                        </p:tav>
+                                      </p:tavLst>
+                                    </p:anim>
+                                    <p:set>
+                                      <p:cBhvr>
+                                        <p:cTn id="56" dur="1" fill="hold">
+                                          <p:stCondLst>
+                                            <p:cond delay="499"/>
+                                          </p:stCondLst>
+                                        </p:cTn>
+                                        <p:tgtEl>
+                                          <p:spTgt spid="9"/>
+                                        </p:tgtEl>
+                                        <p:attrNameLst>
+                                          <p:attrName>style.visibility</p:attrName>
+                                        </p:attrNameLst>
+                                      </p:cBhvr>
+                                      <p:to>
+                                        <p:strVal val="hidden"/>
+                                      </p:to>
+                                    </p:set>
+                                  </p:childTnLst>
+                                </p:cTn>
+                              </p:par>
+                            </p:childTnLst>
+                          </p:cTn>
+                        </p:par>
+                      </p:childTnLst>
+                    </p:cTn>
+                  </p:par>
+                  <p:par>
+                    <p:cTn id="57" fill="hold">
+                      <p:stCondLst>
+                        <p:cond delay="indefinite"/>
+                      </p:stCondLst>
+                      <p:childTnLst>
+                        <p:par>
+                          <p:cTn id="58" fill="hold">
+                            <p:stCondLst>
+                              <p:cond delay="0"/>
+                            </p:stCondLst>
+                            <p:childTnLst>
+                              <p:par>
+                                <p:cTn id="59" presetID="2" presetClass="entr" presetSubtype="3" fill="hold" grpId="1" nodeType="clickEffect">
+                                  <p:stCondLst>
+                                    <p:cond delay="0"/>
+                                  </p:stCondLst>
+                                  <p:childTnLst>
+                                    <p:set>
+                                      <p:cBhvr>
+                                        <p:cTn id="60" dur="1" fill="hold">
+                                          <p:stCondLst>
+                                            <p:cond delay="0"/>
+                                          </p:stCondLst>
+                                        </p:cTn>
+                                        <p:tgtEl>
+                                          <p:spTgt spid="9"/>
+                                        </p:tgtEl>
+                                        <p:attrNameLst>
+                                          <p:attrName>style.visibility</p:attrName>
+                                        </p:attrNameLst>
+                                      </p:cBhvr>
+                                      <p:to>
+                                        <p:strVal val="visible"/>
+                                      </p:to>
+                                    </p:set>
+                                    <p:anim calcmode="lin" valueType="num">
+                                      <p:cBhvr additive="base">
+                                        <p:cTn id="61" dur="500" fill="hold"/>
+                                        <p:tgtEl>
+                                          <p:spTgt spid="9"/>
+                                        </p:tgtEl>
+                                        <p:attrNameLst>
+                                          <p:attrName>ppt_x</p:attrName>
+                                        </p:attrNameLst>
+                                      </p:cBhvr>
+                                      <p:tavLst>
+                                        <p:tav tm="0">
+                                          <p:val>
+                                            <p:strVal val="1+#ppt_w/2"/>
+                                          </p:val>
+                                        </p:tav>
+                                        <p:tav tm="100000">
+                                          <p:val>
+                                            <p:strVal val="#ppt_x"/>
+                                          </p:val>
+                                        </p:tav>
+                                      </p:tavLst>
+                                    </p:anim>
+                                    <p:anim calcmode="lin" valueType="num">
+                                      <p:cBhvr additive="base">
+                                        <p:cTn id="62" dur="500" fill="hold"/>
+                                        <p:tgtEl>
+                                          <p:spTgt spid="9"/>
+                                        </p:tgtEl>
+                                        <p:attrNameLst>
+                                          <p:attrName>ppt_y</p:attrName>
+                                        </p:attrNameLst>
+                                      </p:cBhvr>
+                                      <p:tavLst>
+                                        <p:tav tm="0">
+                                          <p:val>
+                                            <p:strVal val="0-#ppt_h/2"/>
+                                          </p:val>
+                                        </p:tav>
+                                        <p:tav tm="100000">
+                                          <p:val>
+                                            <p:strVal val="#ppt_y"/>
+                                          </p:val>
+                                        </p:tav>
+                                      </p:tavLst>
+                                    </p:anim>
+                                  </p:childTnLst>
+                                </p:cTn>
+                              </p:par>
+                            </p:childTnLst>
+                          </p:cTn>
+                        </p:par>
+                      </p:childTnLst>
+                    </p:cTn>
+                  </p:par>
+                  <p:par>
+                    <p:cTn id="63" fill="hold">
+                      <p:stCondLst>
+                        <p:cond delay="indefinite"/>
+                      </p:stCondLst>
+                      <p:childTnLst>
+                        <p:par>
+                          <p:cTn id="64" fill="hold">
+                            <p:stCondLst>
+                              <p:cond delay="0"/>
+                            </p:stCondLst>
+                            <p:childTnLst>
+                              <p:par>
+                                <p:cTn id="65" presetID="1" presetClass="emph" presetSubtype="2" fill="hold" nodeType="clickEffect">
+                                  <p:stCondLst>
+                                    <p:cond delay="0"/>
+                                  </p:stCondLst>
+                                  <p:childTnLst>
+                                    <p:animClr clrSpc="rgb" dir="cw">
+                                      <p:cBhvr>
+                                        <p:cTn id="66" dur="2000" fill="hold"/>
+                                        <p:tgtEl>
+                                          <p:spTgt spid="9"/>
+                                        </p:tgtEl>
+                                        <p:attrNameLst>
+                                          <p:attrName>fillcolor</p:attrName>
+                                        </p:attrNameLst>
+                                      </p:cBhvr>
+                                      <p:to>
+                                        <a:schemeClr val="hlink"/>
+                                      </p:to>
+                                    </p:animClr>
+                                    <p:set>
+                                      <p:cBhvr>
+                                        <p:cTn id="67" dur="2000" fill="hold"/>
+                                        <p:tgtEl>
+                                          <p:spTgt spid="9"/>
+                                        </p:tgtEl>
+                                        <p:attrNameLst>
+                                          <p:attrName>fill.type</p:attrName>
+                                        </p:attrNameLst>
+                                      </p:cBhvr>
+                                      <p:to>
+                                        <p:strVal val="solid"/>
+                                      </p:to>
+                                    </p:set>
+                                    <p:set>
+                                      <p:cBhvr>
+                                        <p:cTn id="68" dur="2000" fill="hold"/>
+                                        <p:tgtEl>
+                                          <p:spTgt spid="9"/>
+                                        </p:tgtEl>
+                                        <p:attrNameLst>
+                                          <p:attrName>fill.on</p:attrName>
+                                        </p:attrNameLst>
+                                      </p:cBhvr>
+                                      <p:to>
+                                        <p:strVal val="true"/>
+                                      </p:to>
+                                    </p:set>
+                                  </p:childTnLst>
+                                </p:cTn>
+                              </p:par>
+                            </p:childTnLst>
+                          </p:cTn>
+                        </p:par>
+                      </p:childTnLst>
+                    </p:cTn>
+                  </p:par>
+                  <p:par>
+                    <p:cTn id="69" fill="hold">
+                      <p:stCondLst>
+                        <p:cond delay="indefinite"/>
+                      </p:stCondLst>
+                      <p:childTnLst>
+                        <p:par>
+                          <p:cTn id="70" fill="hold">
+                            <p:stCondLst>
+                              <p:cond delay="0"/>
+                            </p:stCondLst>
+                            <p:childTnLst>
+                              <p:par>
+                                <p:cTn id="71" presetID="1" presetClass="emph" presetSubtype="2" fill="hold" nodeType="clickEffect">
+                                  <p:stCondLst>
+                                    <p:cond delay="0"/>
+                                  </p:stCondLst>
+                                  <p:childTnLst>
+                                    <p:animClr clrSpc="rgb" dir="cw">
+                                      <p:cBhvr>
+                                        <p:cTn id="72" dur="2000" fill="hold"/>
+                                        <p:tgtEl>
+                                          <p:spTgt spid="18"/>
+                                        </p:tgtEl>
+                                        <p:attrNameLst>
+                                          <p:attrName>fillcolor</p:attrName>
+                                        </p:attrNameLst>
+                                      </p:cBhvr>
+                                      <p:to>
+                                        <a:schemeClr val="hlink"/>
+                                      </p:to>
+                                    </p:animClr>
+                                    <p:set>
+                                      <p:cBhvr>
+                                        <p:cTn id="73" dur="2000" fill="hold"/>
+                                        <p:tgtEl>
+                                          <p:spTgt spid="18"/>
+                                        </p:tgtEl>
+                                        <p:attrNameLst>
+                                          <p:attrName>fill.type</p:attrName>
+                                        </p:attrNameLst>
+                                      </p:cBhvr>
+                                      <p:to>
+                                        <p:strVal val="solid"/>
+                                      </p:to>
+                                    </p:set>
+                                    <p:set>
+                                      <p:cBhvr>
+                                        <p:cTn id="74" dur="2000" fill="hold"/>
+                                        <p:tgtEl>
+                                          <p:spTgt spid="18"/>
+                                        </p:tgtEl>
+                                        <p:attrNameLst>
+                                          <p:attrName>fill.on</p:attrName>
+                                        </p:attrNameLst>
+                                      </p:cBhvr>
+                                      <p:to>
+                                        <p:strVal val="true"/>
+                                      </p:to>
+                                    </p:set>
+                                  </p:childTnLst>
+                                </p:cTn>
+                              </p:par>
+                            </p:childTnLst>
+                          </p:cTn>
+                        </p:par>
+                      </p:childTnLst>
+                    </p:cTn>
+                  </p:par>
                 </p:childTnLst>
               </p:cTn>
               <p:prevCondLst>
@@ -8956,7 +11560,185 @@
       <p:bldP spid="8" grpId="0" animBg="1"/>
       <p:bldP spid="8" grpId="1" animBg="1"/>
       <p:bldP spid="8" grpId="2" animBg="1"/>
+      <p:bldP spid="9" grpId="0" animBg="1"/>
+      <p:bldP spid="9" grpId="1" animBg="1"/>
     </p:bldLst>
+  </p:timing>
+</p:sld>
+</file>
+
+<file path=ppt/slides/slide16.xml><?xml version="1.0" encoding="utf-8"?>
+<p:sld xmlns:a="http://schemas.openxmlformats.org/drawingml/2006/main" xmlns:r="http://schemas.openxmlformats.org/officeDocument/2006/relationships" xmlns:p="http://schemas.openxmlformats.org/presentationml/2006/main">
+  <p:cSld>
+    <p:spTree>
+      <p:nvGrpSpPr>
+        <p:cNvPr id="1" name=""/>
+        <p:cNvGrpSpPr/>
+        <p:nvPr/>
+      </p:nvGrpSpPr>
+      <p:grpSpPr>
+        <a:xfrm>
+          <a:off x="0" y="0"/>
+          <a:ext cx="0" cy="0"/>
+          <a:chOff x="0" y="0"/>
+          <a:chExt cx="0" cy="0"/>
+        </a:xfrm>
+      </p:grpSpPr>
+      <p:sp>
+        <p:nvSpPr>
+          <p:cNvPr id="2" name="Title 1"/>
+          <p:cNvSpPr>
+            <a:spLocks noGrp="1"/>
+          </p:cNvSpPr>
+          <p:nvPr>
+            <p:ph type="title"/>
+          </p:nvPr>
+        </p:nvSpPr>
+        <p:spPr/>
+        <p:txBody>
+          <a:bodyPr/>
+          <a:lstStyle/>
+          <a:p>
+            <a:r>
+              <a:rPr lang="en-US" dirty="0" smtClean="0"/>
+              <a:t>Device Driver Review</a:t>
+            </a:r>
+            <a:endParaRPr lang="en-US" dirty="0"/>
+          </a:p>
+        </p:txBody>
+      </p:sp>
+      <p:sp>
+        <p:nvSpPr>
+          <p:cNvPr id="6" name="Content Placeholder 5"/>
+          <p:cNvSpPr>
+            <a:spLocks noGrp="1"/>
+          </p:cNvSpPr>
+          <p:nvPr>
+            <p:ph idx="1"/>
+          </p:nvPr>
+        </p:nvSpPr>
+        <p:spPr/>
+        <p:txBody>
+          <a:bodyPr/>
+          <a:lstStyle/>
+          <a:p>
+            <a:r>
+              <a:rPr lang="en-US" dirty="0" smtClean="0"/>
+              <a:t>Interrupts</a:t>
+            </a:r>
+          </a:p>
+          <a:p>
+            <a:r>
+              <a:rPr lang="en-US" dirty="0" smtClean="0"/>
+              <a:t>Sharing a memory region</a:t>
+            </a:r>
+          </a:p>
+          <a:p>
+            <a:r>
+              <a:rPr lang="en-US" dirty="0" smtClean="0"/>
+              <a:t>Synchronization</a:t>
+            </a:r>
+          </a:p>
+          <a:p>
+            <a:r>
+              <a:rPr lang="en-US" dirty="0" smtClean="0"/>
+              <a:t>Copying Data</a:t>
+            </a:r>
+          </a:p>
+          <a:p>
+            <a:r>
+              <a:rPr lang="en-US" smtClean="0"/>
+              <a:t>Zero Copy</a:t>
+            </a:r>
+            <a:endParaRPr lang="en-US"/>
+          </a:p>
+        </p:txBody>
+      </p:sp>
+      <p:sp>
+        <p:nvSpPr>
+          <p:cNvPr id="3" name="Date Placeholder 2"/>
+          <p:cNvSpPr>
+            <a:spLocks noGrp="1"/>
+          </p:cNvSpPr>
+          <p:nvPr>
+            <p:ph type="dt" sz="half" idx="10"/>
+          </p:nvPr>
+        </p:nvSpPr>
+        <p:spPr/>
+        <p:txBody>
+          <a:bodyPr/>
+          <a:lstStyle/>
+          <a:p>
+            <a:fld id="{9FC8F57C-E466-5D4A-8BA1-0F2DC96E6599}" type="datetime1">
+              <a:rPr lang="en-US" smtClean="0"/>
+              <a:t>2/28/17</a:t>
+            </a:fld>
+            <a:endParaRPr lang="en-US"/>
+          </a:p>
+        </p:txBody>
+      </p:sp>
+      <p:sp>
+        <p:nvSpPr>
+          <p:cNvPr id="4" name="Footer Placeholder 3"/>
+          <p:cNvSpPr>
+            <a:spLocks noGrp="1"/>
+          </p:cNvSpPr>
+          <p:nvPr>
+            <p:ph type="ftr" sz="quarter" idx="11"/>
+          </p:nvPr>
+        </p:nvSpPr>
+        <p:spPr/>
+        <p:txBody>
+          <a:bodyPr/>
+          <a:lstStyle/>
+          <a:p>
+            <a:r>
+              <a:rPr lang="en-US" smtClean="0"/>
+              <a:t>Developing Products with FreeBSD</a:t>
+            </a:r>
+            <a:endParaRPr lang="en-US"/>
+          </a:p>
+        </p:txBody>
+      </p:sp>
+      <p:sp>
+        <p:nvSpPr>
+          <p:cNvPr id="5" name="Slide Number Placeholder 4"/>
+          <p:cNvSpPr>
+            <a:spLocks noGrp="1"/>
+          </p:cNvSpPr>
+          <p:nvPr>
+            <p:ph type="sldNum" sz="quarter" idx="12"/>
+          </p:nvPr>
+        </p:nvSpPr>
+        <p:spPr/>
+        <p:txBody>
+          <a:bodyPr/>
+          <a:lstStyle/>
+          <a:p>
+            <a:fld id="{699C44C4-0FAD-8046-A5C4-05AB318FA424}" type="slidenum">
+              <a:rPr lang="en-US" smtClean="0"/>
+              <a:t>16</a:t>
+            </a:fld>
+            <a:endParaRPr lang="en-US"/>
+          </a:p>
+        </p:txBody>
+      </p:sp>
+    </p:spTree>
+    <p:extLst>
+      <p:ext uri="{BB962C8B-B14F-4D97-AF65-F5344CB8AC3E}">
+        <p14:creationId xmlns:p14="http://schemas.microsoft.com/office/powerpoint/2010/main" val="1901470941"/>
+      </p:ext>
+    </p:extLst>
+  </p:cSld>
+  <p:clrMapOvr>
+    <a:masterClrMapping/>
+  </p:clrMapOvr>
+  <p:timing>
+    <p:tnLst>
+      <p:par>
+        <p:cTn id="1" dur="indefinite" restart="never" nodeType="tmRoot"/>
+      </p:par>
+    </p:tnLst>
   </p:timing>
 </p:sld>
 </file>
@@ -9058,7 +11840,7 @@
           <a:p>
             <a:fld id="{BC4AE5AA-C6FF-5A4F-9D02-E3454F0B3602}" type="datetime1">
               <a:rPr lang="en-US" smtClean="0"/>
-              <a:t>2/4/17</a:t>
+              <a:t>2/28/17</a:t>
             </a:fld>
             <a:endParaRPr lang="en-US"/>
           </a:p>
@@ -9164,7 +11946,7 @@
           <a:p>
             <a:r>
               <a:rPr lang="en-US" dirty="0" smtClean="0"/>
-              <a:t>Shared Access</a:t>
+              <a:t>Device Drivers</a:t>
             </a:r>
             <a:endParaRPr lang="en-US" dirty="0"/>
           </a:p>
@@ -9187,32 +11969,45 @@
           <a:p>
             <a:r>
               <a:rPr lang="en-US" dirty="0" smtClean="0"/>
-              <a:t>Driver Software</a:t>
+              <a:t>Kernel code to manage hardware</a:t>
             </a:r>
           </a:p>
           <a:p>
             <a:r>
               <a:rPr lang="en-US" dirty="0" smtClean="0"/>
-              <a:t>Hardware</a:t>
+              <a:t>Clock</a:t>
             </a:r>
           </a:p>
           <a:p>
             <a:r>
               <a:rPr lang="en-US" dirty="0" smtClean="0"/>
-              <a:t>Programmed I/O</a:t>
+              <a:t>Disk</a:t>
             </a:r>
           </a:p>
           <a:p>
             <a:r>
               <a:rPr lang="en-US" dirty="0" smtClean="0"/>
-              <a:t>DMA</a:t>
+              <a:t>Network</a:t>
             </a:r>
           </a:p>
           <a:p>
             <a:r>
               <a:rPr lang="en-US" dirty="0" smtClean="0"/>
-              <a:t>Rendezvous Points</a:t>
-            </a:r>
+              <a:t>USB</a:t>
+            </a:r>
+          </a:p>
+          <a:p>
+            <a:r>
+              <a:rPr lang="en-US" dirty="0" smtClean="0"/>
+              <a:t>SD Cards</a:t>
+            </a:r>
+          </a:p>
+          <a:p>
+            <a:r>
+              <a:rPr lang="en-US" dirty="0" smtClean="0"/>
+              <a:t>Any hardware other than physical memory</a:t>
+            </a:r>
+            <a:endParaRPr lang="en-US" dirty="0"/>
           </a:p>
         </p:txBody>
       </p:sp>
@@ -9233,7 +12028,7 @@
           <a:p>
             <a:fld id="{BC4AE5AA-C6FF-5A4F-9D02-E3454F0B3602}" type="datetime1">
               <a:rPr lang="en-US" smtClean="0"/>
-              <a:t>2/4/17</a:t>
+              <a:t>2/28/17</a:t>
             </a:fld>
             <a:endParaRPr lang="en-US"/>
           </a:p>
@@ -9288,7 +12083,7 @@
     </p:spTree>
     <p:extLst>
       <p:ext uri="{BB962C8B-B14F-4D97-AF65-F5344CB8AC3E}">
-        <p14:creationId xmlns:p14="http://schemas.microsoft.com/office/powerpoint/2010/main" val="1761040650"/>
+        <p14:creationId xmlns:p14="http://schemas.microsoft.com/office/powerpoint/2010/main" val="1465989174"/>
       </p:ext>
     </p:extLst>
   </p:cSld>
@@ -9339,9 +12134,49 @@
           <a:p>
             <a:r>
               <a:rPr lang="en-US" dirty="0" smtClean="0"/>
-              <a:t>Layers of Abstraction</a:t>
+              <a:t>Driver Interfaces</a:t>
             </a:r>
             <a:endParaRPr lang="en-US" dirty="0"/>
+          </a:p>
+        </p:txBody>
+      </p:sp>
+      <p:sp>
+        <p:nvSpPr>
+          <p:cNvPr id="3" name="Content Placeholder 2"/>
+          <p:cNvSpPr>
+            <a:spLocks noGrp="1"/>
+          </p:cNvSpPr>
+          <p:nvPr>
+            <p:ph idx="1"/>
+          </p:nvPr>
+        </p:nvSpPr>
+        <p:spPr/>
+        <p:txBody>
+          <a:bodyPr/>
+          <a:lstStyle/>
+          <a:p>
+            <a:r>
+              <a:rPr lang="en-US" dirty="0" smtClean="0"/>
+              <a:t>Small set of kernel APIs</a:t>
+            </a:r>
+          </a:p>
+          <a:p>
+            <a:r>
+              <a:rPr lang="en-US" dirty="0" smtClean="0"/>
+              <a:t>Depend upon the device being accessed</a:t>
+            </a:r>
+          </a:p>
+          <a:p>
+            <a:r>
+              <a:rPr lang="en-US" dirty="0" smtClean="0"/>
+              <a:t>Handled via kernel OO programming</a:t>
+            </a:r>
+          </a:p>
+          <a:p>
+            <a:r>
+              <a:rPr lang="en-US" dirty="0" smtClean="0"/>
+              <a:t>A single structure holds the data and methods for a device</a:t>
+            </a:r>
           </a:p>
         </p:txBody>
       </p:sp>
@@ -9362,7 +12197,7 @@
           <a:p>
             <a:fld id="{BC4AE5AA-C6FF-5A4F-9D02-E3454F0B3602}" type="datetime1">
               <a:rPr lang="en-US" smtClean="0"/>
-              <a:t>2/4/17</a:t>
+              <a:t>2/28/17</a:t>
             </a:fld>
             <a:endParaRPr lang="en-US"/>
           </a:p>
@@ -9414,209 +12249,10 @@
           </a:p>
         </p:txBody>
       </p:sp>
-      <p:sp>
-        <p:nvSpPr>
-          <p:cNvPr id="7" name="Rectangle 6"/>
-          <p:cNvSpPr/>
-          <p:nvPr/>
-        </p:nvSpPr>
-        <p:spPr>
-          <a:xfrm>
-            <a:off x="4922874" y="5029200"/>
-            <a:ext cx="1818167" cy="669851"/>
-          </a:xfrm>
-          <a:prstGeom prst="rect">
-            <a:avLst/>
-          </a:prstGeom>
-        </p:spPr>
-        <p:style>
-          <a:lnRef idx="2">
-            <a:schemeClr val="accent1">
-              <a:shade val="50000"/>
-            </a:schemeClr>
-          </a:lnRef>
-          <a:fillRef idx="1">
-            <a:schemeClr val="accent1"/>
-          </a:fillRef>
-          <a:effectRef idx="0">
-            <a:schemeClr val="accent1"/>
-          </a:effectRef>
-          <a:fontRef idx="minor">
-            <a:schemeClr val="lt1"/>
-          </a:fontRef>
-        </p:style>
-        <p:txBody>
-          <a:bodyPr rtlCol="0" anchor="ctr"/>
-          <a:lstStyle/>
-          <a:p>
-            <a:pPr algn="ctr"/>
-            <a:r>
-              <a:rPr lang="en-US" smtClean="0"/>
-              <a:t>Hardware</a:t>
-            </a:r>
-            <a:endParaRPr lang="en-US"/>
-          </a:p>
-        </p:txBody>
-      </p:sp>
-      <p:sp>
-        <p:nvSpPr>
-          <p:cNvPr id="8" name="Rectangle 7"/>
-          <p:cNvSpPr/>
-          <p:nvPr/>
-        </p:nvSpPr>
-        <p:spPr>
-          <a:xfrm>
-            <a:off x="4922873" y="4086447"/>
-            <a:ext cx="1818167" cy="669851"/>
-          </a:xfrm>
-          <a:prstGeom prst="rect">
-            <a:avLst/>
-          </a:prstGeom>
-        </p:spPr>
-        <p:style>
-          <a:lnRef idx="2">
-            <a:schemeClr val="accent1">
-              <a:shade val="50000"/>
-            </a:schemeClr>
-          </a:lnRef>
-          <a:fillRef idx="1">
-            <a:schemeClr val="accent1"/>
-          </a:fillRef>
-          <a:effectRef idx="0">
-            <a:schemeClr val="accent1"/>
-          </a:effectRef>
-          <a:fontRef idx="minor">
-            <a:schemeClr val="lt1"/>
-          </a:fontRef>
-        </p:style>
-        <p:txBody>
-          <a:bodyPr rtlCol="0" anchor="ctr"/>
-          <a:lstStyle/>
-          <a:p>
-            <a:pPr algn="ctr"/>
-            <a:r>
-              <a:rPr lang="en-US" dirty="0" smtClean="0"/>
-              <a:t>Device Driver</a:t>
-            </a:r>
-            <a:endParaRPr lang="en-US" dirty="0"/>
-          </a:p>
-        </p:txBody>
-      </p:sp>
-      <p:sp>
-        <p:nvSpPr>
-          <p:cNvPr id="9" name="Rectangle 8"/>
-          <p:cNvSpPr/>
-          <p:nvPr/>
-        </p:nvSpPr>
-        <p:spPr>
-          <a:xfrm>
-            <a:off x="7276213" y="2224973"/>
-            <a:ext cx="1818167" cy="669851"/>
-          </a:xfrm>
-          <a:prstGeom prst="rect">
-            <a:avLst/>
-          </a:prstGeom>
-          <a:solidFill>
-            <a:schemeClr val="bg2"/>
-          </a:solidFill>
-          <a:ln>
-            <a:solidFill>
-              <a:schemeClr val="bg2"/>
-            </a:solidFill>
-          </a:ln>
-        </p:spPr>
-        <p:style>
-          <a:lnRef idx="2">
-            <a:schemeClr val="accent1">
-              <a:shade val="50000"/>
-            </a:schemeClr>
-          </a:lnRef>
-          <a:fillRef idx="1">
-            <a:schemeClr val="accent1"/>
-          </a:fillRef>
-          <a:effectRef idx="0">
-            <a:schemeClr val="accent1"/>
-          </a:effectRef>
-          <a:fontRef idx="minor">
-            <a:schemeClr val="lt1"/>
-          </a:fontRef>
-        </p:style>
-        <p:txBody>
-          <a:bodyPr rtlCol="0" anchor="ctr"/>
-          <a:lstStyle/>
-          <a:p>
-            <a:pPr algn="ctr"/>
-            <a:r>
-              <a:rPr lang="en-US" dirty="0" smtClean="0"/>
-              <a:t>Memory</a:t>
-            </a:r>
-            <a:endParaRPr lang="en-US" dirty="0"/>
-          </a:p>
-        </p:txBody>
-      </p:sp>
-      <p:sp>
-        <p:nvSpPr>
-          <p:cNvPr id="10" name="Rectangle 9"/>
-          <p:cNvSpPr/>
-          <p:nvPr/>
-        </p:nvSpPr>
-        <p:spPr>
-          <a:xfrm>
-            <a:off x="7276212" y="3140647"/>
-            <a:ext cx="1818167" cy="669851"/>
-          </a:xfrm>
-          <a:prstGeom prst="rect">
-            <a:avLst/>
-          </a:prstGeom>
-          <a:solidFill>
-            <a:schemeClr val="bg2"/>
-          </a:solidFill>
-          <a:ln>
-            <a:solidFill>
-              <a:schemeClr val="bg2"/>
-            </a:solidFill>
-          </a:ln>
-        </p:spPr>
-        <p:style>
-          <a:lnRef idx="2">
-            <a:schemeClr val="accent1">
-              <a:shade val="50000"/>
-            </a:schemeClr>
-          </a:lnRef>
-          <a:fillRef idx="1">
-            <a:schemeClr val="accent1"/>
-          </a:fillRef>
-          <a:effectRef idx="0">
-            <a:schemeClr val="accent1"/>
-          </a:effectRef>
-          <a:fontRef idx="minor">
-            <a:schemeClr val="lt1"/>
-          </a:fontRef>
-        </p:style>
-        <p:txBody>
-          <a:bodyPr rtlCol="0" anchor="ctr"/>
-          <a:lstStyle/>
-          <a:p>
-            <a:pPr algn="ctr"/>
-            <a:r>
-              <a:rPr lang="en-US" dirty="0" smtClean="0"/>
-              <a:t>Synchronization</a:t>
-            </a:r>
-          </a:p>
-          <a:p>
-            <a:pPr algn="ctr"/>
-            <a:r>
-              <a:rPr lang="en-US" dirty="0" smtClean="0"/>
-              <a:t>Services</a:t>
-            </a:r>
-            <a:endParaRPr lang="en-US" dirty="0"/>
-          </a:p>
-        </p:txBody>
-      </p:sp>
     </p:spTree>
     <p:extLst>
       <p:ext uri="{BB962C8B-B14F-4D97-AF65-F5344CB8AC3E}">
-        <p14:creationId xmlns:p14="http://schemas.microsoft.com/office/powerpoint/2010/main" val="1024495287"/>
+        <p14:creationId xmlns:p14="http://schemas.microsoft.com/office/powerpoint/2010/main" val="1208877991"/>
       </p:ext>
     </p:extLst>
   </p:cSld>
@@ -9667,6 +12303,596 @@
           <a:p>
             <a:r>
               <a:rPr lang="en-US" dirty="0" smtClean="0"/>
+              <a:t>Network Device Methods</a:t>
+            </a:r>
+            <a:endParaRPr lang="en-US" dirty="0"/>
+          </a:p>
+        </p:txBody>
+      </p:sp>
+      <p:sp>
+        <p:nvSpPr>
+          <p:cNvPr id="4" name="Date Placeholder 3"/>
+          <p:cNvSpPr>
+            <a:spLocks noGrp="1"/>
+          </p:cNvSpPr>
+          <p:nvPr>
+            <p:ph type="dt" sz="half" idx="10"/>
+          </p:nvPr>
+        </p:nvSpPr>
+        <p:spPr/>
+        <p:txBody>
+          <a:bodyPr/>
+          <a:lstStyle/>
+          <a:p>
+            <a:fld id="{BC4AE5AA-C6FF-5A4F-9D02-E3454F0B3602}" type="datetime1">
+              <a:rPr lang="en-US" smtClean="0"/>
+              <a:t>2/28/17</a:t>
+            </a:fld>
+            <a:endParaRPr lang="en-US"/>
+          </a:p>
+        </p:txBody>
+      </p:sp>
+      <p:sp>
+        <p:nvSpPr>
+          <p:cNvPr id="5" name="Footer Placeholder 4"/>
+          <p:cNvSpPr>
+            <a:spLocks noGrp="1"/>
+          </p:cNvSpPr>
+          <p:nvPr>
+            <p:ph type="ftr" sz="quarter" idx="11"/>
+          </p:nvPr>
+        </p:nvSpPr>
+        <p:spPr/>
+        <p:txBody>
+          <a:bodyPr/>
+          <a:lstStyle/>
+          <a:p>
+            <a:r>
+              <a:rPr lang="en-US" smtClean="0"/>
+              <a:t>Developing Products with FreeBSD</a:t>
+            </a:r>
+            <a:endParaRPr lang="en-US" dirty="0"/>
+          </a:p>
+        </p:txBody>
+      </p:sp>
+      <p:sp>
+        <p:nvSpPr>
+          <p:cNvPr id="6" name="Slide Number Placeholder 5"/>
+          <p:cNvSpPr>
+            <a:spLocks noGrp="1"/>
+          </p:cNvSpPr>
+          <p:nvPr>
+            <p:ph type="sldNum" sz="quarter" idx="12"/>
+          </p:nvPr>
+        </p:nvSpPr>
+        <p:spPr/>
+        <p:txBody>
+          <a:bodyPr/>
+          <a:lstStyle/>
+          <a:p>
+            <a:fld id="{699C44C4-0FAD-8046-A5C4-05AB318FA424}" type="slidenum">
+              <a:rPr lang="en-US" smtClean="0"/>
+              <a:t>5</a:t>
+            </a:fld>
+            <a:endParaRPr lang="en-US"/>
+          </a:p>
+        </p:txBody>
+      </p:sp>
+      <p:graphicFrame>
+        <p:nvGraphicFramePr>
+          <p:cNvPr id="7" name="Table 6"/>
+          <p:cNvGraphicFramePr>
+            <a:graphicFrameLocks noGrp="1"/>
+          </p:cNvGraphicFramePr>
+          <p:nvPr>
+            <p:extLst>
+              <p:ext uri="{D42A27DB-BD31-4B8C-83A1-F6EECF244321}">
+                <p14:modId xmlns:p14="http://schemas.microsoft.com/office/powerpoint/2010/main" val="155007410"/>
+              </p:ext>
+            </p:extLst>
+          </p:nvPr>
+        </p:nvGraphicFramePr>
+        <p:xfrm>
+          <a:off x="2033587" y="2071087"/>
+          <a:ext cx="8128000" cy="1854200"/>
+        </p:xfrm>
+        <a:graphic>
+          <a:graphicData uri="http://schemas.openxmlformats.org/drawingml/2006/table">
+            <a:tbl>
+              <a:tblPr firstRow="1" bandRow="1">
+                <a:tableStyleId>{5C22544A-7EE6-4342-B048-85BDC9FD1C3A}</a:tableStyleId>
+              </a:tblPr>
+              <a:tblGrid>
+                <a:gridCol w="4064000"/>
+                <a:gridCol w="4064000"/>
+              </a:tblGrid>
+              <a:tr h="370840">
+                <a:tc>
+                  <a:txBody>
+                    <a:bodyPr/>
+                    <a:lstStyle/>
+                    <a:p>
+                      <a:r>
+                        <a:rPr lang="en-US" dirty="0" smtClean="0"/>
+                        <a:t>Function</a:t>
+                      </a:r>
+                      <a:endParaRPr lang="en-US" dirty="0"/>
+                    </a:p>
+                  </a:txBody>
+                  <a:tcPr/>
+                </a:tc>
+                <a:tc>
+                  <a:txBody>
+                    <a:bodyPr/>
+                    <a:lstStyle/>
+                    <a:p>
+                      <a:r>
+                        <a:rPr lang="en-US" dirty="0" smtClean="0"/>
+                        <a:t>Purpose</a:t>
+                      </a:r>
+                      <a:endParaRPr lang="en-US" dirty="0"/>
+                    </a:p>
+                  </a:txBody>
+                  <a:tcPr/>
+                </a:tc>
+              </a:tr>
+              <a:tr h="370840">
+                <a:tc>
+                  <a:txBody>
+                    <a:bodyPr/>
+                    <a:lstStyle/>
+                    <a:p>
+                      <a:pPr marL="0" marR="0" indent="0" algn="l" defTabSz="914400" rtl="0" eaLnBrk="1" fontAlgn="auto" latinLnBrk="0" hangingPunct="1">
+                        <a:lnSpc>
+                          <a:spcPct val="100000"/>
+                        </a:lnSpc>
+                        <a:spcBef>
+                          <a:spcPts val="0"/>
+                        </a:spcBef>
+                        <a:spcAft>
+                          <a:spcPts val="0"/>
+                        </a:spcAft>
+                        <a:buClrTx/>
+                        <a:buSzTx/>
+                        <a:buFontTx/>
+                        <a:buNone/>
+                        <a:tabLst/>
+                        <a:defRPr/>
+                      </a:pPr>
+                      <a:r>
+                        <a:rPr lang="en-US" dirty="0" err="1" smtClean="0">
+                          <a:latin typeface="Courier" charset="0"/>
+                          <a:ea typeface="Courier" charset="0"/>
+                          <a:cs typeface="Courier" charset="0"/>
+                        </a:rPr>
+                        <a:t>if_init</a:t>
+                      </a:r>
+                      <a:r>
+                        <a:rPr lang="en-US" dirty="0" smtClean="0">
+                          <a:latin typeface="Courier" charset="0"/>
+                          <a:ea typeface="Courier" charset="0"/>
+                          <a:cs typeface="Courier" charset="0"/>
+                        </a:rPr>
+                        <a:t>()</a:t>
+                      </a:r>
+                    </a:p>
+                  </a:txBody>
+                  <a:tcPr/>
+                </a:tc>
+                <a:tc>
+                  <a:txBody>
+                    <a:bodyPr/>
+                    <a:lstStyle/>
+                    <a:p>
+                      <a:r>
+                        <a:rPr lang="en-US" dirty="0" smtClean="0"/>
+                        <a:t>Initialize device</a:t>
+                      </a:r>
+                      <a:endParaRPr lang="en-US" dirty="0"/>
+                    </a:p>
+                  </a:txBody>
+                  <a:tcPr/>
+                </a:tc>
+              </a:tr>
+              <a:tr h="370840">
+                <a:tc>
+                  <a:txBody>
+                    <a:bodyPr/>
+                    <a:lstStyle/>
+                    <a:p>
+                      <a:pPr marL="0" marR="0" indent="0" algn="l" defTabSz="914400" rtl="0" eaLnBrk="1" fontAlgn="auto" latinLnBrk="0" hangingPunct="1">
+                        <a:lnSpc>
+                          <a:spcPct val="100000"/>
+                        </a:lnSpc>
+                        <a:spcBef>
+                          <a:spcPts val="0"/>
+                        </a:spcBef>
+                        <a:spcAft>
+                          <a:spcPts val="0"/>
+                        </a:spcAft>
+                        <a:buClrTx/>
+                        <a:buSzTx/>
+                        <a:buFontTx/>
+                        <a:buNone/>
+                        <a:tabLst/>
+                        <a:defRPr/>
+                      </a:pPr>
+                      <a:r>
+                        <a:rPr lang="en-US" dirty="0" err="1" smtClean="0">
+                          <a:latin typeface="Courier" charset="0"/>
+                          <a:ea typeface="Courier" charset="0"/>
+                          <a:cs typeface="Courier" charset="0"/>
+                        </a:rPr>
+                        <a:t>if_output</a:t>
+                      </a:r>
+                      <a:r>
+                        <a:rPr lang="en-US" dirty="0" smtClean="0">
+                          <a:latin typeface="Courier" charset="0"/>
+                          <a:ea typeface="Courier" charset="0"/>
+                          <a:cs typeface="Courier" charset="0"/>
+                        </a:rPr>
+                        <a:t>()</a:t>
+                      </a:r>
+                    </a:p>
+                  </a:txBody>
+                  <a:tcPr/>
+                </a:tc>
+                <a:tc>
+                  <a:txBody>
+                    <a:bodyPr/>
+                    <a:lstStyle/>
+                    <a:p>
+                      <a:r>
+                        <a:rPr lang="en-US" dirty="0" smtClean="0"/>
+                        <a:t>Output a packet</a:t>
+                      </a:r>
+                      <a:endParaRPr lang="en-US" dirty="0"/>
+                    </a:p>
+                  </a:txBody>
+                  <a:tcPr/>
+                </a:tc>
+              </a:tr>
+              <a:tr h="370840">
+                <a:tc>
+                  <a:txBody>
+                    <a:bodyPr/>
+                    <a:lstStyle/>
+                    <a:p>
+                      <a:r>
+                        <a:rPr lang="en-US" dirty="0" err="1" smtClean="0">
+                          <a:latin typeface="Courier" charset="0"/>
+                          <a:ea typeface="Courier" charset="0"/>
+                          <a:cs typeface="Courier" charset="0"/>
+                        </a:rPr>
+                        <a:t>if_input</a:t>
+                      </a:r>
+                      <a:r>
+                        <a:rPr lang="en-US" dirty="0" smtClean="0">
+                          <a:latin typeface="Courier" charset="0"/>
+                          <a:ea typeface="Courier" charset="0"/>
+                          <a:cs typeface="Courier" charset="0"/>
+                        </a:rPr>
+                        <a:t>()</a:t>
+                      </a:r>
+                      <a:endParaRPr lang="en-US" dirty="0" smtClean="0">
+                        <a:latin typeface="Courier" charset="0"/>
+                        <a:ea typeface="Courier" charset="0"/>
+                        <a:cs typeface="Courier" charset="0"/>
+                      </a:endParaRPr>
+                    </a:p>
+                  </a:txBody>
+                  <a:tcPr/>
+                </a:tc>
+                <a:tc>
+                  <a:txBody>
+                    <a:bodyPr/>
+                    <a:lstStyle/>
+                    <a:p>
+                      <a:r>
+                        <a:rPr lang="en-US" dirty="0" smtClean="0"/>
+                        <a:t>Receive a packet</a:t>
+                      </a:r>
+                      <a:endParaRPr lang="en-US" dirty="0"/>
+                    </a:p>
+                  </a:txBody>
+                  <a:tcPr/>
+                </a:tc>
+              </a:tr>
+              <a:tr h="370840">
+                <a:tc>
+                  <a:txBody>
+                    <a:bodyPr/>
+                    <a:lstStyle/>
+                    <a:p>
+                      <a:pPr marL="0" marR="0" indent="0" algn="l" defTabSz="914400" rtl="0" eaLnBrk="1" fontAlgn="auto" latinLnBrk="0" hangingPunct="1">
+                        <a:lnSpc>
+                          <a:spcPct val="100000"/>
+                        </a:lnSpc>
+                        <a:spcBef>
+                          <a:spcPts val="0"/>
+                        </a:spcBef>
+                        <a:spcAft>
+                          <a:spcPts val="0"/>
+                        </a:spcAft>
+                        <a:buClrTx/>
+                        <a:buSzTx/>
+                        <a:buFontTx/>
+                        <a:buNone/>
+                        <a:tabLst/>
+                        <a:defRPr/>
+                      </a:pPr>
+                      <a:r>
+                        <a:rPr lang="en-US" dirty="0" err="1" smtClean="0">
+                          <a:latin typeface="Courier" charset="0"/>
+                          <a:ea typeface="Courier" charset="0"/>
+                          <a:cs typeface="Courier" charset="0"/>
+                        </a:rPr>
+                        <a:t>if_ioctl</a:t>
+                      </a:r>
+                      <a:r>
+                        <a:rPr lang="en-US" dirty="0" smtClean="0">
+                          <a:latin typeface="Courier" charset="0"/>
+                          <a:ea typeface="Courier" charset="0"/>
+                          <a:cs typeface="Courier" charset="0"/>
+                        </a:rPr>
+                        <a:t>()</a:t>
+                      </a:r>
+                    </a:p>
+                  </a:txBody>
+                  <a:tcPr/>
+                </a:tc>
+                <a:tc>
+                  <a:txBody>
+                    <a:bodyPr/>
+                    <a:lstStyle/>
+                    <a:p>
+                      <a:r>
+                        <a:rPr lang="en-US" dirty="0" smtClean="0"/>
+                        <a:t>Change</a:t>
+                      </a:r>
+                      <a:r>
+                        <a:rPr lang="en-US" baseline="0" dirty="0" smtClean="0"/>
+                        <a:t> device state</a:t>
+                      </a:r>
+                      <a:endParaRPr lang="en-US" dirty="0"/>
+                    </a:p>
+                  </a:txBody>
+                  <a:tcPr/>
+                </a:tc>
+              </a:tr>
+            </a:tbl>
+          </a:graphicData>
+        </a:graphic>
+      </p:graphicFrame>
+    </p:spTree>
+    <p:extLst>
+      <p:ext uri="{BB962C8B-B14F-4D97-AF65-F5344CB8AC3E}">
+        <p14:creationId xmlns:p14="http://schemas.microsoft.com/office/powerpoint/2010/main" val="1490229954"/>
+      </p:ext>
+    </p:extLst>
+  </p:cSld>
+  <p:clrMapOvr>
+    <a:masterClrMapping/>
+  </p:clrMapOvr>
+  <p:timing>
+    <p:tnLst>
+      <p:par>
+        <p:cTn id="1" dur="indefinite" restart="never" nodeType="tmRoot"/>
+      </p:par>
+    </p:tnLst>
+  </p:timing>
+</p:sld>
+</file>
+
+<file path=ppt/slides/slide6.xml><?xml version="1.0" encoding="utf-8"?>
+<p:sld xmlns:a="http://schemas.openxmlformats.org/drawingml/2006/main" xmlns:r="http://schemas.openxmlformats.org/officeDocument/2006/relationships" xmlns:p="http://schemas.openxmlformats.org/presentationml/2006/main">
+  <p:cSld>
+    <p:spTree>
+      <p:nvGrpSpPr>
+        <p:cNvPr id="1" name=""/>
+        <p:cNvGrpSpPr/>
+        <p:nvPr/>
+      </p:nvGrpSpPr>
+      <p:grpSpPr>
+        <a:xfrm>
+          <a:off x="0" y="0"/>
+          <a:ext cx="0" cy="0"/>
+          <a:chOff x="0" y="0"/>
+          <a:chExt cx="0" cy="0"/>
+        </a:xfrm>
+      </p:grpSpPr>
+      <p:sp>
+        <p:nvSpPr>
+          <p:cNvPr id="2" name="Title 1"/>
+          <p:cNvSpPr>
+            <a:spLocks noGrp="1"/>
+          </p:cNvSpPr>
+          <p:nvPr>
+            <p:ph type="title"/>
+          </p:nvPr>
+        </p:nvSpPr>
+        <p:spPr/>
+        <p:txBody>
+          <a:bodyPr/>
+          <a:lstStyle/>
+          <a:p>
+            <a:r>
+              <a:rPr lang="en-US" dirty="0" smtClean="0"/>
+              <a:t>Shared Access</a:t>
+            </a:r>
+            <a:endParaRPr lang="en-US" dirty="0"/>
+          </a:p>
+        </p:txBody>
+      </p:sp>
+      <p:sp>
+        <p:nvSpPr>
+          <p:cNvPr id="3" name="Content Placeholder 2"/>
+          <p:cNvSpPr>
+            <a:spLocks noGrp="1"/>
+          </p:cNvSpPr>
+          <p:nvPr>
+            <p:ph idx="1"/>
+          </p:nvPr>
+        </p:nvSpPr>
+        <p:spPr/>
+        <p:txBody>
+          <a:bodyPr/>
+          <a:lstStyle/>
+          <a:p>
+            <a:r>
+              <a:rPr lang="en-US" dirty="0" smtClean="0"/>
+              <a:t>Driver Software</a:t>
+            </a:r>
+          </a:p>
+          <a:p>
+            <a:r>
+              <a:rPr lang="en-US" dirty="0" smtClean="0"/>
+              <a:t>Hardware</a:t>
+            </a:r>
+          </a:p>
+          <a:p>
+            <a:r>
+              <a:rPr lang="en-US" dirty="0" smtClean="0"/>
+              <a:t>Programmed I/O</a:t>
+            </a:r>
+          </a:p>
+          <a:p>
+            <a:r>
+              <a:rPr lang="en-US" dirty="0" smtClean="0"/>
+              <a:t>DMA</a:t>
+            </a:r>
+          </a:p>
+          <a:p>
+            <a:r>
+              <a:rPr lang="en-US" dirty="0" smtClean="0"/>
+              <a:t>Rendezvous Points</a:t>
+            </a:r>
+          </a:p>
+        </p:txBody>
+      </p:sp>
+      <p:sp>
+        <p:nvSpPr>
+          <p:cNvPr id="4" name="Date Placeholder 3"/>
+          <p:cNvSpPr>
+            <a:spLocks noGrp="1"/>
+          </p:cNvSpPr>
+          <p:nvPr>
+            <p:ph type="dt" sz="half" idx="10"/>
+          </p:nvPr>
+        </p:nvSpPr>
+        <p:spPr/>
+        <p:txBody>
+          <a:bodyPr/>
+          <a:lstStyle/>
+          <a:p>
+            <a:fld id="{BC4AE5AA-C6FF-5A4F-9D02-E3454F0B3602}" type="datetime1">
+              <a:rPr lang="en-US" smtClean="0"/>
+              <a:t>2/28/17</a:t>
+            </a:fld>
+            <a:endParaRPr lang="en-US"/>
+          </a:p>
+        </p:txBody>
+      </p:sp>
+      <p:sp>
+        <p:nvSpPr>
+          <p:cNvPr id="5" name="Footer Placeholder 4"/>
+          <p:cNvSpPr>
+            <a:spLocks noGrp="1"/>
+          </p:cNvSpPr>
+          <p:nvPr>
+            <p:ph type="ftr" sz="quarter" idx="11"/>
+          </p:nvPr>
+        </p:nvSpPr>
+        <p:spPr/>
+        <p:txBody>
+          <a:bodyPr/>
+          <a:lstStyle/>
+          <a:p>
+            <a:r>
+              <a:rPr lang="en-US" smtClean="0"/>
+              <a:t>Developing Products with FreeBSD</a:t>
+            </a:r>
+            <a:endParaRPr lang="en-US" dirty="0"/>
+          </a:p>
+        </p:txBody>
+      </p:sp>
+      <p:sp>
+        <p:nvSpPr>
+          <p:cNvPr id="6" name="Slide Number Placeholder 5"/>
+          <p:cNvSpPr>
+            <a:spLocks noGrp="1"/>
+          </p:cNvSpPr>
+          <p:nvPr>
+            <p:ph type="sldNum" sz="quarter" idx="12"/>
+          </p:nvPr>
+        </p:nvSpPr>
+        <p:spPr/>
+        <p:txBody>
+          <a:bodyPr/>
+          <a:lstStyle/>
+          <a:p>
+            <a:fld id="{699C44C4-0FAD-8046-A5C4-05AB318FA424}" type="slidenum">
+              <a:rPr lang="en-US" smtClean="0"/>
+              <a:t>6</a:t>
+            </a:fld>
+            <a:endParaRPr lang="en-US"/>
+          </a:p>
+        </p:txBody>
+      </p:sp>
+    </p:spTree>
+    <p:extLst>
+      <p:ext uri="{BB962C8B-B14F-4D97-AF65-F5344CB8AC3E}">
+        <p14:creationId xmlns:p14="http://schemas.microsoft.com/office/powerpoint/2010/main" val="1761040650"/>
+      </p:ext>
+    </p:extLst>
+  </p:cSld>
+  <p:clrMapOvr>
+    <a:masterClrMapping/>
+  </p:clrMapOvr>
+  <p:timing>
+    <p:tnLst>
+      <p:par>
+        <p:cTn id="1" dur="indefinite" restart="never" nodeType="tmRoot"/>
+      </p:par>
+    </p:tnLst>
+  </p:timing>
+</p:sld>
+</file>
+
+<file path=ppt/slides/slide7.xml><?xml version="1.0" encoding="utf-8"?>
+<p:sld xmlns:a="http://schemas.openxmlformats.org/drawingml/2006/main" xmlns:r="http://schemas.openxmlformats.org/officeDocument/2006/relationships" xmlns:p="http://schemas.openxmlformats.org/presentationml/2006/main">
+  <p:cSld>
+    <p:spTree>
+      <p:nvGrpSpPr>
+        <p:cNvPr id="1" name=""/>
+        <p:cNvGrpSpPr/>
+        <p:nvPr/>
+      </p:nvGrpSpPr>
+      <p:grpSpPr>
+        <a:xfrm>
+          <a:off x="0" y="0"/>
+          <a:ext cx="0" cy="0"/>
+          <a:chOff x="0" y="0"/>
+          <a:chExt cx="0" cy="0"/>
+        </a:xfrm>
+      </p:grpSpPr>
+      <p:sp>
+        <p:nvSpPr>
+          <p:cNvPr id="2" name="Title 1"/>
+          <p:cNvSpPr>
+            <a:spLocks noGrp="1"/>
+          </p:cNvSpPr>
+          <p:nvPr>
+            <p:ph type="title"/>
+          </p:nvPr>
+        </p:nvSpPr>
+        <p:spPr/>
+        <p:txBody>
+          <a:bodyPr/>
+          <a:lstStyle/>
+          <a:p>
+            <a:r>
+              <a:rPr lang="en-US" dirty="0" smtClean="0"/>
               <a:t>A Very Simple Driver</a:t>
             </a:r>
             <a:endParaRPr lang="en-US" dirty="0"/>
@@ -9690,7 +12916,7 @@
           <a:p>
             <a:fld id="{9FC8F57C-E466-5D4A-8BA1-0F2DC96E6599}" type="datetime1">
               <a:rPr lang="en-US" smtClean="0"/>
-              <a:t>2/4/17</a:t>
+              <a:t>2/28/17</a:t>
             </a:fld>
             <a:endParaRPr lang="en-US"/>
           </a:p>
@@ -9736,7 +12962,7 @@
           <a:p>
             <a:fld id="{699C44C4-0FAD-8046-A5C4-05AB318FA424}" type="slidenum">
               <a:rPr lang="en-US" smtClean="0"/>
-              <a:t>5</a:t>
+              <a:t>7</a:t>
             </a:fld>
             <a:endParaRPr lang="en-US"/>
           </a:p>
@@ -10120,7 +13346,7 @@
 </p:sld>
 </file>
 
-<file path=ppt/slides/slide6.xml><?xml version="1.0" encoding="utf-8"?>
+<file path=ppt/slides/slide8.xml><?xml version="1.0" encoding="utf-8"?>
 <p:sld xmlns:a="http://schemas.openxmlformats.org/drawingml/2006/main" xmlns:r="http://schemas.openxmlformats.org/officeDocument/2006/relationships" xmlns:p="http://schemas.openxmlformats.org/presentationml/2006/main">
   <p:cSld>
     <p:spTree>
@@ -10177,8 +13403,39 @@
           <a:p>
             <a:r>
               <a:rPr lang="en-US" dirty="0" smtClean="0"/>
-              <a:t>Synchronous call to the hardware</a:t>
-            </a:r>
+              <a:t>Synchronous call to the </a:t>
+            </a:r>
+            <a:r>
+              <a:rPr lang="en-US" dirty="0" smtClean="0"/>
+              <a:t>hardware</a:t>
+            </a:r>
+          </a:p>
+          <a:p>
+            <a:r>
+              <a:rPr lang="en-US" dirty="0" smtClean="0"/>
+              <a:t>Any data is returned in the call</a:t>
+            </a:r>
+          </a:p>
+          <a:p>
+            <a:r>
+              <a:rPr lang="en-US" dirty="0" smtClean="0"/>
+              <a:t>Expensive for the CPU</a:t>
+            </a:r>
+          </a:p>
+          <a:p>
+            <a:r>
+              <a:rPr lang="en-US" dirty="0" smtClean="0"/>
+              <a:t>Have lower latency</a:t>
+            </a:r>
+          </a:p>
+          <a:p>
+            <a:r>
+              <a:rPr lang="en-US" dirty="0" smtClean="0"/>
+              <a:t>Useful for high bandwidth systems</a:t>
+            </a:r>
+          </a:p>
+          <a:p>
+            <a:endParaRPr lang="en-US" dirty="0" smtClean="0"/>
           </a:p>
           <a:p>
             <a:endParaRPr lang="en-US" dirty="0"/>
@@ -10202,7 +13459,7 @@
           <a:p>
             <a:fld id="{9FC8F57C-E466-5D4A-8BA1-0F2DC96E6599}" type="datetime1">
               <a:rPr lang="en-US" smtClean="0"/>
-              <a:t>2/4/17</a:t>
+              <a:t>2/28/17</a:t>
             </a:fld>
             <a:endParaRPr lang="en-US"/>
           </a:p>
@@ -10248,7 +13505,7 @@
           <a:p>
             <a:fld id="{699C44C4-0FAD-8046-A5C4-05AB318FA424}" type="slidenum">
               <a:rPr lang="en-US" smtClean="0"/>
-              <a:t>6</a:t>
+              <a:t>8</a:t>
             </a:fld>
             <a:endParaRPr lang="en-US"/>
           </a:p>
@@ -10267,14 +13524,285 @@
   <p:timing>
     <p:tnLst>
       <p:par>
-        <p:cTn id="1" dur="indefinite" restart="never" nodeType="tmRoot"/>
+        <p:cTn id="1" dur="indefinite" restart="never" nodeType="tmRoot">
+          <p:childTnLst>
+            <p:seq concurrent="1" nextAc="seek">
+              <p:cTn id="2" dur="indefinite" nodeType="mainSeq">
+                <p:childTnLst>
+                  <p:par>
+                    <p:cTn id="3" fill="hold">
+                      <p:stCondLst>
+                        <p:cond delay="indefinite"/>
+                      </p:stCondLst>
+                      <p:childTnLst>
+                        <p:par>
+                          <p:cTn id="4" fill="hold">
+                            <p:stCondLst>
+                              <p:cond delay="0"/>
+                            </p:stCondLst>
+                            <p:childTnLst>
+                              <p:par>
+                                <p:cTn id="5" presetID="1" presetClass="entr" presetSubtype="0" fill="hold" grpId="0" nodeType="clickEffect">
+                                  <p:stCondLst>
+                                    <p:cond delay="0"/>
+                                  </p:stCondLst>
+                                  <p:childTnLst>
+                                    <p:set>
+                                      <p:cBhvr>
+                                        <p:cTn id="6" dur="1" fill="hold">
+                                          <p:stCondLst>
+                                            <p:cond delay="0"/>
+                                          </p:stCondLst>
+                                        </p:cTn>
+                                        <p:tgtEl>
+                                          <p:spTgt spid="6">
+                                            <p:txEl>
+                                              <p:pRg st="0" end="0"/>
+                                            </p:txEl>
+                                          </p:spTgt>
+                                        </p:tgtEl>
+                                        <p:attrNameLst>
+                                          <p:attrName>style.visibility</p:attrName>
+                                        </p:attrNameLst>
+                                      </p:cBhvr>
+                                      <p:to>
+                                        <p:strVal val="visible"/>
+                                      </p:to>
+                                    </p:set>
+                                  </p:childTnLst>
+                                </p:cTn>
+                              </p:par>
+                            </p:childTnLst>
+                          </p:cTn>
+                        </p:par>
+                      </p:childTnLst>
+                    </p:cTn>
+                  </p:par>
+                  <p:par>
+                    <p:cTn id="7" fill="hold">
+                      <p:stCondLst>
+                        <p:cond delay="indefinite"/>
+                      </p:stCondLst>
+                      <p:childTnLst>
+                        <p:par>
+                          <p:cTn id="8" fill="hold">
+                            <p:stCondLst>
+                              <p:cond delay="0"/>
+                            </p:stCondLst>
+                            <p:childTnLst>
+                              <p:par>
+                                <p:cTn id="9" presetID="1" presetClass="entr" presetSubtype="0" fill="hold" grpId="0" nodeType="clickEffect">
+                                  <p:stCondLst>
+                                    <p:cond delay="0"/>
+                                  </p:stCondLst>
+                                  <p:childTnLst>
+                                    <p:set>
+                                      <p:cBhvr>
+                                        <p:cTn id="10" dur="1" fill="hold">
+                                          <p:stCondLst>
+                                            <p:cond delay="0"/>
+                                          </p:stCondLst>
+                                        </p:cTn>
+                                        <p:tgtEl>
+                                          <p:spTgt spid="6">
+                                            <p:txEl>
+                                              <p:pRg st="1" end="1"/>
+                                            </p:txEl>
+                                          </p:spTgt>
+                                        </p:tgtEl>
+                                        <p:attrNameLst>
+                                          <p:attrName>style.visibility</p:attrName>
+                                        </p:attrNameLst>
+                                      </p:cBhvr>
+                                      <p:to>
+                                        <p:strVal val="visible"/>
+                                      </p:to>
+                                    </p:set>
+                                  </p:childTnLst>
+                                </p:cTn>
+                              </p:par>
+                            </p:childTnLst>
+                          </p:cTn>
+                        </p:par>
+                      </p:childTnLst>
+                    </p:cTn>
+                  </p:par>
+                  <p:par>
+                    <p:cTn id="11" fill="hold">
+                      <p:stCondLst>
+                        <p:cond delay="indefinite"/>
+                      </p:stCondLst>
+                      <p:childTnLst>
+                        <p:par>
+                          <p:cTn id="12" fill="hold">
+                            <p:stCondLst>
+                              <p:cond delay="0"/>
+                            </p:stCondLst>
+                            <p:childTnLst>
+                              <p:par>
+                                <p:cTn id="13" presetID="1" presetClass="entr" presetSubtype="0" fill="hold" grpId="0" nodeType="clickEffect">
+                                  <p:stCondLst>
+                                    <p:cond delay="0"/>
+                                  </p:stCondLst>
+                                  <p:childTnLst>
+                                    <p:set>
+                                      <p:cBhvr>
+                                        <p:cTn id="14" dur="1" fill="hold">
+                                          <p:stCondLst>
+                                            <p:cond delay="0"/>
+                                          </p:stCondLst>
+                                        </p:cTn>
+                                        <p:tgtEl>
+                                          <p:spTgt spid="6">
+                                            <p:txEl>
+                                              <p:pRg st="2" end="2"/>
+                                            </p:txEl>
+                                          </p:spTgt>
+                                        </p:tgtEl>
+                                        <p:attrNameLst>
+                                          <p:attrName>style.visibility</p:attrName>
+                                        </p:attrNameLst>
+                                      </p:cBhvr>
+                                      <p:to>
+                                        <p:strVal val="visible"/>
+                                      </p:to>
+                                    </p:set>
+                                  </p:childTnLst>
+                                </p:cTn>
+                              </p:par>
+                            </p:childTnLst>
+                          </p:cTn>
+                        </p:par>
+                      </p:childTnLst>
+                    </p:cTn>
+                  </p:par>
+                  <p:par>
+                    <p:cTn id="15" fill="hold">
+                      <p:stCondLst>
+                        <p:cond delay="indefinite"/>
+                      </p:stCondLst>
+                      <p:childTnLst>
+                        <p:par>
+                          <p:cTn id="16" fill="hold">
+                            <p:stCondLst>
+                              <p:cond delay="0"/>
+                            </p:stCondLst>
+                            <p:childTnLst>
+                              <p:par>
+                                <p:cTn id="17" presetID="1" presetClass="entr" presetSubtype="0" fill="hold" grpId="0" nodeType="clickEffect">
+                                  <p:stCondLst>
+                                    <p:cond delay="0"/>
+                                  </p:stCondLst>
+                                  <p:childTnLst>
+                                    <p:set>
+                                      <p:cBhvr>
+                                        <p:cTn id="18" dur="1" fill="hold">
+                                          <p:stCondLst>
+                                            <p:cond delay="0"/>
+                                          </p:stCondLst>
+                                        </p:cTn>
+                                        <p:tgtEl>
+                                          <p:spTgt spid="6">
+                                            <p:txEl>
+                                              <p:pRg st="3" end="3"/>
+                                            </p:txEl>
+                                          </p:spTgt>
+                                        </p:tgtEl>
+                                        <p:attrNameLst>
+                                          <p:attrName>style.visibility</p:attrName>
+                                        </p:attrNameLst>
+                                      </p:cBhvr>
+                                      <p:to>
+                                        <p:strVal val="visible"/>
+                                      </p:to>
+                                    </p:set>
+                                  </p:childTnLst>
+                                </p:cTn>
+                              </p:par>
+                            </p:childTnLst>
+                          </p:cTn>
+                        </p:par>
+                      </p:childTnLst>
+                    </p:cTn>
+                  </p:par>
+                  <p:par>
+                    <p:cTn id="19" fill="hold">
+                      <p:stCondLst>
+                        <p:cond delay="indefinite"/>
+                      </p:stCondLst>
+                      <p:childTnLst>
+                        <p:par>
+                          <p:cTn id="20" fill="hold">
+                            <p:stCondLst>
+                              <p:cond delay="0"/>
+                            </p:stCondLst>
+                            <p:childTnLst>
+                              <p:par>
+                                <p:cTn id="21" presetID="1" presetClass="entr" presetSubtype="0" fill="hold" grpId="0" nodeType="clickEffect">
+                                  <p:stCondLst>
+                                    <p:cond delay="0"/>
+                                  </p:stCondLst>
+                                  <p:childTnLst>
+                                    <p:set>
+                                      <p:cBhvr>
+                                        <p:cTn id="22" dur="1" fill="hold">
+                                          <p:stCondLst>
+                                            <p:cond delay="0"/>
+                                          </p:stCondLst>
+                                        </p:cTn>
+                                        <p:tgtEl>
+                                          <p:spTgt spid="6">
+                                            <p:txEl>
+                                              <p:pRg st="4" end="4"/>
+                                            </p:txEl>
+                                          </p:spTgt>
+                                        </p:tgtEl>
+                                        <p:attrNameLst>
+                                          <p:attrName>style.visibility</p:attrName>
+                                        </p:attrNameLst>
+                                      </p:cBhvr>
+                                      <p:to>
+                                        <p:strVal val="visible"/>
+                                      </p:to>
+                                    </p:set>
+                                  </p:childTnLst>
+                                </p:cTn>
+                              </p:par>
+                            </p:childTnLst>
+                          </p:cTn>
+                        </p:par>
+                      </p:childTnLst>
+                    </p:cTn>
+                  </p:par>
+                </p:childTnLst>
+              </p:cTn>
+              <p:prevCondLst>
+                <p:cond evt="onPrev" delay="0">
+                  <p:tgtEl>
+                    <p:sldTgt/>
+                  </p:tgtEl>
+                </p:cond>
+              </p:prevCondLst>
+              <p:nextCondLst>
+                <p:cond evt="onNext" delay="0">
+                  <p:tgtEl>
+                    <p:sldTgt/>
+                  </p:tgtEl>
+                </p:cond>
+              </p:nextCondLst>
+            </p:seq>
+          </p:childTnLst>
+        </p:cTn>
       </p:par>
     </p:tnLst>
+    <p:bldLst>
+      <p:bldP spid="6" grpId="0" build="p"/>
+    </p:bldLst>
   </p:timing>
 </p:sld>
 </file>
 
-<file path=ppt/slides/slide7.xml><?xml version="1.0" encoding="utf-8"?>
+<file path=ppt/slides/slide9.xml><?xml version="1.0" encoding="utf-8"?>
 <p:sld xmlns:a="http://schemas.openxmlformats.org/drawingml/2006/main" xmlns:r="http://schemas.openxmlformats.org/officeDocument/2006/relationships" xmlns:p="http://schemas.openxmlformats.org/presentationml/2006/main">
   <p:cSld>
     <p:spTree>
@@ -10331,7 +13859,7 @@
           <a:p>
             <a:fld id="{9FC8F57C-E466-5D4A-8BA1-0F2DC96E6599}" type="datetime1">
               <a:rPr lang="en-US" smtClean="0"/>
-              <a:t>2/4/17</a:t>
+              <a:t>2/28/17</a:t>
             </a:fld>
             <a:endParaRPr lang="en-US"/>
           </a:p>
@@ -10377,7 +13905,7 @@
           <a:p>
             <a:fld id="{699C44C4-0FAD-8046-A5C4-05AB318FA424}" type="slidenum">
               <a:rPr lang="en-US" smtClean="0"/>
-              <a:t>7</a:t>
+              <a:t>9</a:t>
             </a:fld>
             <a:endParaRPr lang="en-US"/>
           </a:p>
@@ -11006,1725 +14534,6 @@
       <p:bldP spid="14" grpId="1"/>
       <p:bldP spid="17" grpId="0"/>
       <p:bldP spid="17" grpId="1"/>
-    </p:bldLst>
-  </p:timing>
-</p:sld>
-</file>
-
-<file path=ppt/slides/slide8.xml><?xml version="1.0" encoding="utf-8"?>
-<p:sld xmlns:a="http://schemas.openxmlformats.org/drawingml/2006/main" xmlns:r="http://schemas.openxmlformats.org/officeDocument/2006/relationships" xmlns:p="http://schemas.openxmlformats.org/presentationml/2006/main">
-  <p:cSld>
-    <p:spTree>
-      <p:nvGrpSpPr>
-        <p:cNvPr id="1" name=""/>
-        <p:cNvGrpSpPr/>
-        <p:nvPr/>
-      </p:nvGrpSpPr>
-      <p:grpSpPr>
-        <a:xfrm>
-          <a:off x="0" y="0"/>
-          <a:ext cx="0" cy="0"/>
-          <a:chOff x="0" y="0"/>
-          <a:chExt cx="0" cy="0"/>
-        </a:xfrm>
-      </p:grpSpPr>
-      <p:sp>
-        <p:nvSpPr>
-          <p:cNvPr id="2" name="Title 1"/>
-          <p:cNvSpPr>
-            <a:spLocks noGrp="1"/>
-          </p:cNvSpPr>
-          <p:nvPr>
-            <p:ph type="title"/>
-          </p:nvPr>
-        </p:nvSpPr>
-        <p:spPr/>
-        <p:txBody>
-          <a:bodyPr/>
-          <a:lstStyle/>
-          <a:p>
-            <a:r>
-              <a:rPr lang="en-US" dirty="0" smtClean="0"/>
-              <a:t>Interrupting the Kernel</a:t>
-            </a:r>
-            <a:endParaRPr lang="en-US" dirty="0"/>
-          </a:p>
-        </p:txBody>
-      </p:sp>
-      <p:sp>
-        <p:nvSpPr>
-          <p:cNvPr id="7" name="Content Placeholder 6"/>
-          <p:cNvSpPr>
-            <a:spLocks noGrp="1"/>
-          </p:cNvSpPr>
-          <p:nvPr>
-            <p:ph idx="1"/>
-          </p:nvPr>
-        </p:nvSpPr>
-        <p:spPr/>
-        <p:txBody>
-          <a:bodyPr/>
-          <a:lstStyle/>
-          <a:p>
-            <a:pPr marL="0" marR="0" lvl="0" indent="0" defTabSz="914400" eaLnBrk="1" fontAlgn="auto" latinLnBrk="0" hangingPunct="1">
-              <a:lnSpc>
-                <a:spcPct val="100000"/>
-              </a:lnSpc>
-              <a:spcBef>
-                <a:spcPts val="0"/>
-              </a:spcBef>
-              <a:spcAft>
-                <a:spcPts val="0"/>
-              </a:spcAft>
-              <a:buClrTx/>
-              <a:buSzTx/>
-              <a:buFontTx/>
-              <a:buNone/>
-              <a:tabLst/>
-              <a:defRPr/>
-            </a:pPr>
-            <a:r>
-              <a:rPr lang="en-US" dirty="0" smtClean="0"/>
-              <a:t>Significant source of asynchrony</a:t>
-            </a:r>
-          </a:p>
-          <a:p>
-            <a:pPr marL="0" marR="0" lvl="0" indent="0" defTabSz="914400" eaLnBrk="1" fontAlgn="auto" latinLnBrk="0" hangingPunct="1">
-              <a:lnSpc>
-                <a:spcPct val="100000"/>
-              </a:lnSpc>
-              <a:spcBef>
-                <a:spcPts val="0"/>
-              </a:spcBef>
-              <a:spcAft>
-                <a:spcPts val="0"/>
-              </a:spcAft>
-              <a:buClrTx/>
-              <a:buSzTx/>
-              <a:buFontTx/>
-              <a:buNone/>
-              <a:tabLst/>
-              <a:defRPr/>
-            </a:pPr>
-            <a:r>
-              <a:rPr lang="en-US" dirty="0" smtClean="0"/>
-              <a:t>Get this wrong and the game is over</a:t>
-            </a:r>
-          </a:p>
-          <a:p>
-            <a:pPr marL="0" marR="0" lvl="0" indent="0" defTabSz="914400" eaLnBrk="1" fontAlgn="auto" latinLnBrk="0" hangingPunct="1">
-              <a:lnSpc>
-                <a:spcPct val="100000"/>
-              </a:lnSpc>
-              <a:spcBef>
-                <a:spcPts val="0"/>
-              </a:spcBef>
-              <a:spcAft>
-                <a:spcPts val="0"/>
-              </a:spcAft>
-              <a:buClrTx/>
-              <a:buSzTx/>
-              <a:buFontTx/>
-              <a:buNone/>
-              <a:tabLst/>
-              <a:defRPr/>
-            </a:pPr>
-            <a:r>
-              <a:rPr lang="en-US" dirty="0" smtClean="0"/>
-              <a:t>Latency and bandwidth</a:t>
-            </a:r>
-          </a:p>
-          <a:p>
-            <a:pPr marL="0" marR="0" lvl="0" indent="0" defTabSz="914400" eaLnBrk="1" fontAlgn="auto" latinLnBrk="0" hangingPunct="1">
-              <a:lnSpc>
-                <a:spcPct val="100000"/>
-              </a:lnSpc>
-              <a:spcBef>
-                <a:spcPts val="0"/>
-              </a:spcBef>
-              <a:spcAft>
-                <a:spcPts val="0"/>
-              </a:spcAft>
-              <a:buClrTx/>
-              <a:buSzTx/>
-              <a:buFontTx/>
-              <a:buNone/>
-              <a:tabLst/>
-              <a:defRPr/>
-            </a:pPr>
-            <a:endParaRPr lang="en-US" dirty="0"/>
-          </a:p>
-        </p:txBody>
-      </p:sp>
-      <p:sp>
-        <p:nvSpPr>
-          <p:cNvPr id="3" name="Date Placeholder 2"/>
-          <p:cNvSpPr>
-            <a:spLocks noGrp="1"/>
-          </p:cNvSpPr>
-          <p:nvPr>
-            <p:ph type="dt" sz="half" idx="10"/>
-          </p:nvPr>
-        </p:nvSpPr>
-        <p:spPr/>
-        <p:txBody>
-          <a:bodyPr/>
-          <a:lstStyle/>
-          <a:p>
-            <a:fld id="{9FC8F57C-E466-5D4A-8BA1-0F2DC96E6599}" type="datetime1">
-              <a:rPr lang="en-US" smtClean="0"/>
-              <a:t>2/4/17</a:t>
-            </a:fld>
-            <a:endParaRPr lang="en-US"/>
-          </a:p>
-        </p:txBody>
-      </p:sp>
-      <p:sp>
-        <p:nvSpPr>
-          <p:cNvPr id="4" name="Footer Placeholder 3"/>
-          <p:cNvSpPr>
-            <a:spLocks noGrp="1"/>
-          </p:cNvSpPr>
-          <p:nvPr>
-            <p:ph type="ftr" sz="quarter" idx="11"/>
-          </p:nvPr>
-        </p:nvSpPr>
-        <p:spPr/>
-        <p:txBody>
-          <a:bodyPr/>
-          <a:lstStyle/>
-          <a:p>
-            <a:r>
-              <a:rPr lang="en-US" smtClean="0"/>
-              <a:t>Developing Products with FreeBSD</a:t>
-            </a:r>
-            <a:endParaRPr lang="en-US"/>
-          </a:p>
-        </p:txBody>
-      </p:sp>
-      <p:sp>
-        <p:nvSpPr>
-          <p:cNvPr id="5" name="Slide Number Placeholder 4"/>
-          <p:cNvSpPr>
-            <a:spLocks noGrp="1"/>
-          </p:cNvSpPr>
-          <p:nvPr>
-            <p:ph type="sldNum" sz="quarter" idx="12"/>
-          </p:nvPr>
-        </p:nvSpPr>
-        <p:spPr/>
-        <p:txBody>
-          <a:bodyPr/>
-          <a:lstStyle/>
-          <a:p>
-            <a:fld id="{699C44C4-0FAD-8046-A5C4-05AB318FA424}" type="slidenum">
-              <a:rPr lang="en-US" smtClean="0"/>
-              <a:t>8</a:t>
-            </a:fld>
-            <a:endParaRPr lang="en-US"/>
-          </a:p>
-        </p:txBody>
-      </p:sp>
-    </p:spTree>
-    <p:extLst>
-      <p:ext uri="{BB962C8B-B14F-4D97-AF65-F5344CB8AC3E}">
-        <p14:creationId xmlns:p14="http://schemas.microsoft.com/office/powerpoint/2010/main" val="1266937562"/>
-      </p:ext>
-    </p:extLst>
-  </p:cSld>
-  <p:clrMapOvr>
-    <a:masterClrMapping/>
-  </p:clrMapOvr>
-  <p:timing>
-    <p:tnLst>
-      <p:par>
-        <p:cTn id="1" dur="indefinite" restart="never" nodeType="tmRoot"/>
-      </p:par>
-    </p:tnLst>
-  </p:timing>
-</p:sld>
-</file>
-
-<file path=ppt/slides/slide9.xml><?xml version="1.0" encoding="utf-8"?>
-<p:sld xmlns:a="http://schemas.openxmlformats.org/drawingml/2006/main" xmlns:r="http://schemas.openxmlformats.org/officeDocument/2006/relationships" xmlns:p="http://schemas.openxmlformats.org/presentationml/2006/main">
-  <p:cSld>
-    <p:spTree>
-      <p:nvGrpSpPr>
-        <p:cNvPr id="1" name=""/>
-        <p:cNvGrpSpPr/>
-        <p:nvPr/>
-      </p:nvGrpSpPr>
-      <p:grpSpPr>
-        <a:xfrm>
-          <a:off x="0" y="0"/>
-          <a:ext cx="0" cy="0"/>
-          <a:chOff x="0" y="0"/>
-          <a:chExt cx="0" cy="0"/>
-        </a:xfrm>
-      </p:grpSpPr>
-      <p:sp>
-        <p:nvSpPr>
-          <p:cNvPr id="2" name="Title 1"/>
-          <p:cNvSpPr>
-            <a:spLocks noGrp="1"/>
-          </p:cNvSpPr>
-          <p:nvPr>
-            <p:ph type="title"/>
-          </p:nvPr>
-        </p:nvSpPr>
-        <p:spPr/>
-        <p:txBody>
-          <a:bodyPr/>
-          <a:lstStyle/>
-          <a:p>
-            <a:r>
-              <a:rPr lang="en-US" dirty="0" smtClean="0"/>
-              <a:t>A Typical Device Driver</a:t>
-            </a:r>
-            <a:endParaRPr lang="en-US" dirty="0"/>
-          </a:p>
-        </p:txBody>
-      </p:sp>
-      <p:sp>
-        <p:nvSpPr>
-          <p:cNvPr id="3" name="Date Placeholder 2"/>
-          <p:cNvSpPr>
-            <a:spLocks noGrp="1"/>
-          </p:cNvSpPr>
-          <p:nvPr>
-            <p:ph type="dt" sz="half" idx="10"/>
-          </p:nvPr>
-        </p:nvSpPr>
-        <p:spPr/>
-        <p:txBody>
-          <a:bodyPr/>
-          <a:lstStyle/>
-          <a:p>
-            <a:fld id="{9FC8F57C-E466-5D4A-8BA1-0F2DC96E6599}" type="datetime1">
-              <a:rPr lang="en-US" smtClean="0"/>
-              <a:t>2/4/17</a:t>
-            </a:fld>
-            <a:endParaRPr lang="en-US"/>
-          </a:p>
-        </p:txBody>
-      </p:sp>
-      <p:sp>
-        <p:nvSpPr>
-          <p:cNvPr id="4" name="Footer Placeholder 3"/>
-          <p:cNvSpPr>
-            <a:spLocks noGrp="1"/>
-          </p:cNvSpPr>
-          <p:nvPr>
-            <p:ph type="ftr" sz="quarter" idx="11"/>
-          </p:nvPr>
-        </p:nvSpPr>
-        <p:spPr/>
-        <p:txBody>
-          <a:bodyPr/>
-          <a:lstStyle/>
-          <a:p>
-            <a:r>
-              <a:rPr lang="en-US" smtClean="0"/>
-              <a:t>Developing Products with FreeBSD</a:t>
-            </a:r>
-            <a:endParaRPr lang="en-US"/>
-          </a:p>
-        </p:txBody>
-      </p:sp>
-      <p:sp>
-        <p:nvSpPr>
-          <p:cNvPr id="5" name="Slide Number Placeholder 4"/>
-          <p:cNvSpPr>
-            <a:spLocks noGrp="1"/>
-          </p:cNvSpPr>
-          <p:nvPr>
-            <p:ph type="sldNum" sz="quarter" idx="12"/>
-          </p:nvPr>
-        </p:nvSpPr>
-        <p:spPr/>
-        <p:txBody>
-          <a:bodyPr/>
-          <a:lstStyle/>
-          <a:p>
-            <a:fld id="{699C44C4-0FAD-8046-A5C4-05AB318FA424}" type="slidenum">
-              <a:rPr lang="en-US" smtClean="0"/>
-              <a:t>9</a:t>
-            </a:fld>
-            <a:endParaRPr lang="en-US"/>
-          </a:p>
-        </p:txBody>
-      </p:sp>
-      <p:sp>
-        <p:nvSpPr>
-          <p:cNvPr id="6" name="Rectangle 5"/>
-          <p:cNvSpPr/>
-          <p:nvPr/>
-        </p:nvSpPr>
-        <p:spPr>
-          <a:xfrm>
-            <a:off x="4034871" y="4935523"/>
-            <a:ext cx="4125432" cy="547577"/>
-          </a:xfrm>
-          <a:prstGeom prst="rect">
-            <a:avLst/>
-          </a:prstGeom>
-        </p:spPr>
-        <p:style>
-          <a:lnRef idx="2">
-            <a:schemeClr val="accent1">
-              <a:shade val="50000"/>
-            </a:schemeClr>
-          </a:lnRef>
-          <a:fillRef idx="1">
-            <a:schemeClr val="accent1"/>
-          </a:fillRef>
-          <a:effectRef idx="0">
-            <a:schemeClr val="accent1"/>
-          </a:effectRef>
-          <a:fontRef idx="minor">
-            <a:schemeClr val="lt1"/>
-          </a:fontRef>
-        </p:style>
-        <p:txBody>
-          <a:bodyPr rtlCol="0" anchor="ctr"/>
-          <a:lstStyle/>
-          <a:p>
-            <a:pPr algn="ctr"/>
-            <a:r>
-              <a:rPr lang="en-US" dirty="0" smtClean="0"/>
-              <a:t>Hardware</a:t>
-            </a:r>
-            <a:endParaRPr lang="en-US" dirty="0"/>
-          </a:p>
-        </p:txBody>
-      </p:sp>
-      <p:sp>
-        <p:nvSpPr>
-          <p:cNvPr id="7" name="Rectangle 6"/>
-          <p:cNvSpPr/>
-          <p:nvPr/>
-        </p:nvSpPr>
-        <p:spPr>
-          <a:xfrm>
-            <a:off x="4034871" y="1949300"/>
-            <a:ext cx="4125432" cy="547577"/>
-          </a:xfrm>
-          <a:prstGeom prst="rect">
-            <a:avLst/>
-          </a:prstGeom>
-        </p:spPr>
-        <p:style>
-          <a:lnRef idx="2">
-            <a:schemeClr val="accent1">
-              <a:shade val="50000"/>
-            </a:schemeClr>
-          </a:lnRef>
-          <a:fillRef idx="1">
-            <a:schemeClr val="accent1"/>
-          </a:fillRef>
-          <a:effectRef idx="0">
-            <a:schemeClr val="accent1"/>
-          </a:effectRef>
-          <a:fontRef idx="minor">
-            <a:schemeClr val="lt1"/>
-          </a:fontRef>
-        </p:style>
-        <p:txBody>
-          <a:bodyPr rtlCol="0" anchor="ctr"/>
-          <a:lstStyle/>
-          <a:p>
-            <a:pPr algn="ctr"/>
-            <a:r>
-              <a:rPr lang="en-US" dirty="0" smtClean="0"/>
-              <a:t>Device Driver</a:t>
-            </a:r>
-            <a:endParaRPr lang="en-US" dirty="0"/>
-          </a:p>
-        </p:txBody>
-      </p:sp>
-      <p:cxnSp>
-        <p:nvCxnSpPr>
-          <p:cNvPr id="8" name="Straight Arrow Connector 7"/>
-          <p:cNvCxnSpPr>
-            <a:stCxn id="6" idx="0"/>
-            <a:endCxn id="14" idx="2"/>
-          </p:cNvCxnSpPr>
-          <p:nvPr/>
-        </p:nvCxnSpPr>
-        <p:spPr>
-          <a:xfrm flipV="1">
-            <a:off x="6097587" y="4046422"/>
-            <a:ext cx="0" cy="889101"/>
-          </a:xfrm>
-          <a:prstGeom prst="straightConnector1">
-            <a:avLst/>
-          </a:prstGeom>
-          <a:ln w="25400">
-            <a:tailEnd type="triangle"/>
-          </a:ln>
-        </p:spPr>
-        <p:style>
-          <a:lnRef idx="1">
-            <a:schemeClr val="accent1"/>
-          </a:lnRef>
-          <a:fillRef idx="0">
-            <a:schemeClr val="accent1"/>
-          </a:fillRef>
-          <a:effectRef idx="0">
-            <a:schemeClr val="accent1"/>
-          </a:effectRef>
-          <a:fontRef idx="minor">
-            <a:schemeClr val="tx1"/>
-          </a:fontRef>
-        </p:style>
-      </p:cxnSp>
-      <p:sp>
-        <p:nvSpPr>
-          <p:cNvPr id="9" name="TextBox 8"/>
-          <p:cNvSpPr txBox="1"/>
-          <p:nvPr/>
-        </p:nvSpPr>
-        <p:spPr>
-          <a:xfrm>
-            <a:off x="4034871" y="4120446"/>
-            <a:ext cx="1882888" cy="646331"/>
-          </a:xfrm>
-          <a:prstGeom prst="rect">
-            <a:avLst/>
-          </a:prstGeom>
-          <a:noFill/>
-        </p:spPr>
-        <p:txBody>
-          <a:bodyPr wrap="none" rtlCol="0">
-            <a:spAutoFit/>
-          </a:bodyPr>
-          <a:lstStyle/>
-          <a:p>
-            <a:r>
-              <a:rPr lang="en-US" dirty="0" smtClean="0"/>
-              <a:t>I’ve got something</a:t>
-            </a:r>
-          </a:p>
-          <a:p>
-            <a:r>
-              <a:rPr lang="en-US" dirty="0" smtClean="0"/>
-              <a:t>for you.</a:t>
-            </a:r>
-          </a:p>
-        </p:txBody>
-      </p:sp>
-      <p:cxnSp>
-        <p:nvCxnSpPr>
-          <p:cNvPr id="10" name="Straight Arrow Connector 9"/>
-          <p:cNvCxnSpPr>
-            <a:stCxn id="14" idx="0"/>
-            <a:endCxn id="7" idx="2"/>
-          </p:cNvCxnSpPr>
-          <p:nvPr/>
-        </p:nvCxnSpPr>
-        <p:spPr>
-          <a:xfrm flipV="1">
-            <a:off x="6097587" y="2496877"/>
-            <a:ext cx="0" cy="904625"/>
-          </a:xfrm>
-          <a:prstGeom prst="straightConnector1">
-            <a:avLst/>
-          </a:prstGeom>
-          <a:ln w="25400">
-            <a:headEnd type="triangle"/>
-            <a:tailEnd type="none"/>
-          </a:ln>
-        </p:spPr>
-        <p:style>
-          <a:lnRef idx="1">
-            <a:schemeClr val="accent1"/>
-          </a:lnRef>
-          <a:fillRef idx="0">
-            <a:schemeClr val="accent1"/>
-          </a:fillRef>
-          <a:effectRef idx="0">
-            <a:schemeClr val="accent1"/>
-          </a:effectRef>
-          <a:fontRef idx="minor">
-            <a:schemeClr val="tx1"/>
-          </a:fontRef>
-        </p:style>
-      </p:cxnSp>
-      <p:sp>
-        <p:nvSpPr>
-          <p:cNvPr id="11" name="TextBox 10"/>
-          <p:cNvSpPr txBox="1"/>
-          <p:nvPr/>
-        </p:nvSpPr>
-        <p:spPr>
-          <a:xfrm>
-            <a:off x="6348347" y="2728494"/>
-            <a:ext cx="1561197" cy="369332"/>
-          </a:xfrm>
-          <a:prstGeom prst="rect">
-            <a:avLst/>
-          </a:prstGeom>
-          <a:noFill/>
-        </p:spPr>
-        <p:txBody>
-          <a:bodyPr wrap="square" rtlCol="0">
-            <a:spAutoFit/>
-          </a:bodyPr>
-          <a:lstStyle/>
-          <a:p>
-            <a:r>
-              <a:rPr lang="en-US" dirty="0" smtClean="0"/>
-              <a:t>Acknowledged</a:t>
-            </a:r>
-          </a:p>
-        </p:txBody>
-      </p:sp>
-      <p:sp>
-        <p:nvSpPr>
-          <p:cNvPr id="14" name="Rounded Rectangle 13"/>
-          <p:cNvSpPr/>
-          <p:nvPr/>
-        </p:nvSpPr>
-        <p:spPr>
-          <a:xfrm>
-            <a:off x="4034871" y="3401502"/>
-            <a:ext cx="4125432" cy="644920"/>
-          </a:xfrm>
-          <a:prstGeom prst="roundRect">
-            <a:avLst/>
-          </a:prstGeom>
-          <a:solidFill>
-            <a:schemeClr val="bg2"/>
-          </a:solidFill>
-          <a:ln>
-            <a:solidFill>
-              <a:schemeClr val="bg2"/>
-            </a:solidFill>
-          </a:ln>
-        </p:spPr>
-        <p:style>
-          <a:lnRef idx="2">
-            <a:schemeClr val="accent1">
-              <a:shade val="50000"/>
-            </a:schemeClr>
-          </a:lnRef>
-          <a:fillRef idx="1">
-            <a:schemeClr val="accent1"/>
-          </a:fillRef>
-          <a:effectRef idx="0">
-            <a:schemeClr val="accent1"/>
-          </a:effectRef>
-          <a:fontRef idx="minor">
-            <a:schemeClr val="lt1"/>
-          </a:fontRef>
-        </p:style>
-        <p:txBody>
-          <a:bodyPr rtlCol="0" anchor="ctr"/>
-          <a:lstStyle/>
-          <a:p>
-            <a:pPr algn="ctr"/>
-            <a:r>
-              <a:rPr lang="en-US" dirty="0" smtClean="0"/>
-              <a:t>DMA Region</a:t>
-            </a:r>
-            <a:endParaRPr lang="en-US" dirty="0"/>
-          </a:p>
-        </p:txBody>
-      </p:sp>
-      <p:cxnSp>
-        <p:nvCxnSpPr>
-          <p:cNvPr id="18" name="Straight Arrow Connector 17"/>
-          <p:cNvCxnSpPr>
-            <a:stCxn id="14" idx="0"/>
-          </p:cNvCxnSpPr>
-          <p:nvPr/>
-        </p:nvCxnSpPr>
-        <p:spPr>
-          <a:xfrm flipH="1" flipV="1">
-            <a:off x="6097585" y="2512402"/>
-            <a:ext cx="2" cy="889100"/>
-          </a:xfrm>
-          <a:prstGeom prst="straightConnector1">
-            <a:avLst/>
-          </a:prstGeom>
-          <a:ln w="25400">
-            <a:tailEnd type="triangle"/>
-          </a:ln>
-        </p:spPr>
-        <p:style>
-          <a:lnRef idx="1">
-            <a:schemeClr val="accent1"/>
-          </a:lnRef>
-          <a:fillRef idx="0">
-            <a:schemeClr val="accent1"/>
-          </a:fillRef>
-          <a:effectRef idx="0">
-            <a:schemeClr val="accent1"/>
-          </a:effectRef>
-          <a:fontRef idx="minor">
-            <a:schemeClr val="tx1"/>
-          </a:fontRef>
-        </p:style>
-      </p:cxnSp>
-      <p:sp>
-        <p:nvSpPr>
-          <p:cNvPr id="19" name="TextBox 18"/>
-          <p:cNvSpPr txBox="1"/>
-          <p:nvPr/>
-        </p:nvSpPr>
-        <p:spPr>
-          <a:xfrm>
-            <a:off x="4034869" y="2586425"/>
-            <a:ext cx="1882888" cy="646331"/>
-          </a:xfrm>
-          <a:prstGeom prst="rect">
-            <a:avLst/>
-          </a:prstGeom>
-          <a:noFill/>
-        </p:spPr>
-        <p:txBody>
-          <a:bodyPr wrap="none" rtlCol="0">
-            <a:spAutoFit/>
-          </a:bodyPr>
-          <a:lstStyle/>
-          <a:p>
-            <a:r>
-              <a:rPr lang="en-US" dirty="0" smtClean="0"/>
-              <a:t>I’ve got something</a:t>
-            </a:r>
-          </a:p>
-          <a:p>
-            <a:r>
-              <a:rPr lang="en-US" dirty="0" smtClean="0"/>
-              <a:t>for you.</a:t>
-            </a:r>
-          </a:p>
-        </p:txBody>
-      </p:sp>
-      <p:sp>
-        <p:nvSpPr>
-          <p:cNvPr id="21" name="TextBox 20"/>
-          <p:cNvSpPr txBox="1"/>
-          <p:nvPr/>
-        </p:nvSpPr>
-        <p:spPr>
-          <a:xfrm>
-            <a:off x="6348347" y="4293665"/>
-            <a:ext cx="1561197" cy="369332"/>
-          </a:xfrm>
-          <a:prstGeom prst="rect">
-            <a:avLst/>
-          </a:prstGeom>
-          <a:noFill/>
-        </p:spPr>
-        <p:txBody>
-          <a:bodyPr wrap="square" rtlCol="0">
-            <a:spAutoFit/>
-          </a:bodyPr>
-          <a:lstStyle/>
-          <a:p>
-            <a:r>
-              <a:rPr lang="en-US" dirty="0" smtClean="0"/>
-              <a:t>Acknowledged</a:t>
-            </a:r>
-          </a:p>
-        </p:txBody>
-      </p:sp>
-      <p:cxnSp>
-        <p:nvCxnSpPr>
-          <p:cNvPr id="22" name="Straight Arrow Connector 21"/>
-          <p:cNvCxnSpPr>
-            <a:stCxn id="6" idx="0"/>
-          </p:cNvCxnSpPr>
-          <p:nvPr/>
-        </p:nvCxnSpPr>
-        <p:spPr>
-          <a:xfrm flipH="1" flipV="1">
-            <a:off x="6097585" y="4046423"/>
-            <a:ext cx="2" cy="889100"/>
-          </a:xfrm>
-          <a:prstGeom prst="straightConnector1">
-            <a:avLst/>
-          </a:prstGeom>
-          <a:ln w="25400">
-            <a:tailEnd type="triangle"/>
-          </a:ln>
-        </p:spPr>
-        <p:style>
-          <a:lnRef idx="1">
-            <a:schemeClr val="accent1"/>
-          </a:lnRef>
-          <a:fillRef idx="0">
-            <a:schemeClr val="accent1"/>
-          </a:fillRef>
-          <a:effectRef idx="0">
-            <a:schemeClr val="accent1"/>
-          </a:effectRef>
-          <a:fontRef idx="minor">
-            <a:schemeClr val="tx1"/>
-          </a:fontRef>
-        </p:style>
-      </p:cxnSp>
-    </p:spTree>
-    <p:extLst>
-      <p:ext uri="{BB962C8B-B14F-4D97-AF65-F5344CB8AC3E}">
-        <p14:creationId xmlns:p14="http://schemas.microsoft.com/office/powerpoint/2010/main" val="485960466"/>
-      </p:ext>
-    </p:extLst>
-  </p:cSld>
-  <p:clrMapOvr>
-    <a:masterClrMapping/>
-  </p:clrMapOvr>
-  <p:timing>
-    <p:tnLst>
-      <p:par>
-        <p:cTn id="1" dur="indefinite" restart="never" nodeType="tmRoot">
-          <p:childTnLst>
-            <p:seq concurrent="1" nextAc="seek">
-              <p:cTn id="2" dur="indefinite" nodeType="mainSeq">
-                <p:childTnLst>
-                  <p:par>
-                    <p:cTn id="3" fill="hold">
-                      <p:stCondLst>
-                        <p:cond delay="indefinite"/>
-                      </p:stCondLst>
-                      <p:childTnLst>
-                        <p:par>
-                          <p:cTn id="4" fill="hold">
-                            <p:stCondLst>
-                              <p:cond delay="0"/>
-                            </p:stCondLst>
-                            <p:childTnLst>
-                              <p:par>
-                                <p:cTn id="5" presetID="1" presetClass="entr" presetSubtype="0" fill="hold" grpId="0" nodeType="clickEffect">
-                                  <p:stCondLst>
-                                    <p:cond delay="0"/>
-                                  </p:stCondLst>
-                                  <p:childTnLst>
-                                    <p:set>
-                                      <p:cBhvr>
-                                        <p:cTn id="6" dur="1" fill="hold">
-                                          <p:stCondLst>
-                                            <p:cond delay="0"/>
-                                          </p:stCondLst>
-                                        </p:cTn>
-                                        <p:tgtEl>
-                                          <p:spTgt spid="14"/>
-                                        </p:tgtEl>
-                                        <p:attrNameLst>
-                                          <p:attrName>style.visibility</p:attrName>
-                                        </p:attrNameLst>
-                                      </p:cBhvr>
-                                      <p:to>
-                                        <p:strVal val="visible"/>
-                                      </p:to>
-                                    </p:set>
-                                  </p:childTnLst>
-                                </p:cTn>
-                              </p:par>
-                            </p:childTnLst>
-                          </p:cTn>
-                        </p:par>
-                      </p:childTnLst>
-                    </p:cTn>
-                  </p:par>
-                  <p:par>
-                    <p:cTn id="7" fill="hold">
-                      <p:stCondLst>
-                        <p:cond delay="indefinite"/>
-                      </p:stCondLst>
-                      <p:childTnLst>
-                        <p:par>
-                          <p:cTn id="8" fill="hold">
-                            <p:stCondLst>
-                              <p:cond delay="0"/>
-                            </p:stCondLst>
-                            <p:childTnLst>
-                              <p:par>
-                                <p:cTn id="9" presetID="1" presetClass="entr" presetSubtype="0" fill="hold" nodeType="clickEffect">
-                                  <p:stCondLst>
-                                    <p:cond delay="0"/>
-                                  </p:stCondLst>
-                                  <p:childTnLst>
-                                    <p:set>
-                                      <p:cBhvr>
-                                        <p:cTn id="10" dur="1" fill="hold">
-                                          <p:stCondLst>
-                                            <p:cond delay="0"/>
-                                          </p:stCondLst>
-                                        </p:cTn>
-                                        <p:tgtEl>
-                                          <p:spTgt spid="8"/>
-                                        </p:tgtEl>
-                                        <p:attrNameLst>
-                                          <p:attrName>style.visibility</p:attrName>
-                                        </p:attrNameLst>
-                                      </p:cBhvr>
-                                      <p:to>
-                                        <p:strVal val="visible"/>
-                                      </p:to>
-                                    </p:set>
-                                  </p:childTnLst>
-                                </p:cTn>
-                              </p:par>
-                            </p:childTnLst>
-                          </p:cTn>
-                        </p:par>
-                      </p:childTnLst>
-                    </p:cTn>
-                  </p:par>
-                  <p:par>
-                    <p:cTn id="11" fill="hold">
-                      <p:stCondLst>
-                        <p:cond delay="indefinite"/>
-                      </p:stCondLst>
-                      <p:childTnLst>
-                        <p:par>
-                          <p:cTn id="12" fill="hold">
-                            <p:stCondLst>
-                              <p:cond delay="0"/>
-                            </p:stCondLst>
-                            <p:childTnLst>
-                              <p:par>
-                                <p:cTn id="13" presetID="1" presetClass="entr" presetSubtype="0" fill="hold" grpId="1" nodeType="clickEffect">
-                                  <p:stCondLst>
-                                    <p:cond delay="0"/>
-                                  </p:stCondLst>
-                                  <p:childTnLst>
-                                    <p:set>
-                                      <p:cBhvr>
-                                        <p:cTn id="14" dur="1" fill="hold">
-                                          <p:stCondLst>
-                                            <p:cond delay="0"/>
-                                          </p:stCondLst>
-                                        </p:cTn>
-                                        <p:tgtEl>
-                                          <p:spTgt spid="9"/>
-                                        </p:tgtEl>
-                                        <p:attrNameLst>
-                                          <p:attrName>style.visibility</p:attrName>
-                                        </p:attrNameLst>
-                                      </p:cBhvr>
-                                      <p:to>
-                                        <p:strVal val="visible"/>
-                                      </p:to>
-                                    </p:set>
-                                  </p:childTnLst>
-                                </p:cTn>
-                              </p:par>
-                            </p:childTnLst>
-                          </p:cTn>
-                        </p:par>
-                      </p:childTnLst>
-                    </p:cTn>
-                  </p:par>
-                  <p:par>
-                    <p:cTn id="15" fill="hold">
-                      <p:stCondLst>
-                        <p:cond delay="indefinite"/>
-                      </p:stCondLst>
-                      <p:childTnLst>
-                        <p:par>
-                          <p:cTn id="16" fill="hold">
-                            <p:stCondLst>
-                              <p:cond delay="0"/>
-                            </p:stCondLst>
-                            <p:childTnLst>
-                              <p:par>
-                                <p:cTn id="17" presetID="1" presetClass="exit" presetSubtype="0" fill="hold" nodeType="clickEffect">
-                                  <p:stCondLst>
-                                    <p:cond delay="0"/>
-                                  </p:stCondLst>
-                                  <p:childTnLst>
-                                    <p:set>
-                                      <p:cBhvr>
-                                        <p:cTn id="18" dur="1" fill="hold">
-                                          <p:stCondLst>
-                                            <p:cond delay="0"/>
-                                          </p:stCondLst>
-                                        </p:cTn>
-                                        <p:tgtEl>
-                                          <p:spTgt spid="8"/>
-                                        </p:tgtEl>
-                                        <p:attrNameLst>
-                                          <p:attrName>style.visibility</p:attrName>
-                                        </p:attrNameLst>
-                                      </p:cBhvr>
-                                      <p:to>
-                                        <p:strVal val="hidden"/>
-                                      </p:to>
-                                    </p:set>
-                                  </p:childTnLst>
-                                </p:cTn>
-                              </p:par>
-                            </p:childTnLst>
-                          </p:cTn>
-                        </p:par>
-                      </p:childTnLst>
-                    </p:cTn>
-                  </p:par>
-                  <p:par>
-                    <p:cTn id="19" fill="hold">
-                      <p:stCondLst>
-                        <p:cond delay="indefinite"/>
-                      </p:stCondLst>
-                      <p:childTnLst>
-                        <p:par>
-                          <p:cTn id="20" fill="hold">
-                            <p:stCondLst>
-                              <p:cond delay="0"/>
-                            </p:stCondLst>
-                            <p:childTnLst>
-                              <p:par>
-                                <p:cTn id="21" presetID="1" presetClass="exit" presetSubtype="0" fill="hold" grpId="0" nodeType="clickEffect">
-                                  <p:stCondLst>
-                                    <p:cond delay="0"/>
-                                  </p:stCondLst>
-                                  <p:childTnLst>
-                                    <p:set>
-                                      <p:cBhvr>
-                                        <p:cTn id="22" dur="1" fill="hold">
-                                          <p:stCondLst>
-                                            <p:cond delay="0"/>
-                                          </p:stCondLst>
-                                        </p:cTn>
-                                        <p:tgtEl>
-                                          <p:spTgt spid="9"/>
-                                        </p:tgtEl>
-                                        <p:attrNameLst>
-                                          <p:attrName>style.visibility</p:attrName>
-                                        </p:attrNameLst>
-                                      </p:cBhvr>
-                                      <p:to>
-                                        <p:strVal val="hidden"/>
-                                      </p:to>
-                                    </p:set>
-                                  </p:childTnLst>
-                                </p:cTn>
-                              </p:par>
-                            </p:childTnLst>
-                          </p:cTn>
-                        </p:par>
-                      </p:childTnLst>
-                    </p:cTn>
-                  </p:par>
-                  <p:par>
-                    <p:cTn id="23" fill="hold">
-                      <p:stCondLst>
-                        <p:cond delay="indefinite"/>
-                      </p:stCondLst>
-                      <p:childTnLst>
-                        <p:par>
-                          <p:cTn id="24" fill="hold">
-                            <p:stCondLst>
-                              <p:cond delay="0"/>
-                            </p:stCondLst>
-                            <p:childTnLst>
-                              <p:par>
-                                <p:cTn id="25" presetID="1" presetClass="entr" presetSubtype="0" fill="hold" nodeType="clickEffect">
-                                  <p:stCondLst>
-                                    <p:cond delay="0"/>
-                                  </p:stCondLst>
-                                  <p:childTnLst>
-                                    <p:set>
-                                      <p:cBhvr>
-                                        <p:cTn id="26" dur="1" fill="hold">
-                                          <p:stCondLst>
-                                            <p:cond delay="0"/>
-                                          </p:stCondLst>
-                                        </p:cTn>
-                                        <p:tgtEl>
-                                          <p:spTgt spid="10"/>
-                                        </p:tgtEl>
-                                        <p:attrNameLst>
-                                          <p:attrName>style.visibility</p:attrName>
-                                        </p:attrNameLst>
-                                      </p:cBhvr>
-                                      <p:to>
-                                        <p:strVal val="visible"/>
-                                      </p:to>
-                                    </p:set>
-                                  </p:childTnLst>
-                                </p:cTn>
-                              </p:par>
-                            </p:childTnLst>
-                          </p:cTn>
-                        </p:par>
-                      </p:childTnLst>
-                    </p:cTn>
-                  </p:par>
-                  <p:par>
-                    <p:cTn id="27" fill="hold">
-                      <p:stCondLst>
-                        <p:cond delay="indefinite"/>
-                      </p:stCondLst>
-                      <p:childTnLst>
-                        <p:par>
-                          <p:cTn id="28" fill="hold">
-                            <p:stCondLst>
-                              <p:cond delay="0"/>
-                            </p:stCondLst>
-                            <p:childTnLst>
-                              <p:par>
-                                <p:cTn id="29" presetID="1" presetClass="entr" presetSubtype="0" fill="hold" grpId="1" nodeType="clickEffect">
-                                  <p:stCondLst>
-                                    <p:cond delay="0"/>
-                                  </p:stCondLst>
-                                  <p:childTnLst>
-                                    <p:set>
-                                      <p:cBhvr>
-                                        <p:cTn id="30" dur="1" fill="hold">
-                                          <p:stCondLst>
-                                            <p:cond delay="0"/>
-                                          </p:stCondLst>
-                                        </p:cTn>
-                                        <p:tgtEl>
-                                          <p:spTgt spid="11"/>
-                                        </p:tgtEl>
-                                        <p:attrNameLst>
-                                          <p:attrName>style.visibility</p:attrName>
-                                        </p:attrNameLst>
-                                      </p:cBhvr>
-                                      <p:to>
-                                        <p:strVal val="visible"/>
-                                      </p:to>
-                                    </p:set>
-                                  </p:childTnLst>
-                                </p:cTn>
-                              </p:par>
-                            </p:childTnLst>
-                          </p:cTn>
-                        </p:par>
-                      </p:childTnLst>
-                    </p:cTn>
-                  </p:par>
-                  <p:par>
-                    <p:cTn id="31" fill="hold">
-                      <p:stCondLst>
-                        <p:cond delay="indefinite"/>
-                      </p:stCondLst>
-                      <p:childTnLst>
-                        <p:par>
-                          <p:cTn id="32" fill="hold">
-                            <p:stCondLst>
-                              <p:cond delay="0"/>
-                            </p:stCondLst>
-                            <p:childTnLst>
-                              <p:par>
-                                <p:cTn id="33" presetID="1" presetClass="exit" presetSubtype="0" fill="hold" nodeType="clickEffect">
-                                  <p:stCondLst>
-                                    <p:cond delay="0"/>
-                                  </p:stCondLst>
-                                  <p:childTnLst>
-                                    <p:set>
-                                      <p:cBhvr>
-                                        <p:cTn id="34" dur="1" fill="hold">
-                                          <p:stCondLst>
-                                            <p:cond delay="0"/>
-                                          </p:stCondLst>
-                                        </p:cTn>
-                                        <p:tgtEl>
-                                          <p:spTgt spid="10"/>
-                                        </p:tgtEl>
-                                        <p:attrNameLst>
-                                          <p:attrName>style.visibility</p:attrName>
-                                        </p:attrNameLst>
-                                      </p:cBhvr>
-                                      <p:to>
-                                        <p:strVal val="hidden"/>
-                                      </p:to>
-                                    </p:set>
-                                  </p:childTnLst>
-                                </p:cTn>
-                              </p:par>
-                            </p:childTnLst>
-                          </p:cTn>
-                        </p:par>
-                      </p:childTnLst>
-                    </p:cTn>
-                  </p:par>
-                  <p:par>
-                    <p:cTn id="35" fill="hold">
-                      <p:stCondLst>
-                        <p:cond delay="indefinite"/>
-                      </p:stCondLst>
-                      <p:childTnLst>
-                        <p:par>
-                          <p:cTn id="36" fill="hold">
-                            <p:stCondLst>
-                              <p:cond delay="0"/>
-                            </p:stCondLst>
-                            <p:childTnLst>
-                              <p:par>
-                                <p:cTn id="37" presetID="1" presetClass="exit" presetSubtype="0" fill="hold" grpId="0" nodeType="clickEffect">
-                                  <p:stCondLst>
-                                    <p:cond delay="0"/>
-                                  </p:stCondLst>
-                                  <p:childTnLst>
-                                    <p:set>
-                                      <p:cBhvr>
-                                        <p:cTn id="38" dur="1" fill="hold">
-                                          <p:stCondLst>
-                                            <p:cond delay="0"/>
-                                          </p:stCondLst>
-                                        </p:cTn>
-                                        <p:tgtEl>
-                                          <p:spTgt spid="11"/>
-                                        </p:tgtEl>
-                                        <p:attrNameLst>
-                                          <p:attrName>style.visibility</p:attrName>
-                                        </p:attrNameLst>
-                                      </p:cBhvr>
-                                      <p:to>
-                                        <p:strVal val="hidden"/>
-                                      </p:to>
-                                    </p:set>
-                                  </p:childTnLst>
-                                </p:cTn>
-                              </p:par>
-                            </p:childTnLst>
-                          </p:cTn>
-                        </p:par>
-                      </p:childTnLst>
-                    </p:cTn>
-                  </p:par>
-                  <p:par>
-                    <p:cTn id="39" fill="hold">
-                      <p:stCondLst>
-                        <p:cond delay="indefinite"/>
-                      </p:stCondLst>
-                      <p:childTnLst>
-                        <p:par>
-                          <p:cTn id="40" fill="hold">
-                            <p:stCondLst>
-                              <p:cond delay="0"/>
-                            </p:stCondLst>
-                            <p:childTnLst>
-                              <p:par>
-                                <p:cTn id="41" presetID="1" presetClass="entr" presetSubtype="0" fill="hold" nodeType="clickEffect">
-                                  <p:stCondLst>
-                                    <p:cond delay="0"/>
-                                  </p:stCondLst>
-                                  <p:childTnLst>
-                                    <p:set>
-                                      <p:cBhvr>
-                                        <p:cTn id="42" dur="1" fill="hold">
-                                          <p:stCondLst>
-                                            <p:cond delay="0"/>
-                                          </p:stCondLst>
-                                        </p:cTn>
-                                        <p:tgtEl>
-                                          <p:spTgt spid="18"/>
-                                        </p:tgtEl>
-                                        <p:attrNameLst>
-                                          <p:attrName>style.visibility</p:attrName>
-                                        </p:attrNameLst>
-                                      </p:cBhvr>
-                                      <p:to>
-                                        <p:strVal val="visible"/>
-                                      </p:to>
-                                    </p:set>
-                                  </p:childTnLst>
-                                </p:cTn>
-                              </p:par>
-                            </p:childTnLst>
-                          </p:cTn>
-                        </p:par>
-                      </p:childTnLst>
-                    </p:cTn>
-                  </p:par>
-                  <p:par>
-                    <p:cTn id="43" fill="hold">
-                      <p:stCondLst>
-                        <p:cond delay="indefinite"/>
-                      </p:stCondLst>
-                      <p:childTnLst>
-                        <p:par>
-                          <p:cTn id="44" fill="hold">
-                            <p:stCondLst>
-                              <p:cond delay="0"/>
-                            </p:stCondLst>
-                            <p:childTnLst>
-                              <p:par>
-                                <p:cTn id="45" presetID="1" presetClass="entr" presetSubtype="0" fill="hold" grpId="1" nodeType="clickEffect">
-                                  <p:stCondLst>
-                                    <p:cond delay="0"/>
-                                  </p:stCondLst>
-                                  <p:childTnLst>
-                                    <p:set>
-                                      <p:cBhvr>
-                                        <p:cTn id="46" dur="1" fill="hold">
-                                          <p:stCondLst>
-                                            <p:cond delay="0"/>
-                                          </p:stCondLst>
-                                        </p:cTn>
-                                        <p:tgtEl>
-                                          <p:spTgt spid="19"/>
-                                        </p:tgtEl>
-                                        <p:attrNameLst>
-                                          <p:attrName>style.visibility</p:attrName>
-                                        </p:attrNameLst>
-                                      </p:cBhvr>
-                                      <p:to>
-                                        <p:strVal val="visible"/>
-                                      </p:to>
-                                    </p:set>
-                                  </p:childTnLst>
-                                </p:cTn>
-                              </p:par>
-                            </p:childTnLst>
-                          </p:cTn>
-                        </p:par>
-                      </p:childTnLst>
-                    </p:cTn>
-                  </p:par>
-                  <p:par>
-                    <p:cTn id="47" fill="hold">
-                      <p:stCondLst>
-                        <p:cond delay="indefinite"/>
-                      </p:stCondLst>
-                      <p:childTnLst>
-                        <p:par>
-                          <p:cTn id="48" fill="hold">
-                            <p:stCondLst>
-                              <p:cond delay="0"/>
-                            </p:stCondLst>
-                            <p:childTnLst>
-                              <p:par>
-                                <p:cTn id="49" presetID="1" presetClass="exit" presetSubtype="0" fill="hold" nodeType="clickEffect">
-                                  <p:stCondLst>
-                                    <p:cond delay="0"/>
-                                  </p:stCondLst>
-                                  <p:childTnLst>
-                                    <p:set>
-                                      <p:cBhvr>
-                                        <p:cTn id="50" dur="1" fill="hold">
-                                          <p:stCondLst>
-                                            <p:cond delay="0"/>
-                                          </p:stCondLst>
-                                        </p:cTn>
-                                        <p:tgtEl>
-                                          <p:spTgt spid="18"/>
-                                        </p:tgtEl>
-                                        <p:attrNameLst>
-                                          <p:attrName>style.visibility</p:attrName>
-                                        </p:attrNameLst>
-                                      </p:cBhvr>
-                                      <p:to>
-                                        <p:strVal val="hidden"/>
-                                      </p:to>
-                                    </p:set>
-                                  </p:childTnLst>
-                                </p:cTn>
-                              </p:par>
-                            </p:childTnLst>
-                          </p:cTn>
-                        </p:par>
-                      </p:childTnLst>
-                    </p:cTn>
-                  </p:par>
-                  <p:par>
-                    <p:cTn id="51" fill="hold">
-                      <p:stCondLst>
-                        <p:cond delay="indefinite"/>
-                      </p:stCondLst>
-                      <p:childTnLst>
-                        <p:par>
-                          <p:cTn id="52" fill="hold">
-                            <p:stCondLst>
-                              <p:cond delay="0"/>
-                            </p:stCondLst>
-                            <p:childTnLst>
-                              <p:par>
-                                <p:cTn id="53" presetID="1" presetClass="exit" presetSubtype="0" fill="hold" grpId="0" nodeType="clickEffect">
-                                  <p:stCondLst>
-                                    <p:cond delay="0"/>
-                                  </p:stCondLst>
-                                  <p:childTnLst>
-                                    <p:set>
-                                      <p:cBhvr>
-                                        <p:cTn id="54" dur="1" fill="hold">
-                                          <p:stCondLst>
-                                            <p:cond delay="0"/>
-                                          </p:stCondLst>
-                                        </p:cTn>
-                                        <p:tgtEl>
-                                          <p:spTgt spid="19"/>
-                                        </p:tgtEl>
-                                        <p:attrNameLst>
-                                          <p:attrName>style.visibility</p:attrName>
-                                        </p:attrNameLst>
-                                      </p:cBhvr>
-                                      <p:to>
-                                        <p:strVal val="hidden"/>
-                                      </p:to>
-                                    </p:set>
-                                  </p:childTnLst>
-                                </p:cTn>
-                              </p:par>
-                            </p:childTnLst>
-                          </p:cTn>
-                        </p:par>
-                      </p:childTnLst>
-                    </p:cTn>
-                  </p:par>
-                  <p:par>
-                    <p:cTn id="55" fill="hold">
-                      <p:stCondLst>
-                        <p:cond delay="indefinite"/>
-                      </p:stCondLst>
-                      <p:childTnLst>
-                        <p:par>
-                          <p:cTn id="56" fill="hold">
-                            <p:stCondLst>
-                              <p:cond delay="0"/>
-                            </p:stCondLst>
-                            <p:childTnLst>
-                              <p:par>
-                                <p:cTn id="57" presetID="1" presetClass="entr" presetSubtype="0" fill="hold" nodeType="clickEffect">
-                                  <p:stCondLst>
-                                    <p:cond delay="0"/>
-                                  </p:stCondLst>
-                                  <p:childTnLst>
-                                    <p:set>
-                                      <p:cBhvr>
-                                        <p:cTn id="58" dur="1" fill="hold">
-                                          <p:stCondLst>
-                                            <p:cond delay="0"/>
-                                          </p:stCondLst>
-                                        </p:cTn>
-                                        <p:tgtEl>
-                                          <p:spTgt spid="18"/>
-                                        </p:tgtEl>
-                                        <p:attrNameLst>
-                                          <p:attrName>style.visibility</p:attrName>
-                                        </p:attrNameLst>
-                                      </p:cBhvr>
-                                      <p:to>
-                                        <p:strVal val="visible"/>
-                                      </p:to>
-                                    </p:set>
-                                  </p:childTnLst>
-                                </p:cTn>
-                              </p:par>
-                              <p:par>
-                                <p:cTn id="59" presetID="1" presetClass="entr" presetSubtype="0" fill="hold" grpId="2" nodeType="withEffect">
-                                  <p:stCondLst>
-                                    <p:cond delay="0"/>
-                                  </p:stCondLst>
-                                  <p:childTnLst>
-                                    <p:set>
-                                      <p:cBhvr>
-                                        <p:cTn id="60" dur="1" fill="hold">
-                                          <p:stCondLst>
-                                            <p:cond delay="0"/>
-                                          </p:stCondLst>
-                                        </p:cTn>
-                                        <p:tgtEl>
-                                          <p:spTgt spid="19"/>
-                                        </p:tgtEl>
-                                        <p:attrNameLst>
-                                          <p:attrName>style.visibility</p:attrName>
-                                        </p:attrNameLst>
-                                      </p:cBhvr>
-                                      <p:to>
-                                        <p:strVal val="visible"/>
-                                      </p:to>
-                                    </p:set>
-                                  </p:childTnLst>
-                                </p:cTn>
-                              </p:par>
-                            </p:childTnLst>
-                          </p:cTn>
-                        </p:par>
-                      </p:childTnLst>
-                    </p:cTn>
-                  </p:par>
-                  <p:par>
-                    <p:cTn id="61" fill="hold">
-                      <p:stCondLst>
-                        <p:cond delay="indefinite"/>
-                      </p:stCondLst>
-                      <p:childTnLst>
-                        <p:par>
-                          <p:cTn id="62" fill="hold">
-                            <p:stCondLst>
-                              <p:cond delay="0"/>
-                            </p:stCondLst>
-                            <p:childTnLst>
-                              <p:par>
-                                <p:cTn id="63" presetID="1" presetClass="entr" presetSubtype="0" fill="hold" grpId="1" nodeType="clickEffect">
-                                  <p:stCondLst>
-                                    <p:cond delay="0"/>
-                                  </p:stCondLst>
-                                  <p:childTnLst>
-                                    <p:set>
-                                      <p:cBhvr>
-                                        <p:cTn id="64" dur="1" fill="hold">
-                                          <p:stCondLst>
-                                            <p:cond delay="0"/>
-                                          </p:stCondLst>
-                                        </p:cTn>
-                                        <p:tgtEl>
-                                          <p:spTgt spid="21"/>
-                                        </p:tgtEl>
-                                        <p:attrNameLst>
-                                          <p:attrName>style.visibility</p:attrName>
-                                        </p:attrNameLst>
-                                      </p:cBhvr>
-                                      <p:to>
-                                        <p:strVal val="visible"/>
-                                      </p:to>
-                                    </p:set>
-                                  </p:childTnLst>
-                                </p:cTn>
-                              </p:par>
-                            </p:childTnLst>
-                          </p:cTn>
-                        </p:par>
-                      </p:childTnLst>
-                    </p:cTn>
-                  </p:par>
-                  <p:par>
-                    <p:cTn id="65" fill="hold">
-                      <p:stCondLst>
-                        <p:cond delay="indefinite"/>
-                      </p:stCondLst>
-                      <p:childTnLst>
-                        <p:par>
-                          <p:cTn id="66" fill="hold">
-                            <p:stCondLst>
-                              <p:cond delay="0"/>
-                            </p:stCondLst>
-                            <p:childTnLst>
-                              <p:par>
-                                <p:cTn id="67" presetID="1" presetClass="exit" presetSubtype="0" fill="hold" grpId="0" nodeType="clickEffect">
-                                  <p:stCondLst>
-                                    <p:cond delay="0"/>
-                                  </p:stCondLst>
-                                  <p:childTnLst>
-                                    <p:set>
-                                      <p:cBhvr>
-                                        <p:cTn id="68" dur="1" fill="hold">
-                                          <p:stCondLst>
-                                            <p:cond delay="0"/>
-                                          </p:stCondLst>
-                                        </p:cTn>
-                                        <p:tgtEl>
-                                          <p:spTgt spid="21"/>
-                                        </p:tgtEl>
-                                        <p:attrNameLst>
-                                          <p:attrName>style.visibility</p:attrName>
-                                        </p:attrNameLst>
-                                      </p:cBhvr>
-                                      <p:to>
-                                        <p:strVal val="hidden"/>
-                                      </p:to>
-                                    </p:set>
-                                  </p:childTnLst>
-                                </p:cTn>
-                              </p:par>
-                            </p:childTnLst>
-                          </p:cTn>
-                        </p:par>
-                      </p:childTnLst>
-                    </p:cTn>
-                  </p:par>
-                  <p:par>
-                    <p:cTn id="69" fill="hold">
-                      <p:stCondLst>
-                        <p:cond delay="indefinite"/>
-                      </p:stCondLst>
-                      <p:childTnLst>
-                        <p:par>
-                          <p:cTn id="70" fill="hold">
-                            <p:stCondLst>
-                              <p:cond delay="0"/>
-                            </p:stCondLst>
-                            <p:childTnLst>
-                              <p:par>
-                                <p:cTn id="71" presetID="1" presetClass="entr" presetSubtype="0" fill="hold" nodeType="clickEffect">
-                                  <p:stCondLst>
-                                    <p:cond delay="0"/>
-                                  </p:stCondLst>
-                                  <p:childTnLst>
-                                    <p:set>
-                                      <p:cBhvr>
-                                        <p:cTn id="72" dur="1" fill="hold">
-                                          <p:stCondLst>
-                                            <p:cond delay="0"/>
-                                          </p:stCondLst>
-                                        </p:cTn>
-                                        <p:tgtEl>
-                                          <p:spTgt spid="22"/>
-                                        </p:tgtEl>
-                                        <p:attrNameLst>
-                                          <p:attrName>style.visibility</p:attrName>
-                                        </p:attrNameLst>
-                                      </p:cBhvr>
-                                      <p:to>
-                                        <p:strVal val="visible"/>
-                                      </p:to>
-                                    </p:set>
-                                  </p:childTnLst>
-                                </p:cTn>
-                              </p:par>
-                            </p:childTnLst>
-                          </p:cTn>
-                        </p:par>
-                      </p:childTnLst>
-                    </p:cTn>
-                  </p:par>
-                  <p:par>
-                    <p:cTn id="73" fill="hold">
-                      <p:stCondLst>
-                        <p:cond delay="indefinite"/>
-                      </p:stCondLst>
-                      <p:childTnLst>
-                        <p:par>
-                          <p:cTn id="74" fill="hold">
-                            <p:stCondLst>
-                              <p:cond delay="0"/>
-                            </p:stCondLst>
-                            <p:childTnLst>
-                              <p:par>
-                                <p:cTn id="75" presetID="1" presetClass="exit" presetSubtype="0" fill="hold" nodeType="clickEffect">
-                                  <p:stCondLst>
-                                    <p:cond delay="0"/>
-                                  </p:stCondLst>
-                                  <p:childTnLst>
-                                    <p:set>
-                                      <p:cBhvr>
-                                        <p:cTn id="76" dur="1" fill="hold">
-                                          <p:stCondLst>
-                                            <p:cond delay="0"/>
-                                          </p:stCondLst>
-                                        </p:cTn>
-                                        <p:tgtEl>
-                                          <p:spTgt spid="22"/>
-                                        </p:tgtEl>
-                                        <p:attrNameLst>
-                                          <p:attrName>style.visibility</p:attrName>
-                                        </p:attrNameLst>
-                                      </p:cBhvr>
-                                      <p:to>
-                                        <p:strVal val="hidden"/>
-                                      </p:to>
-                                    </p:set>
-                                  </p:childTnLst>
-                                </p:cTn>
-                              </p:par>
-                            </p:childTnLst>
-                          </p:cTn>
-                        </p:par>
-                      </p:childTnLst>
-                    </p:cTn>
-                  </p:par>
-                  <p:par>
-                    <p:cTn id="77" fill="hold">
-                      <p:stCondLst>
-                        <p:cond delay="indefinite"/>
-                      </p:stCondLst>
-                      <p:childTnLst>
-                        <p:par>
-                          <p:cTn id="78" fill="hold">
-                            <p:stCondLst>
-                              <p:cond delay="0"/>
-                            </p:stCondLst>
-                            <p:childTnLst>
-                              <p:par>
-                                <p:cTn id="79" presetID="1" presetClass="entr" presetSubtype="0" fill="hold" nodeType="clickEffect">
-                                  <p:stCondLst>
-                                    <p:cond delay="0"/>
-                                  </p:stCondLst>
-                                  <p:childTnLst>
-                                    <p:set>
-                                      <p:cBhvr>
-                                        <p:cTn id="80" dur="1" fill="hold">
-                                          <p:stCondLst>
-                                            <p:cond delay="0"/>
-                                          </p:stCondLst>
-                                        </p:cTn>
-                                        <p:tgtEl>
-                                          <p:spTgt spid="22"/>
-                                        </p:tgtEl>
-                                        <p:attrNameLst>
-                                          <p:attrName>style.visibility</p:attrName>
-                                        </p:attrNameLst>
-                                      </p:cBhvr>
-                                      <p:to>
-                                        <p:strVal val="visible"/>
-                                      </p:to>
-                                    </p:set>
-                                  </p:childTnLst>
-                                </p:cTn>
-                              </p:par>
-                              <p:par>
-                                <p:cTn id="81" presetID="1" presetClass="entr" presetSubtype="0" fill="hold" grpId="2" nodeType="withEffect">
-                                  <p:stCondLst>
-                                    <p:cond delay="0"/>
-                                  </p:stCondLst>
-                                  <p:childTnLst>
-                                    <p:set>
-                                      <p:cBhvr>
-                                        <p:cTn id="82" dur="1" fill="hold">
-                                          <p:stCondLst>
-                                            <p:cond delay="0"/>
-                                          </p:stCondLst>
-                                        </p:cTn>
-                                        <p:tgtEl>
-                                          <p:spTgt spid="21"/>
-                                        </p:tgtEl>
-                                        <p:attrNameLst>
-                                          <p:attrName>style.visibility</p:attrName>
-                                        </p:attrNameLst>
-                                      </p:cBhvr>
-                                      <p:to>
-                                        <p:strVal val="visible"/>
-                                      </p:to>
-                                    </p:set>
-                                  </p:childTnLst>
-                                </p:cTn>
-                              </p:par>
-                            </p:childTnLst>
-                          </p:cTn>
-                        </p:par>
-                      </p:childTnLst>
-                    </p:cTn>
-                  </p:par>
-                </p:childTnLst>
-              </p:cTn>
-              <p:prevCondLst>
-                <p:cond evt="onPrev" delay="0">
-                  <p:tgtEl>
-                    <p:sldTgt/>
-                  </p:tgtEl>
-                </p:cond>
-              </p:prevCondLst>
-              <p:nextCondLst>
-                <p:cond evt="onNext" delay="0">
-                  <p:tgtEl>
-                    <p:sldTgt/>
-                  </p:tgtEl>
-                </p:cond>
-              </p:nextCondLst>
-            </p:seq>
-          </p:childTnLst>
-        </p:cTn>
-      </p:par>
-    </p:tnLst>
-    <p:bldLst>
-      <p:bldP spid="9" grpId="0"/>
-      <p:bldP spid="9" grpId="1"/>
-      <p:bldP spid="11" grpId="0"/>
-      <p:bldP spid="11" grpId="1"/>
-      <p:bldP spid="14" grpId="0" animBg="1"/>
-      <p:bldP spid="19" grpId="0"/>
-      <p:bldP spid="19" grpId="1"/>
-      <p:bldP spid="19" grpId="2"/>
-      <p:bldP spid="21" grpId="0"/>
-      <p:bldP spid="21" grpId="1"/>
-      <p:bldP spid="21" grpId="2"/>
     </p:bldLst>
   </p:timing>
 </p:sld>
